--- a/Materials/Slides/templates/SOC2069_pptx_template.pptx
+++ b/Materials/Slides/templates/SOC2069_pptx_template.pptx
@@ -5,13 +5,15 @@
     <p:sldMasterId id="2147483648" r:id="rId1"/>
   </p:sldMasterIdLst>
   <p:notesMasterIdLst>
-    <p:notesMasterId r:id="rId6"/>
+    <p:notesMasterId r:id="rId8"/>
   </p:notesMasterIdLst>
   <p:sldIdLst>
     <p:sldId id="256" r:id="rId2"/>
-    <p:sldId id="257" r:id="rId3"/>
-    <p:sldId id="259" r:id="rId4"/>
-    <p:sldId id="258" r:id="rId5"/>
+    <p:sldId id="260" r:id="rId3"/>
+    <p:sldId id="257" r:id="rId4"/>
+    <p:sldId id="261" r:id="rId5"/>
+    <p:sldId id="259" r:id="rId6"/>
+    <p:sldId id="258" r:id="rId7"/>
   </p:sldIdLst>
   <p:sldSz cx="9144000" cy="5143500" type="screen16x9"/>
   <p:notesSz cx="6858000" cy="9144000"/>
@@ -211,7 +213,7 @@
           <a:p>
             <a:fld id="{0F9C1CCF-B725-44A7-AA57-5E433BD85C9F}" type="datetimeFigureOut">
               <a:rPr lang="en-US" smtClean="0"/>
-              <a:t>9/14/2023</a:t>
+              <a:t>9/25/2023</a:t>
             </a:fld>
             <a:endParaRPr lang="en-US"/>
           </a:p>
@@ -605,7 +607,7 @@
         </p:blipFill>
         <p:spPr>
           <a:xfrm>
-            <a:off x="0" y="0"/>
+            <a:off x="0" y="-7869"/>
             <a:ext cx="9144000" cy="5143500"/>
           </a:xfrm>
           <a:prstGeom prst="rect">
@@ -625,9 +627,12 @@
         </p:nvSpPr>
         <p:spPr>
           <a:xfrm>
-            <a:off x="2600324" y="2768157"/>
-            <a:ext cx="6167437" cy="647700"/>
-          </a:xfrm>
+            <a:off x="1506453" y="2512608"/>
+            <a:ext cx="6131085" cy="781398"/>
+          </a:xfrm>
+          <a:prstGeom prst="rect">
+            <a:avLst/>
+          </a:prstGeom>
           <a:effectLst>
             <a:outerShdw blurRad="50800" dist="38100" algn="l" rotWithShape="0">
               <a:prstClr val="black">
@@ -637,12 +642,12 @@
           </a:effectLst>
         </p:spPr>
         <p:txBody>
-          <a:bodyPr>
+          <a:bodyPr anchor="t">
             <a:noAutofit/>
           </a:bodyPr>
           <a:lstStyle>
-            <a:lvl1pPr algn="r">
-              <a:defRPr sz="4000"/>
+            <a:lvl1pPr algn="ctr">
+              <a:defRPr sz="3200"/>
             </a:lvl1pPr>
           </a:lstStyle>
           <a:p>
@@ -665,14 +670,17 @@
         </p:nvSpPr>
         <p:spPr>
           <a:xfrm>
-            <a:off x="2600324" y="3437062"/>
-            <a:ext cx="6167438" cy="419100"/>
-          </a:xfrm>
+            <a:off x="2956853" y="3318386"/>
+            <a:ext cx="3230289" cy="374810"/>
+          </a:xfrm>
+          <a:prstGeom prst="rect">
+            <a:avLst/>
+          </a:prstGeom>
         </p:spPr>
         <p:txBody>
           <a:bodyPr/>
           <a:lstStyle>
-            <a:lvl1pPr marL="0" indent="0" algn="r">
+            <a:lvl1pPr marL="0" indent="0" algn="ctr">
               <a:buNone/>
               <a:defRPr b="1">
                 <a:solidFill>
@@ -797,8 +805,8 @@
         </p:blipFill>
         <p:spPr>
           <a:xfrm>
-            <a:off x="7328146" y="4344290"/>
-            <a:ext cx="210645" cy="210645"/>
+            <a:off x="1506453" y="3699520"/>
+            <a:ext cx="213499" cy="213499"/>
           </a:xfrm>
           <a:prstGeom prst="rect">
             <a:avLst/>
@@ -833,8 +841,8 @@
         </p:blipFill>
         <p:spPr>
           <a:xfrm>
-            <a:off x="7335838" y="4607047"/>
-            <a:ext cx="195262" cy="195262"/>
+            <a:off x="1506453" y="3935854"/>
+            <a:ext cx="197906" cy="197906"/>
           </a:xfrm>
           <a:prstGeom prst="rect">
             <a:avLst/>
@@ -855,8 +863,8 @@
         </p:nvSpPr>
         <p:spPr>
           <a:xfrm>
-            <a:off x="7496175" y="4296468"/>
-            <a:ext cx="1822450" cy="307777"/>
+            <a:off x="1644488" y="3658387"/>
+            <a:ext cx="1453941" cy="307777"/>
           </a:xfrm>
           <a:prstGeom prst="rect">
             <a:avLst/>
@@ -898,8 +906,8 @@
         </p:nvSpPr>
         <p:spPr>
           <a:xfrm>
-            <a:off x="7496175" y="4554935"/>
-            <a:ext cx="1822450" cy="307777"/>
+            <a:off x="1644488" y="3879128"/>
+            <a:ext cx="1453941" cy="307777"/>
           </a:xfrm>
           <a:prstGeom prst="rect">
             <a:avLst/>
@@ -948,8 +956,8 @@
         </p:blipFill>
         <p:spPr>
           <a:xfrm>
-            <a:off x="4572000" y="1212081"/>
-            <a:ext cx="4333908" cy="1275288"/>
+            <a:off x="1380269" y="637860"/>
+            <a:ext cx="6383452" cy="1788479"/>
           </a:xfrm>
           <a:prstGeom prst="rect">
             <a:avLst/>
@@ -996,7 +1004,15 @@
             <p:ph type="title"/>
           </p:nvPr>
         </p:nvSpPr>
-        <p:spPr/>
+        <p:spPr>
+          <a:xfrm>
+            <a:off x="457200" y="205979"/>
+            <a:ext cx="7532376" cy="371011"/>
+          </a:xfrm>
+          <a:prstGeom prst="rect">
+            <a:avLst/>
+          </a:prstGeom>
+        </p:spPr>
         <p:txBody>
           <a:bodyPr/>
           <a:lstStyle>
@@ -1113,7 +1129,7 @@
                 <a:latin typeface="Courier New" panose="02070309020205020404" pitchFamily="49" charset="0"/>
                 <a:cs typeface="Courier New" panose="02070309020205020404" pitchFamily="49" charset="0"/>
               </a:rPr>
-              <a:t>{R code}</a:t>
+              <a:t>&lt;/&gt;</a:t>
             </a:r>
           </a:p>
         </p:txBody>
@@ -1136,9 +1152,12 @@
         </p:nvSpPr>
         <p:spPr>
           <a:xfrm>
-            <a:off x="457200" y="1131488"/>
-            <a:ext cx="4555554" cy="3716806"/>
-          </a:xfrm>
+            <a:off x="457200" y="1103875"/>
+            <a:ext cx="4555554" cy="3744419"/>
+          </a:xfrm>
+          <a:prstGeom prst="rect">
+            <a:avLst/>
+          </a:prstGeom>
           <a:solidFill>
             <a:srgbClr val="FFF4D1"/>
           </a:solidFill>
@@ -1206,367 +1225,391 @@
       </p:sp>
       <p:sp>
         <p:nvSpPr>
-          <p:cNvPr id="4" name="Callout: Line 3">
-            <a:extLst>
-              <a:ext uri="{FF2B5EF4-FFF2-40B4-BE49-F238E27FC236}">
-                <a16:creationId xmlns:a16="http://schemas.microsoft.com/office/drawing/2014/main" id="{08A70ACA-BD61-7EE9-22AB-8FB040AF6EF3}"/>
-              </a:ext>
-            </a:extLst>
-          </p:cNvPr>
-          <p:cNvSpPr/>
-          <p:nvPr userDrawn="1"/>
-        </p:nvSpPr>
-        <p:spPr>
-          <a:xfrm>
-            <a:off x="5124576" y="828709"/>
-            <a:ext cx="3670757" cy="610800"/>
+          <p:cNvPr id="14" name="Text Placeholder 13">
+            <a:extLst>
+              <a:ext uri="{FF2B5EF4-FFF2-40B4-BE49-F238E27FC236}">
+                <a16:creationId xmlns:a16="http://schemas.microsoft.com/office/drawing/2014/main" id="{F2D88C25-46CF-1625-0335-D16D0CFF5B62}"/>
+              </a:ext>
+            </a:extLst>
+          </p:cNvPr>
+          <p:cNvSpPr>
+            <a:spLocks noGrp="1"/>
+          </p:cNvSpPr>
+          <p:nvPr>
+            <p:ph type="body" sz="quarter" idx="13"/>
+          </p:nvPr>
+        </p:nvSpPr>
+        <p:spPr>
+          <a:xfrm>
+            <a:off x="5170936" y="846186"/>
+            <a:ext cx="3509962" cy="746941"/>
           </a:xfrm>
           <a:prstGeom prst="borderCallout1">
             <a:avLst>
-              <a:gd name="adj1" fmla="val 50692"/>
-              <a:gd name="adj2" fmla="val 3"/>
-              <a:gd name="adj3" fmla="val 77323"/>
-              <a:gd name="adj4" fmla="val -23209"/>
+              <a:gd name="adj1" fmla="val 48856"/>
+              <a:gd name="adj2" fmla="val -274"/>
+              <a:gd name="adj3" fmla="val 49021"/>
+              <a:gd name="adj4" fmla="val -31246"/>
             </a:avLst>
           </a:prstGeom>
           <a:solidFill>
-            <a:srgbClr val="E2EFD9">
-              <a:alpha val="94118"/>
-            </a:srgbClr>
+            <a:schemeClr val="bg2">
+              <a:lumMod val="90000"/>
+            </a:schemeClr>
           </a:solidFill>
-          <a:ln>
+          <a:ln w="12700">
             <a:solidFill>
-              <a:srgbClr val="CBE2BC">
-                <a:alpha val="92157"/>
-              </a:srgbClr>
+              <a:schemeClr val="bg2">
+                <a:lumMod val="25000"/>
+              </a:schemeClr>
             </a:solidFill>
           </a:ln>
         </p:spPr>
-        <p:style>
-          <a:lnRef idx="1">
-            <a:schemeClr val="accent1"/>
-          </a:lnRef>
-          <a:fillRef idx="3">
-            <a:schemeClr val="accent1"/>
-          </a:fillRef>
-          <a:effectRef idx="2">
-            <a:schemeClr val="accent1"/>
-          </a:effectRef>
-          <a:fontRef idx="minor">
-            <a:schemeClr val="lt1"/>
-          </a:fontRef>
-        </p:style>
-        <p:txBody>
-          <a:bodyPr rtlCol="0" anchor="ctr"/>
-          <a:lstStyle/>
-          <a:p>
-            <a:pPr algn="ctr"/>
+        <p:txBody>
+          <a:bodyPr>
+            <a:noAutofit/>
+          </a:bodyPr>
+          <a:lstStyle>
+            <a:lvl1pPr marL="0" indent="0">
+              <a:buNone/>
+              <a:defRPr sz="1000"/>
+            </a:lvl1pPr>
+            <a:lvl2pPr marL="342900" indent="0">
+              <a:buNone/>
+              <a:defRPr sz="1200"/>
+            </a:lvl2pPr>
+            <a:lvl3pPr marL="685800" indent="0">
+              <a:buNone/>
+              <a:defRPr sz="1200"/>
+            </a:lvl3pPr>
+            <a:lvl4pPr marL="1028700" indent="0">
+              <a:buNone/>
+              <a:defRPr sz="1200"/>
+            </a:lvl4pPr>
+            <a:lvl5pPr marL="1371600" indent="0">
+              <a:buNone/>
+              <a:defRPr sz="1200"/>
+            </a:lvl5pPr>
+          </a:lstStyle>
+          <a:p>
+            <a:pPr lvl="0"/>
+            <a:r>
+              <a:rPr lang="en-US" dirty="0"/>
+              <a:t>Click to edit Master text styles</a:t>
+            </a:r>
             <a:endParaRPr lang="en-GB" dirty="0"/>
           </a:p>
         </p:txBody>
       </p:sp>
       <p:sp>
         <p:nvSpPr>
-          <p:cNvPr id="5" name="Callout: Line 4">
-            <a:extLst>
-              <a:ext uri="{FF2B5EF4-FFF2-40B4-BE49-F238E27FC236}">
-                <a16:creationId xmlns:a16="http://schemas.microsoft.com/office/drawing/2014/main" id="{DB2459E6-1A18-10DB-2E8C-9D91A4C4BE8F}"/>
-              </a:ext>
-            </a:extLst>
-          </p:cNvPr>
-          <p:cNvSpPr/>
-          <p:nvPr userDrawn="1"/>
-        </p:nvSpPr>
-        <p:spPr>
-          <a:xfrm>
-            <a:off x="5124577" y="1505512"/>
-            <a:ext cx="3670757" cy="610800"/>
+          <p:cNvPr id="15" name="Text Placeholder 13">
+            <a:extLst>
+              <a:ext uri="{FF2B5EF4-FFF2-40B4-BE49-F238E27FC236}">
+                <a16:creationId xmlns:a16="http://schemas.microsoft.com/office/drawing/2014/main" id="{1B9C554B-7E7A-3015-1DF3-6130D7D3568C}"/>
+              </a:ext>
+            </a:extLst>
+          </p:cNvPr>
+          <p:cNvSpPr>
+            <a:spLocks noGrp="1"/>
+          </p:cNvSpPr>
+          <p:nvPr>
+            <p:ph type="body" sz="quarter" idx="14"/>
+          </p:nvPr>
+        </p:nvSpPr>
+        <p:spPr>
+          <a:xfrm>
+            <a:off x="5176838" y="1660596"/>
+            <a:ext cx="3509962" cy="746941"/>
           </a:xfrm>
           <a:prstGeom prst="borderCallout1">
             <a:avLst>
-              <a:gd name="adj1" fmla="val 50692"/>
-              <a:gd name="adj2" fmla="val 3"/>
-              <a:gd name="adj3" fmla="val 33292"/>
-              <a:gd name="adj4" fmla="val -25407"/>
+              <a:gd name="adj1" fmla="val 48856"/>
+              <a:gd name="adj2" fmla="val -274"/>
+              <a:gd name="adj3" fmla="val 49021"/>
+              <a:gd name="adj4" fmla="val -31246"/>
             </a:avLst>
           </a:prstGeom>
           <a:solidFill>
-            <a:srgbClr val="E2EFD9">
-              <a:alpha val="94118"/>
-            </a:srgbClr>
+            <a:schemeClr val="bg2">
+              <a:lumMod val="90000"/>
+            </a:schemeClr>
           </a:solidFill>
-          <a:ln>
+          <a:ln w="12700">
             <a:solidFill>
-              <a:srgbClr val="CBE2BC">
-                <a:alpha val="92157"/>
-              </a:srgbClr>
+              <a:schemeClr val="bg2">
+                <a:lumMod val="25000"/>
+              </a:schemeClr>
             </a:solidFill>
           </a:ln>
         </p:spPr>
-        <p:style>
-          <a:lnRef idx="1">
-            <a:schemeClr val="accent1"/>
-          </a:lnRef>
-          <a:fillRef idx="3">
-            <a:schemeClr val="accent1"/>
-          </a:fillRef>
-          <a:effectRef idx="2">
-            <a:schemeClr val="accent1"/>
-          </a:effectRef>
-          <a:fontRef idx="minor">
-            <a:schemeClr val="lt1"/>
-          </a:fontRef>
-        </p:style>
-        <p:txBody>
-          <a:bodyPr rtlCol="0" anchor="ctr"/>
-          <a:lstStyle/>
-          <a:p>
-            <a:pPr algn="ctr"/>
-            <a:endParaRPr lang="en-GB"/>
-          </a:p>
-        </p:txBody>
-      </p:sp>
-      <p:sp>
-        <p:nvSpPr>
-          <p:cNvPr id="6" name="Callout: Line 5">
-            <a:extLst>
-              <a:ext uri="{FF2B5EF4-FFF2-40B4-BE49-F238E27FC236}">
-                <a16:creationId xmlns:a16="http://schemas.microsoft.com/office/drawing/2014/main" id="{B092254E-2D31-02E3-3808-AF7E2F7B9787}"/>
-              </a:ext>
-            </a:extLst>
-          </p:cNvPr>
-          <p:cNvSpPr/>
-          <p:nvPr userDrawn="1"/>
-        </p:nvSpPr>
-        <p:spPr>
-          <a:xfrm>
-            <a:off x="5124578" y="2192204"/>
-            <a:ext cx="3670757" cy="610800"/>
+        <p:txBody>
+          <a:bodyPr>
+            <a:noAutofit/>
+          </a:bodyPr>
+          <a:lstStyle>
+            <a:lvl1pPr marL="0" indent="0">
+              <a:buNone/>
+              <a:defRPr sz="1000"/>
+            </a:lvl1pPr>
+            <a:lvl2pPr marL="342900" indent="0">
+              <a:buNone/>
+              <a:defRPr sz="1200"/>
+            </a:lvl2pPr>
+            <a:lvl3pPr marL="685800" indent="0">
+              <a:buNone/>
+              <a:defRPr sz="1200"/>
+            </a:lvl3pPr>
+            <a:lvl4pPr marL="1028700" indent="0">
+              <a:buNone/>
+              <a:defRPr sz="1200"/>
+            </a:lvl4pPr>
+            <a:lvl5pPr marL="1371600" indent="0">
+              <a:buNone/>
+              <a:defRPr sz="1200"/>
+            </a:lvl5pPr>
+          </a:lstStyle>
+          <a:p>
+            <a:pPr lvl="0"/>
+            <a:r>
+              <a:rPr lang="en-US" dirty="0"/>
+              <a:t>Click to edit Master text styles</a:t>
+            </a:r>
+            <a:endParaRPr lang="en-GB" dirty="0"/>
+          </a:p>
+        </p:txBody>
+      </p:sp>
+      <p:sp>
+        <p:nvSpPr>
+          <p:cNvPr id="16" name="Text Placeholder 13">
+            <a:extLst>
+              <a:ext uri="{FF2B5EF4-FFF2-40B4-BE49-F238E27FC236}">
+                <a16:creationId xmlns:a16="http://schemas.microsoft.com/office/drawing/2014/main" id="{108EE0C6-B2B1-B8CC-8ED9-05F5E01E9C37}"/>
+              </a:ext>
+            </a:extLst>
+          </p:cNvPr>
+          <p:cNvSpPr>
+            <a:spLocks noGrp="1"/>
+          </p:cNvSpPr>
+          <p:nvPr>
+            <p:ph type="body" sz="quarter" idx="15"/>
+          </p:nvPr>
+        </p:nvSpPr>
+        <p:spPr>
+          <a:xfrm>
+            <a:off x="5170936" y="2474259"/>
+            <a:ext cx="3509962" cy="746941"/>
           </a:xfrm>
           <a:prstGeom prst="borderCallout1">
             <a:avLst>
-              <a:gd name="adj1" fmla="val 50692"/>
-              <a:gd name="adj2" fmla="val 3"/>
-              <a:gd name="adj3" fmla="val 33292"/>
-              <a:gd name="adj4" fmla="val -25407"/>
+              <a:gd name="adj1" fmla="val 48856"/>
+              <a:gd name="adj2" fmla="val -274"/>
+              <a:gd name="adj3" fmla="val 49021"/>
+              <a:gd name="adj4" fmla="val -31246"/>
             </a:avLst>
           </a:prstGeom>
           <a:solidFill>
-            <a:srgbClr val="E2EFD9">
-              <a:alpha val="94118"/>
-            </a:srgbClr>
+            <a:schemeClr val="bg2">
+              <a:lumMod val="90000"/>
+            </a:schemeClr>
           </a:solidFill>
-          <a:ln>
+          <a:ln w="12700">
             <a:solidFill>
-              <a:srgbClr val="CBE2BC">
-                <a:alpha val="92157"/>
-              </a:srgbClr>
+              <a:schemeClr val="bg2">
+                <a:lumMod val="25000"/>
+              </a:schemeClr>
             </a:solidFill>
           </a:ln>
         </p:spPr>
-        <p:style>
-          <a:lnRef idx="1">
-            <a:schemeClr val="accent1"/>
-          </a:lnRef>
-          <a:fillRef idx="3">
-            <a:schemeClr val="accent1"/>
-          </a:fillRef>
-          <a:effectRef idx="2">
-            <a:schemeClr val="accent1"/>
-          </a:effectRef>
-          <a:fontRef idx="minor">
-            <a:schemeClr val="lt1"/>
-          </a:fontRef>
-        </p:style>
-        <p:txBody>
-          <a:bodyPr rtlCol="0" anchor="ctr"/>
-          <a:lstStyle/>
-          <a:p>
-            <a:pPr algn="ctr"/>
-            <a:endParaRPr lang="en-GB"/>
-          </a:p>
-        </p:txBody>
-      </p:sp>
-      <p:sp>
-        <p:nvSpPr>
-          <p:cNvPr id="11" name="Callout: Line 10">
-            <a:extLst>
-              <a:ext uri="{FF2B5EF4-FFF2-40B4-BE49-F238E27FC236}">
-                <a16:creationId xmlns:a16="http://schemas.microsoft.com/office/drawing/2014/main" id="{977EC03B-FFEF-1DF2-9C2D-E96C19D51A3F}"/>
-              </a:ext>
-            </a:extLst>
-          </p:cNvPr>
-          <p:cNvSpPr/>
-          <p:nvPr userDrawn="1"/>
-        </p:nvSpPr>
-        <p:spPr>
-          <a:xfrm>
-            <a:off x="5124579" y="2874000"/>
-            <a:ext cx="3670757" cy="610800"/>
+        <p:txBody>
+          <a:bodyPr>
+            <a:noAutofit/>
+          </a:bodyPr>
+          <a:lstStyle>
+            <a:lvl1pPr marL="0" indent="0">
+              <a:buNone/>
+              <a:defRPr sz="1000"/>
+            </a:lvl1pPr>
+            <a:lvl2pPr marL="342900" indent="0">
+              <a:buNone/>
+              <a:defRPr sz="1200"/>
+            </a:lvl2pPr>
+            <a:lvl3pPr marL="685800" indent="0">
+              <a:buNone/>
+              <a:defRPr sz="1200"/>
+            </a:lvl3pPr>
+            <a:lvl4pPr marL="1028700" indent="0">
+              <a:buNone/>
+              <a:defRPr sz="1200"/>
+            </a:lvl4pPr>
+            <a:lvl5pPr marL="1371600" indent="0">
+              <a:buNone/>
+              <a:defRPr sz="1200"/>
+            </a:lvl5pPr>
+          </a:lstStyle>
+          <a:p>
+            <a:pPr lvl="0"/>
+            <a:r>
+              <a:rPr lang="en-US" dirty="0"/>
+              <a:t>Click to edit Master text styles</a:t>
+            </a:r>
+            <a:endParaRPr lang="en-GB" dirty="0"/>
+          </a:p>
+        </p:txBody>
+      </p:sp>
+      <p:sp>
+        <p:nvSpPr>
+          <p:cNvPr id="17" name="Text Placeholder 13">
+            <a:extLst>
+              <a:ext uri="{FF2B5EF4-FFF2-40B4-BE49-F238E27FC236}">
+                <a16:creationId xmlns:a16="http://schemas.microsoft.com/office/drawing/2014/main" id="{A58E1145-CE35-74B4-04F3-3F6A2CFDD3E2}"/>
+              </a:ext>
+            </a:extLst>
+          </p:cNvPr>
+          <p:cNvSpPr>
+            <a:spLocks noGrp="1"/>
+          </p:cNvSpPr>
+          <p:nvPr>
+            <p:ph type="body" sz="quarter" idx="16"/>
+          </p:nvPr>
+        </p:nvSpPr>
+        <p:spPr>
+          <a:xfrm>
+            <a:off x="5170936" y="3287806"/>
+            <a:ext cx="3509962" cy="746941"/>
           </a:xfrm>
           <a:prstGeom prst="borderCallout1">
             <a:avLst>
-              <a:gd name="adj1" fmla="val 50692"/>
-              <a:gd name="adj2" fmla="val 3"/>
-              <a:gd name="adj3" fmla="val 33292"/>
-              <a:gd name="adj4" fmla="val -25407"/>
+              <a:gd name="adj1" fmla="val 48856"/>
+              <a:gd name="adj2" fmla="val -274"/>
+              <a:gd name="adj3" fmla="val 49021"/>
+              <a:gd name="adj4" fmla="val -31246"/>
             </a:avLst>
           </a:prstGeom>
           <a:solidFill>
-            <a:srgbClr val="E2EFD9">
-              <a:alpha val="94118"/>
-            </a:srgbClr>
+            <a:schemeClr val="bg2">
+              <a:lumMod val="90000"/>
+            </a:schemeClr>
           </a:solidFill>
-          <a:ln>
+          <a:ln w="12700">
             <a:solidFill>
-              <a:srgbClr val="CBE2BC">
-                <a:alpha val="92157"/>
-              </a:srgbClr>
+              <a:schemeClr val="bg2">
+                <a:lumMod val="25000"/>
+              </a:schemeClr>
             </a:solidFill>
           </a:ln>
         </p:spPr>
-        <p:style>
-          <a:lnRef idx="1">
-            <a:schemeClr val="accent1"/>
-          </a:lnRef>
-          <a:fillRef idx="3">
-            <a:schemeClr val="accent1"/>
-          </a:fillRef>
-          <a:effectRef idx="2">
-            <a:schemeClr val="accent1"/>
-          </a:effectRef>
-          <a:fontRef idx="minor">
-            <a:schemeClr val="lt1"/>
-          </a:fontRef>
-        </p:style>
-        <p:txBody>
-          <a:bodyPr rtlCol="0" anchor="ctr"/>
-          <a:lstStyle/>
-          <a:p>
-            <a:pPr algn="ctr"/>
+        <p:txBody>
+          <a:bodyPr>
+            <a:noAutofit/>
+          </a:bodyPr>
+          <a:lstStyle>
+            <a:lvl1pPr marL="0" indent="0">
+              <a:buNone/>
+              <a:defRPr sz="1000"/>
+            </a:lvl1pPr>
+            <a:lvl2pPr marL="342900" indent="0">
+              <a:buNone/>
+              <a:defRPr sz="1200"/>
+            </a:lvl2pPr>
+            <a:lvl3pPr marL="685800" indent="0">
+              <a:buNone/>
+              <a:defRPr sz="1200"/>
+            </a:lvl3pPr>
+            <a:lvl4pPr marL="1028700" indent="0">
+              <a:buNone/>
+              <a:defRPr sz="1200"/>
+            </a:lvl4pPr>
+            <a:lvl5pPr marL="1371600" indent="0">
+              <a:buNone/>
+              <a:defRPr sz="1200"/>
+            </a:lvl5pPr>
+          </a:lstStyle>
+          <a:p>
+            <a:pPr lvl="0"/>
+            <a:r>
+              <a:rPr lang="en-US" dirty="0"/>
+              <a:t>Click to edit Master text styles</a:t>
+            </a:r>
             <a:endParaRPr lang="en-GB" dirty="0"/>
           </a:p>
         </p:txBody>
       </p:sp>
       <p:sp>
         <p:nvSpPr>
-          <p:cNvPr id="12" name="Callout: Line 11">
-            <a:extLst>
-              <a:ext uri="{FF2B5EF4-FFF2-40B4-BE49-F238E27FC236}">
-                <a16:creationId xmlns:a16="http://schemas.microsoft.com/office/drawing/2014/main" id="{FAFB33B0-6BB1-A473-C56E-3B4E3AAD9688}"/>
-              </a:ext>
-            </a:extLst>
-          </p:cNvPr>
-          <p:cNvSpPr/>
-          <p:nvPr userDrawn="1"/>
-        </p:nvSpPr>
-        <p:spPr>
-          <a:xfrm>
-            <a:off x="5124580" y="3555699"/>
-            <a:ext cx="3670757" cy="610800"/>
+          <p:cNvPr id="18" name="Text Placeholder 13">
+            <a:extLst>
+              <a:ext uri="{FF2B5EF4-FFF2-40B4-BE49-F238E27FC236}">
+                <a16:creationId xmlns:a16="http://schemas.microsoft.com/office/drawing/2014/main" id="{CB93C2E5-0D44-15AF-EE6B-BE5799D8B00C}"/>
+              </a:ext>
+            </a:extLst>
+          </p:cNvPr>
+          <p:cNvSpPr>
+            <a:spLocks noGrp="1"/>
+          </p:cNvSpPr>
+          <p:nvPr>
+            <p:ph type="body" sz="quarter" idx="17"/>
+          </p:nvPr>
+        </p:nvSpPr>
+        <p:spPr>
+          <a:xfrm>
+            <a:off x="5170936" y="4101353"/>
+            <a:ext cx="3509962" cy="746941"/>
           </a:xfrm>
           <a:prstGeom prst="borderCallout1">
             <a:avLst>
-              <a:gd name="adj1" fmla="val 50692"/>
-              <a:gd name="adj2" fmla="val 3"/>
-              <a:gd name="adj3" fmla="val 33292"/>
-              <a:gd name="adj4" fmla="val -25407"/>
+              <a:gd name="adj1" fmla="val 48856"/>
+              <a:gd name="adj2" fmla="val -274"/>
+              <a:gd name="adj3" fmla="val 49021"/>
+              <a:gd name="adj4" fmla="val -31246"/>
             </a:avLst>
           </a:prstGeom>
           <a:solidFill>
-            <a:srgbClr val="E2EFD9">
-              <a:alpha val="94118"/>
-            </a:srgbClr>
+            <a:schemeClr val="bg2">
+              <a:lumMod val="90000"/>
+            </a:schemeClr>
           </a:solidFill>
-          <a:ln>
+          <a:ln w="12700">
             <a:solidFill>
-              <a:srgbClr val="CBE2BC">
-                <a:alpha val="92157"/>
-              </a:srgbClr>
+              <a:schemeClr val="bg2">
+                <a:lumMod val="25000"/>
+              </a:schemeClr>
             </a:solidFill>
           </a:ln>
         </p:spPr>
-        <p:style>
-          <a:lnRef idx="1">
-            <a:schemeClr val="accent1"/>
-          </a:lnRef>
-          <a:fillRef idx="3">
-            <a:schemeClr val="accent1"/>
-          </a:fillRef>
-          <a:effectRef idx="2">
-            <a:schemeClr val="accent1"/>
-          </a:effectRef>
-          <a:fontRef idx="minor">
-            <a:schemeClr val="lt1"/>
-          </a:fontRef>
-        </p:style>
-        <p:txBody>
-          <a:bodyPr rtlCol="0" anchor="ctr"/>
-          <a:lstStyle/>
-          <a:p>
-            <a:pPr algn="ctr"/>
-            <a:endParaRPr lang="en-GB"/>
-          </a:p>
-        </p:txBody>
-      </p:sp>
-      <p:sp>
-        <p:nvSpPr>
-          <p:cNvPr id="13" name="Callout: Line 12">
-            <a:extLst>
-              <a:ext uri="{FF2B5EF4-FFF2-40B4-BE49-F238E27FC236}">
-                <a16:creationId xmlns:a16="http://schemas.microsoft.com/office/drawing/2014/main" id="{7A46F2D6-531F-F319-94DB-B1C17925177F}"/>
-              </a:ext>
-            </a:extLst>
-          </p:cNvPr>
-          <p:cNvSpPr/>
-          <p:nvPr userDrawn="1"/>
-        </p:nvSpPr>
-        <p:spPr>
-          <a:xfrm>
-            <a:off x="5124585" y="4237495"/>
-            <a:ext cx="3670757" cy="610800"/>
-          </a:xfrm>
-          <a:prstGeom prst="borderCallout1">
-            <a:avLst>
-              <a:gd name="adj1" fmla="val 50692"/>
-              <a:gd name="adj2" fmla="val 3"/>
-              <a:gd name="adj3" fmla="val 33292"/>
-              <a:gd name="adj4" fmla="val -25407"/>
-            </a:avLst>
-          </a:prstGeom>
-          <a:solidFill>
-            <a:srgbClr val="E2EFD9">
-              <a:alpha val="94118"/>
-            </a:srgbClr>
-          </a:solidFill>
-          <a:ln>
-            <a:solidFill>
-              <a:srgbClr val="CBE2BC">
-                <a:alpha val="92157"/>
-              </a:srgbClr>
-            </a:solidFill>
-          </a:ln>
-        </p:spPr>
-        <p:style>
-          <a:lnRef idx="1">
-            <a:schemeClr val="accent1"/>
-          </a:lnRef>
-          <a:fillRef idx="3">
-            <a:schemeClr val="accent1"/>
-          </a:fillRef>
-          <a:effectRef idx="2">
-            <a:schemeClr val="accent1"/>
-          </a:effectRef>
-          <a:fontRef idx="minor">
-            <a:schemeClr val="lt1"/>
-          </a:fontRef>
-        </p:style>
-        <p:txBody>
-          <a:bodyPr rtlCol="0" anchor="ctr"/>
-          <a:lstStyle/>
-          <a:p>
-            <a:pPr algn="ctr"/>
-            <a:endParaRPr lang="en-GB"/>
+        <p:txBody>
+          <a:bodyPr>
+            <a:noAutofit/>
+          </a:bodyPr>
+          <a:lstStyle>
+            <a:lvl1pPr marL="0" indent="0">
+              <a:buNone/>
+              <a:defRPr sz="1000"/>
+            </a:lvl1pPr>
+            <a:lvl2pPr marL="342900" indent="0">
+              <a:buNone/>
+              <a:defRPr sz="1200"/>
+            </a:lvl2pPr>
+            <a:lvl3pPr marL="685800" indent="0">
+              <a:buNone/>
+              <a:defRPr sz="1200"/>
+            </a:lvl3pPr>
+            <a:lvl4pPr marL="1028700" indent="0">
+              <a:buNone/>
+              <a:defRPr sz="1200"/>
+            </a:lvl4pPr>
+            <a:lvl5pPr marL="1371600" indent="0">
+              <a:buNone/>
+              <a:defRPr sz="1200"/>
+            </a:lvl5pPr>
+          </a:lstStyle>
+          <a:p>
+            <a:pPr lvl="0"/>
+            <a:r>
+              <a:rPr lang="en-US" dirty="0"/>
+              <a:t>Click to edit Master text styles</a:t>
+            </a:r>
+            <a:endParaRPr lang="en-GB" dirty="0"/>
           </a:p>
         </p:txBody>
       </p:sp>
@@ -1610,7 +1653,15 @@
             <p:ph type="title"/>
           </p:nvPr>
         </p:nvSpPr>
-        <p:spPr/>
+        <p:spPr>
+          <a:xfrm>
+            <a:off x="457200" y="205979"/>
+            <a:ext cx="7532376" cy="371011"/>
+          </a:xfrm>
+          <a:prstGeom prst="rect">
+            <a:avLst/>
+          </a:prstGeom>
+        </p:spPr>
         <p:txBody>
           <a:bodyPr/>
           <a:lstStyle>
@@ -1675,10 +1726,10 @@
       </p:sp>
       <p:sp>
         <p:nvSpPr>
-          <p:cNvPr id="4" name="Callout: Line 3">
-            <a:extLst>
-              <a:ext uri="{FF2B5EF4-FFF2-40B4-BE49-F238E27FC236}">
-                <a16:creationId xmlns:a16="http://schemas.microsoft.com/office/drawing/2014/main" id="{08A70ACA-BD61-7EE9-22AB-8FB040AF6EF3}"/>
+          <p:cNvPr id="10" name="Rectangle 9">
+            <a:extLst>
+              <a:ext uri="{FF2B5EF4-FFF2-40B4-BE49-F238E27FC236}">
+                <a16:creationId xmlns:a16="http://schemas.microsoft.com/office/drawing/2014/main" id="{181FEFBD-4227-460D-52B0-6E1E0EB0F2ED}"/>
               </a:ext>
             </a:extLst>
           </p:cNvPr>
@@ -1687,30 +1738,17 @@
         </p:nvSpPr>
         <p:spPr>
           <a:xfrm>
-            <a:off x="5124576" y="828709"/>
-            <a:ext cx="3670757" cy="610800"/>
-          </a:xfrm>
-          <a:prstGeom prst="borderCallout1">
-            <a:avLst>
-              <a:gd name="adj1" fmla="val 50692"/>
-              <a:gd name="adj2" fmla="val 3"/>
-              <a:gd name="adj3" fmla="val 77323"/>
-              <a:gd name="adj4" fmla="val -23209"/>
-            </a:avLst>
+            <a:off x="457200" y="795153"/>
+            <a:ext cx="4555554" cy="212180"/>
+          </a:xfrm>
+          <a:prstGeom prst="rect">
+            <a:avLst/>
           </a:prstGeom>
           <a:solidFill>
-            <a:srgbClr val="C6D9F1">
-              <a:alpha val="94118"/>
-            </a:srgbClr>
+            <a:srgbClr val="FAE3D6"/>
           </a:solidFill>
           <a:ln>
-            <a:solidFill>
-              <a:schemeClr val="tx2">
-                <a:lumMod val="20000"/>
-                <a:lumOff val="80000"/>
-                <a:alpha val="92157"/>
-              </a:schemeClr>
-            </a:solidFill>
+            <a:noFill/>
           </a:ln>
         </p:spPr>
         <p:style>
@@ -1732,371 +1770,6 @@
           <a:lstStyle/>
           <a:p>
             <a:pPr algn="ctr"/>
-            <a:endParaRPr lang="en-GB" dirty="0"/>
-          </a:p>
-        </p:txBody>
-      </p:sp>
-      <p:sp>
-        <p:nvSpPr>
-          <p:cNvPr id="5" name="Callout: Line 4">
-            <a:extLst>
-              <a:ext uri="{FF2B5EF4-FFF2-40B4-BE49-F238E27FC236}">
-                <a16:creationId xmlns:a16="http://schemas.microsoft.com/office/drawing/2014/main" id="{DB2459E6-1A18-10DB-2E8C-9D91A4C4BE8F}"/>
-              </a:ext>
-            </a:extLst>
-          </p:cNvPr>
-          <p:cNvSpPr/>
-          <p:nvPr userDrawn="1"/>
-        </p:nvSpPr>
-        <p:spPr>
-          <a:xfrm>
-            <a:off x="5124577" y="1505512"/>
-            <a:ext cx="3670757" cy="610800"/>
-          </a:xfrm>
-          <a:prstGeom prst="borderCallout1">
-            <a:avLst>
-              <a:gd name="adj1" fmla="val 50692"/>
-              <a:gd name="adj2" fmla="val 3"/>
-              <a:gd name="adj3" fmla="val 33292"/>
-              <a:gd name="adj4" fmla="val -25407"/>
-            </a:avLst>
-          </a:prstGeom>
-          <a:solidFill>
-            <a:srgbClr val="C6D9F1">
-              <a:alpha val="94118"/>
-            </a:srgbClr>
-          </a:solidFill>
-          <a:ln>
-            <a:solidFill>
-              <a:schemeClr val="tx2">
-                <a:lumMod val="20000"/>
-                <a:lumOff val="80000"/>
-                <a:alpha val="92157"/>
-              </a:schemeClr>
-            </a:solidFill>
-          </a:ln>
-        </p:spPr>
-        <p:style>
-          <a:lnRef idx="1">
-            <a:schemeClr val="accent1"/>
-          </a:lnRef>
-          <a:fillRef idx="3">
-            <a:schemeClr val="accent1"/>
-          </a:fillRef>
-          <a:effectRef idx="2">
-            <a:schemeClr val="accent1"/>
-          </a:effectRef>
-          <a:fontRef idx="minor">
-            <a:schemeClr val="lt1"/>
-          </a:fontRef>
-        </p:style>
-        <p:txBody>
-          <a:bodyPr rtlCol="0" anchor="ctr"/>
-          <a:lstStyle/>
-          <a:p>
-            <a:pPr algn="ctr"/>
-            <a:endParaRPr lang="en-GB"/>
-          </a:p>
-        </p:txBody>
-      </p:sp>
-      <p:sp>
-        <p:nvSpPr>
-          <p:cNvPr id="6" name="Callout: Line 5">
-            <a:extLst>
-              <a:ext uri="{FF2B5EF4-FFF2-40B4-BE49-F238E27FC236}">
-                <a16:creationId xmlns:a16="http://schemas.microsoft.com/office/drawing/2014/main" id="{B092254E-2D31-02E3-3808-AF7E2F7B9787}"/>
-              </a:ext>
-            </a:extLst>
-          </p:cNvPr>
-          <p:cNvSpPr/>
-          <p:nvPr userDrawn="1"/>
-        </p:nvSpPr>
-        <p:spPr>
-          <a:xfrm>
-            <a:off x="5124578" y="2192204"/>
-            <a:ext cx="3670757" cy="610800"/>
-          </a:xfrm>
-          <a:prstGeom prst="borderCallout1">
-            <a:avLst>
-              <a:gd name="adj1" fmla="val 50692"/>
-              <a:gd name="adj2" fmla="val 3"/>
-              <a:gd name="adj3" fmla="val 33292"/>
-              <a:gd name="adj4" fmla="val -25407"/>
-            </a:avLst>
-          </a:prstGeom>
-          <a:solidFill>
-            <a:srgbClr val="C6D9F1">
-              <a:alpha val="94118"/>
-            </a:srgbClr>
-          </a:solidFill>
-          <a:ln>
-            <a:solidFill>
-              <a:schemeClr val="tx2">
-                <a:lumMod val="20000"/>
-                <a:lumOff val="80000"/>
-                <a:alpha val="92157"/>
-              </a:schemeClr>
-            </a:solidFill>
-          </a:ln>
-        </p:spPr>
-        <p:style>
-          <a:lnRef idx="1">
-            <a:schemeClr val="accent1"/>
-          </a:lnRef>
-          <a:fillRef idx="3">
-            <a:schemeClr val="accent1"/>
-          </a:fillRef>
-          <a:effectRef idx="2">
-            <a:schemeClr val="accent1"/>
-          </a:effectRef>
-          <a:fontRef idx="minor">
-            <a:schemeClr val="lt1"/>
-          </a:fontRef>
-        </p:style>
-        <p:txBody>
-          <a:bodyPr rtlCol="0" anchor="ctr"/>
-          <a:lstStyle/>
-          <a:p>
-            <a:pPr algn="ctr"/>
-            <a:endParaRPr lang="en-GB"/>
-          </a:p>
-        </p:txBody>
-      </p:sp>
-      <p:sp>
-        <p:nvSpPr>
-          <p:cNvPr id="11" name="Callout: Line 10">
-            <a:extLst>
-              <a:ext uri="{FF2B5EF4-FFF2-40B4-BE49-F238E27FC236}">
-                <a16:creationId xmlns:a16="http://schemas.microsoft.com/office/drawing/2014/main" id="{977EC03B-FFEF-1DF2-9C2D-E96C19D51A3F}"/>
-              </a:ext>
-            </a:extLst>
-          </p:cNvPr>
-          <p:cNvSpPr/>
-          <p:nvPr userDrawn="1"/>
-        </p:nvSpPr>
-        <p:spPr>
-          <a:xfrm>
-            <a:off x="5124579" y="2874000"/>
-            <a:ext cx="3670757" cy="610800"/>
-          </a:xfrm>
-          <a:prstGeom prst="borderCallout1">
-            <a:avLst>
-              <a:gd name="adj1" fmla="val 50692"/>
-              <a:gd name="adj2" fmla="val 3"/>
-              <a:gd name="adj3" fmla="val 33292"/>
-              <a:gd name="adj4" fmla="val -25407"/>
-            </a:avLst>
-          </a:prstGeom>
-          <a:solidFill>
-            <a:srgbClr val="C6D9F1">
-              <a:alpha val="94118"/>
-            </a:srgbClr>
-          </a:solidFill>
-          <a:ln>
-            <a:solidFill>
-              <a:schemeClr val="tx2">
-                <a:lumMod val="20000"/>
-                <a:lumOff val="80000"/>
-                <a:alpha val="92157"/>
-              </a:schemeClr>
-            </a:solidFill>
-          </a:ln>
-        </p:spPr>
-        <p:style>
-          <a:lnRef idx="1">
-            <a:schemeClr val="accent1"/>
-          </a:lnRef>
-          <a:fillRef idx="3">
-            <a:schemeClr val="accent1"/>
-          </a:fillRef>
-          <a:effectRef idx="2">
-            <a:schemeClr val="accent1"/>
-          </a:effectRef>
-          <a:fontRef idx="minor">
-            <a:schemeClr val="lt1"/>
-          </a:fontRef>
-        </p:style>
-        <p:txBody>
-          <a:bodyPr rtlCol="0" anchor="ctr"/>
-          <a:lstStyle/>
-          <a:p>
-            <a:pPr algn="ctr"/>
-            <a:endParaRPr lang="en-GB" dirty="0"/>
-          </a:p>
-        </p:txBody>
-      </p:sp>
-      <p:sp>
-        <p:nvSpPr>
-          <p:cNvPr id="12" name="Callout: Line 11">
-            <a:extLst>
-              <a:ext uri="{FF2B5EF4-FFF2-40B4-BE49-F238E27FC236}">
-                <a16:creationId xmlns:a16="http://schemas.microsoft.com/office/drawing/2014/main" id="{FAFB33B0-6BB1-A473-C56E-3B4E3AAD9688}"/>
-              </a:ext>
-            </a:extLst>
-          </p:cNvPr>
-          <p:cNvSpPr/>
-          <p:nvPr userDrawn="1"/>
-        </p:nvSpPr>
-        <p:spPr>
-          <a:xfrm>
-            <a:off x="5124580" y="3555699"/>
-            <a:ext cx="3670757" cy="610800"/>
-          </a:xfrm>
-          <a:prstGeom prst="borderCallout1">
-            <a:avLst>
-              <a:gd name="adj1" fmla="val 50692"/>
-              <a:gd name="adj2" fmla="val 3"/>
-              <a:gd name="adj3" fmla="val 33292"/>
-              <a:gd name="adj4" fmla="val -25407"/>
-            </a:avLst>
-          </a:prstGeom>
-          <a:solidFill>
-            <a:srgbClr val="C6D9F1">
-              <a:alpha val="94118"/>
-            </a:srgbClr>
-          </a:solidFill>
-          <a:ln>
-            <a:solidFill>
-              <a:schemeClr val="tx2">
-                <a:lumMod val="20000"/>
-                <a:lumOff val="80000"/>
-                <a:alpha val="92157"/>
-              </a:schemeClr>
-            </a:solidFill>
-          </a:ln>
-        </p:spPr>
-        <p:style>
-          <a:lnRef idx="1">
-            <a:schemeClr val="accent1"/>
-          </a:lnRef>
-          <a:fillRef idx="3">
-            <a:schemeClr val="accent1"/>
-          </a:fillRef>
-          <a:effectRef idx="2">
-            <a:schemeClr val="accent1"/>
-          </a:effectRef>
-          <a:fontRef idx="minor">
-            <a:schemeClr val="lt1"/>
-          </a:fontRef>
-        </p:style>
-        <p:txBody>
-          <a:bodyPr rtlCol="0" anchor="ctr"/>
-          <a:lstStyle/>
-          <a:p>
-            <a:pPr algn="ctr"/>
-            <a:endParaRPr lang="en-GB"/>
-          </a:p>
-        </p:txBody>
-      </p:sp>
-      <p:sp>
-        <p:nvSpPr>
-          <p:cNvPr id="13" name="Callout: Line 12">
-            <a:extLst>
-              <a:ext uri="{FF2B5EF4-FFF2-40B4-BE49-F238E27FC236}">
-                <a16:creationId xmlns:a16="http://schemas.microsoft.com/office/drawing/2014/main" id="{7A46F2D6-531F-F319-94DB-B1C17925177F}"/>
-              </a:ext>
-            </a:extLst>
-          </p:cNvPr>
-          <p:cNvSpPr/>
-          <p:nvPr userDrawn="1"/>
-        </p:nvSpPr>
-        <p:spPr>
-          <a:xfrm>
-            <a:off x="5124585" y="4237495"/>
-            <a:ext cx="3670757" cy="610800"/>
-          </a:xfrm>
-          <a:prstGeom prst="borderCallout1">
-            <a:avLst>
-              <a:gd name="adj1" fmla="val 50692"/>
-              <a:gd name="adj2" fmla="val 3"/>
-              <a:gd name="adj3" fmla="val 33292"/>
-              <a:gd name="adj4" fmla="val -25407"/>
-            </a:avLst>
-          </a:prstGeom>
-          <a:solidFill>
-            <a:srgbClr val="C6D9F1">
-              <a:alpha val="94118"/>
-            </a:srgbClr>
-          </a:solidFill>
-          <a:ln>
-            <a:solidFill>
-              <a:schemeClr val="tx2">
-                <a:lumMod val="20000"/>
-                <a:lumOff val="80000"/>
-                <a:alpha val="92157"/>
-              </a:schemeClr>
-            </a:solidFill>
-          </a:ln>
-        </p:spPr>
-        <p:style>
-          <a:lnRef idx="1">
-            <a:schemeClr val="accent1"/>
-          </a:lnRef>
-          <a:fillRef idx="3">
-            <a:schemeClr val="accent1"/>
-          </a:fillRef>
-          <a:effectRef idx="2">
-            <a:schemeClr val="accent1"/>
-          </a:effectRef>
-          <a:fontRef idx="minor">
-            <a:schemeClr val="lt1"/>
-          </a:fontRef>
-        </p:style>
-        <p:txBody>
-          <a:bodyPr rtlCol="0" anchor="ctr"/>
-          <a:lstStyle/>
-          <a:p>
-            <a:pPr algn="ctr"/>
-            <a:endParaRPr lang="en-GB"/>
-          </a:p>
-        </p:txBody>
-      </p:sp>
-      <p:sp>
-        <p:nvSpPr>
-          <p:cNvPr id="10" name="Rectangle 9">
-            <a:extLst>
-              <a:ext uri="{FF2B5EF4-FFF2-40B4-BE49-F238E27FC236}">
-                <a16:creationId xmlns:a16="http://schemas.microsoft.com/office/drawing/2014/main" id="{181FEFBD-4227-460D-52B0-6E1E0EB0F2ED}"/>
-              </a:ext>
-            </a:extLst>
-          </p:cNvPr>
-          <p:cNvSpPr/>
-          <p:nvPr userDrawn="1"/>
-        </p:nvSpPr>
-        <p:spPr>
-          <a:xfrm>
-            <a:off x="457200" y="795153"/>
-            <a:ext cx="4555554" cy="212180"/>
-          </a:xfrm>
-          <a:prstGeom prst="rect">
-            <a:avLst/>
-          </a:prstGeom>
-          <a:solidFill>
-            <a:srgbClr val="FAE3D6"/>
-          </a:solidFill>
-          <a:ln>
-            <a:noFill/>
-          </a:ln>
-        </p:spPr>
-        <p:style>
-          <a:lnRef idx="1">
-            <a:schemeClr val="accent1"/>
-          </a:lnRef>
-          <a:fillRef idx="3">
-            <a:schemeClr val="accent1"/>
-          </a:fillRef>
-          <a:effectRef idx="2">
-            <a:schemeClr val="accent1"/>
-          </a:effectRef>
-          <a:fontRef idx="minor">
-            <a:schemeClr val="lt1"/>
-          </a:fontRef>
-        </p:style>
-        <p:txBody>
-          <a:bodyPr rtlCol="0" anchor="ctr"/>
-          <a:lstStyle/>
-          <a:p>
-            <a:pPr algn="ctr"/>
             <a:r>
               <a:rPr lang="en-GB" sz="1000" b="1" dirty="0">
                 <a:solidFill>
@@ -2107,6 +1780,401 @@
               </a:rPr>
               <a:t>Output</a:t>
             </a:r>
+          </a:p>
+        </p:txBody>
+      </p:sp>
+      <p:sp>
+        <p:nvSpPr>
+          <p:cNvPr id="3" name="Text Placeholder 13">
+            <a:extLst>
+              <a:ext uri="{FF2B5EF4-FFF2-40B4-BE49-F238E27FC236}">
+                <a16:creationId xmlns:a16="http://schemas.microsoft.com/office/drawing/2014/main" id="{7FC397DE-4A0E-A3E8-5FCE-2E2578280462}"/>
+              </a:ext>
+            </a:extLst>
+          </p:cNvPr>
+          <p:cNvSpPr>
+            <a:spLocks noGrp="1"/>
+          </p:cNvSpPr>
+          <p:nvPr>
+            <p:ph type="body" sz="quarter" idx="13"/>
+          </p:nvPr>
+        </p:nvSpPr>
+        <p:spPr>
+          <a:xfrm>
+            <a:off x="5170936" y="846186"/>
+            <a:ext cx="3509962" cy="746941"/>
+          </a:xfrm>
+          <a:prstGeom prst="borderCallout1">
+            <a:avLst>
+              <a:gd name="adj1" fmla="val 48856"/>
+              <a:gd name="adj2" fmla="val -274"/>
+              <a:gd name="adj3" fmla="val 49021"/>
+              <a:gd name="adj4" fmla="val -31246"/>
+            </a:avLst>
+          </a:prstGeom>
+          <a:solidFill>
+            <a:schemeClr val="accent1">
+              <a:lumMod val="20000"/>
+              <a:lumOff val="80000"/>
+            </a:schemeClr>
+          </a:solidFill>
+          <a:ln w="12700">
+            <a:solidFill>
+              <a:schemeClr val="accent1">
+                <a:lumMod val="50000"/>
+              </a:schemeClr>
+            </a:solidFill>
+          </a:ln>
+        </p:spPr>
+        <p:txBody>
+          <a:bodyPr>
+            <a:noAutofit/>
+          </a:bodyPr>
+          <a:lstStyle>
+            <a:lvl1pPr marL="0" indent="0">
+              <a:buNone/>
+              <a:defRPr sz="1000"/>
+            </a:lvl1pPr>
+            <a:lvl2pPr marL="342900" indent="0">
+              <a:buNone/>
+              <a:defRPr sz="1200"/>
+            </a:lvl2pPr>
+            <a:lvl3pPr marL="685800" indent="0">
+              <a:buNone/>
+              <a:defRPr sz="1200"/>
+            </a:lvl3pPr>
+            <a:lvl4pPr marL="1028700" indent="0">
+              <a:buNone/>
+              <a:defRPr sz="1200"/>
+            </a:lvl4pPr>
+            <a:lvl5pPr marL="1371600" indent="0">
+              <a:buNone/>
+              <a:defRPr sz="1200"/>
+            </a:lvl5pPr>
+          </a:lstStyle>
+          <a:p>
+            <a:pPr lvl="0"/>
+            <a:r>
+              <a:rPr lang="en-US" dirty="0"/>
+              <a:t>Click to edit Master text styles</a:t>
+            </a:r>
+            <a:endParaRPr lang="en-GB" dirty="0"/>
+          </a:p>
+        </p:txBody>
+      </p:sp>
+      <p:sp>
+        <p:nvSpPr>
+          <p:cNvPr id="7" name="Text Placeholder 13">
+            <a:extLst>
+              <a:ext uri="{FF2B5EF4-FFF2-40B4-BE49-F238E27FC236}">
+                <a16:creationId xmlns:a16="http://schemas.microsoft.com/office/drawing/2014/main" id="{42A8D10E-77E4-4EB7-D6B9-9A0C7501508A}"/>
+              </a:ext>
+            </a:extLst>
+          </p:cNvPr>
+          <p:cNvSpPr>
+            <a:spLocks noGrp="1"/>
+          </p:cNvSpPr>
+          <p:nvPr>
+            <p:ph type="body" sz="quarter" idx="14"/>
+          </p:nvPr>
+        </p:nvSpPr>
+        <p:spPr>
+          <a:xfrm>
+            <a:off x="5176838" y="1660596"/>
+            <a:ext cx="3509962" cy="746941"/>
+          </a:xfrm>
+          <a:prstGeom prst="borderCallout1">
+            <a:avLst>
+              <a:gd name="adj1" fmla="val 48856"/>
+              <a:gd name="adj2" fmla="val -274"/>
+              <a:gd name="adj3" fmla="val 49021"/>
+              <a:gd name="adj4" fmla="val -31246"/>
+            </a:avLst>
+          </a:prstGeom>
+          <a:solidFill>
+            <a:schemeClr val="accent1">
+              <a:lumMod val="20000"/>
+              <a:lumOff val="80000"/>
+            </a:schemeClr>
+          </a:solidFill>
+          <a:ln w="12700">
+            <a:solidFill>
+              <a:schemeClr val="accent1">
+                <a:lumMod val="50000"/>
+              </a:schemeClr>
+            </a:solidFill>
+          </a:ln>
+        </p:spPr>
+        <p:txBody>
+          <a:bodyPr>
+            <a:noAutofit/>
+          </a:bodyPr>
+          <a:lstStyle>
+            <a:lvl1pPr marL="0" indent="0">
+              <a:buNone/>
+              <a:defRPr sz="1000"/>
+            </a:lvl1pPr>
+            <a:lvl2pPr marL="342900" indent="0">
+              <a:buNone/>
+              <a:defRPr sz="1200"/>
+            </a:lvl2pPr>
+            <a:lvl3pPr marL="685800" indent="0">
+              <a:buNone/>
+              <a:defRPr sz="1200"/>
+            </a:lvl3pPr>
+            <a:lvl4pPr marL="1028700" indent="0">
+              <a:buNone/>
+              <a:defRPr sz="1200"/>
+            </a:lvl4pPr>
+            <a:lvl5pPr marL="1371600" indent="0">
+              <a:buNone/>
+              <a:defRPr sz="1200"/>
+            </a:lvl5pPr>
+          </a:lstStyle>
+          <a:p>
+            <a:pPr lvl="0"/>
+            <a:r>
+              <a:rPr lang="en-US" dirty="0"/>
+              <a:t>Click to edit Master text styles</a:t>
+            </a:r>
+            <a:endParaRPr lang="en-GB" dirty="0"/>
+          </a:p>
+        </p:txBody>
+      </p:sp>
+      <p:sp>
+        <p:nvSpPr>
+          <p:cNvPr id="14" name="Text Placeholder 13">
+            <a:extLst>
+              <a:ext uri="{FF2B5EF4-FFF2-40B4-BE49-F238E27FC236}">
+                <a16:creationId xmlns:a16="http://schemas.microsoft.com/office/drawing/2014/main" id="{C690974B-CD22-3C61-9C47-6F66F13E0AD9}"/>
+              </a:ext>
+            </a:extLst>
+          </p:cNvPr>
+          <p:cNvSpPr>
+            <a:spLocks noGrp="1"/>
+          </p:cNvSpPr>
+          <p:nvPr>
+            <p:ph type="body" sz="quarter" idx="15"/>
+          </p:nvPr>
+        </p:nvSpPr>
+        <p:spPr>
+          <a:xfrm>
+            <a:off x="5170936" y="2474259"/>
+            <a:ext cx="3509962" cy="746941"/>
+          </a:xfrm>
+          <a:prstGeom prst="borderCallout1">
+            <a:avLst>
+              <a:gd name="adj1" fmla="val 48856"/>
+              <a:gd name="adj2" fmla="val -274"/>
+              <a:gd name="adj3" fmla="val 49021"/>
+              <a:gd name="adj4" fmla="val -31246"/>
+            </a:avLst>
+          </a:prstGeom>
+          <a:solidFill>
+            <a:schemeClr val="accent1">
+              <a:lumMod val="20000"/>
+              <a:lumOff val="80000"/>
+            </a:schemeClr>
+          </a:solidFill>
+          <a:ln w="12700">
+            <a:solidFill>
+              <a:schemeClr val="accent1">
+                <a:lumMod val="50000"/>
+              </a:schemeClr>
+            </a:solidFill>
+          </a:ln>
+        </p:spPr>
+        <p:txBody>
+          <a:bodyPr>
+            <a:noAutofit/>
+          </a:bodyPr>
+          <a:lstStyle>
+            <a:lvl1pPr marL="0" indent="0">
+              <a:buNone/>
+              <a:defRPr sz="1000"/>
+            </a:lvl1pPr>
+            <a:lvl2pPr marL="342900" indent="0">
+              <a:buNone/>
+              <a:defRPr sz="1200"/>
+            </a:lvl2pPr>
+            <a:lvl3pPr marL="685800" indent="0">
+              <a:buNone/>
+              <a:defRPr sz="1200"/>
+            </a:lvl3pPr>
+            <a:lvl4pPr marL="1028700" indent="0">
+              <a:buNone/>
+              <a:defRPr sz="1200"/>
+            </a:lvl4pPr>
+            <a:lvl5pPr marL="1371600" indent="0">
+              <a:buNone/>
+              <a:defRPr sz="1200"/>
+            </a:lvl5pPr>
+          </a:lstStyle>
+          <a:p>
+            <a:pPr lvl="0"/>
+            <a:r>
+              <a:rPr lang="en-US" dirty="0"/>
+              <a:t>Click to edit Master text styles</a:t>
+            </a:r>
+            <a:endParaRPr lang="en-GB" dirty="0"/>
+          </a:p>
+        </p:txBody>
+      </p:sp>
+      <p:sp>
+        <p:nvSpPr>
+          <p:cNvPr id="15" name="Text Placeholder 13">
+            <a:extLst>
+              <a:ext uri="{FF2B5EF4-FFF2-40B4-BE49-F238E27FC236}">
+                <a16:creationId xmlns:a16="http://schemas.microsoft.com/office/drawing/2014/main" id="{EE4D8AE8-0159-1D2D-8060-CDAD41BDD9A1}"/>
+              </a:ext>
+            </a:extLst>
+          </p:cNvPr>
+          <p:cNvSpPr>
+            <a:spLocks noGrp="1"/>
+          </p:cNvSpPr>
+          <p:nvPr>
+            <p:ph type="body" sz="quarter" idx="16"/>
+          </p:nvPr>
+        </p:nvSpPr>
+        <p:spPr>
+          <a:xfrm>
+            <a:off x="5170936" y="3287806"/>
+            <a:ext cx="3509962" cy="746941"/>
+          </a:xfrm>
+          <a:prstGeom prst="borderCallout1">
+            <a:avLst>
+              <a:gd name="adj1" fmla="val 48856"/>
+              <a:gd name="adj2" fmla="val -274"/>
+              <a:gd name="adj3" fmla="val 49021"/>
+              <a:gd name="adj4" fmla="val -31246"/>
+            </a:avLst>
+          </a:prstGeom>
+          <a:solidFill>
+            <a:schemeClr val="accent1">
+              <a:lumMod val="20000"/>
+              <a:lumOff val="80000"/>
+            </a:schemeClr>
+          </a:solidFill>
+          <a:ln w="12700">
+            <a:solidFill>
+              <a:schemeClr val="accent1">
+                <a:lumMod val="50000"/>
+              </a:schemeClr>
+            </a:solidFill>
+          </a:ln>
+        </p:spPr>
+        <p:txBody>
+          <a:bodyPr>
+            <a:noAutofit/>
+          </a:bodyPr>
+          <a:lstStyle>
+            <a:lvl1pPr marL="0" indent="0">
+              <a:buNone/>
+              <a:defRPr sz="1000"/>
+            </a:lvl1pPr>
+            <a:lvl2pPr marL="342900" indent="0">
+              <a:buNone/>
+              <a:defRPr sz="1200"/>
+            </a:lvl2pPr>
+            <a:lvl3pPr marL="685800" indent="0">
+              <a:buNone/>
+              <a:defRPr sz="1200"/>
+            </a:lvl3pPr>
+            <a:lvl4pPr marL="1028700" indent="0">
+              <a:buNone/>
+              <a:defRPr sz="1200"/>
+            </a:lvl4pPr>
+            <a:lvl5pPr marL="1371600" indent="0">
+              <a:buNone/>
+              <a:defRPr sz="1200"/>
+            </a:lvl5pPr>
+          </a:lstStyle>
+          <a:p>
+            <a:pPr lvl="0"/>
+            <a:r>
+              <a:rPr lang="en-US" dirty="0"/>
+              <a:t>Click to edit Master text styles</a:t>
+            </a:r>
+            <a:endParaRPr lang="en-GB" dirty="0"/>
+          </a:p>
+        </p:txBody>
+      </p:sp>
+      <p:sp>
+        <p:nvSpPr>
+          <p:cNvPr id="16" name="Text Placeholder 13">
+            <a:extLst>
+              <a:ext uri="{FF2B5EF4-FFF2-40B4-BE49-F238E27FC236}">
+                <a16:creationId xmlns:a16="http://schemas.microsoft.com/office/drawing/2014/main" id="{E8D942F4-8A01-DE60-53EF-201B2D334754}"/>
+              </a:ext>
+            </a:extLst>
+          </p:cNvPr>
+          <p:cNvSpPr>
+            <a:spLocks noGrp="1"/>
+          </p:cNvSpPr>
+          <p:nvPr>
+            <p:ph type="body" sz="quarter" idx="17"/>
+          </p:nvPr>
+        </p:nvSpPr>
+        <p:spPr>
+          <a:xfrm>
+            <a:off x="5170936" y="4101353"/>
+            <a:ext cx="3509962" cy="746941"/>
+          </a:xfrm>
+          <a:prstGeom prst="borderCallout1">
+            <a:avLst>
+              <a:gd name="adj1" fmla="val 48856"/>
+              <a:gd name="adj2" fmla="val -274"/>
+              <a:gd name="adj3" fmla="val 49021"/>
+              <a:gd name="adj4" fmla="val -31246"/>
+            </a:avLst>
+          </a:prstGeom>
+          <a:solidFill>
+            <a:schemeClr val="accent1">
+              <a:lumMod val="20000"/>
+              <a:lumOff val="80000"/>
+            </a:schemeClr>
+          </a:solidFill>
+          <a:ln w="12700">
+            <a:solidFill>
+              <a:schemeClr val="accent1">
+                <a:lumMod val="50000"/>
+              </a:schemeClr>
+            </a:solidFill>
+          </a:ln>
+        </p:spPr>
+        <p:txBody>
+          <a:bodyPr>
+            <a:noAutofit/>
+          </a:bodyPr>
+          <a:lstStyle>
+            <a:lvl1pPr marL="0" indent="0">
+              <a:buNone/>
+              <a:defRPr sz="1000"/>
+            </a:lvl1pPr>
+            <a:lvl2pPr marL="342900" indent="0">
+              <a:buNone/>
+              <a:defRPr sz="1200"/>
+            </a:lvl2pPr>
+            <a:lvl3pPr marL="685800" indent="0">
+              <a:buNone/>
+              <a:defRPr sz="1200"/>
+            </a:lvl3pPr>
+            <a:lvl4pPr marL="1028700" indent="0">
+              <a:buNone/>
+              <a:defRPr sz="1200"/>
+            </a:lvl4pPr>
+            <a:lvl5pPr marL="1371600" indent="0">
+              <a:buNone/>
+              <a:defRPr sz="1200"/>
+            </a:lvl5pPr>
+          </a:lstStyle>
+          <a:p>
+            <a:pPr lvl="0"/>
+            <a:r>
+              <a:rPr lang="en-US" dirty="0"/>
+              <a:t>Click to edit Master text styles</a:t>
+            </a:r>
+            <a:endParaRPr lang="en-GB" dirty="0"/>
           </a:p>
         </p:txBody>
       </p:sp>
@@ -2124,844 +2192,6 @@
 </file>
 
 <file path=ppt/slideLayouts/slideLayout12.xml><?xml version="1.0" encoding="utf-8"?>
-<p:sldLayout xmlns:a="http://schemas.openxmlformats.org/drawingml/2006/main" xmlns:r="http://schemas.openxmlformats.org/officeDocument/2006/relationships" xmlns:p="http://schemas.openxmlformats.org/presentationml/2006/main" preserve="1" userDrawn="1">
-  <p:cSld name="Content with Caption">
-    <p:spTree>
-      <p:nvGrpSpPr>
-        <p:cNvPr id="1" name=""/>
-        <p:cNvGrpSpPr/>
-        <p:nvPr/>
-      </p:nvGrpSpPr>
-      <p:grpSpPr>
-        <a:xfrm>
-          <a:off x="0" y="0"/>
-          <a:ext cx="0" cy="0"/>
-          <a:chOff x="0" y="0"/>
-          <a:chExt cx="0" cy="0"/>
-        </a:xfrm>
-      </p:grpSpPr>
-      <p:sp>
-        <p:nvSpPr>
-          <p:cNvPr id="3" name="Content Placeholder 2">
-            <a:extLst>
-              <a:ext uri="{FF2B5EF4-FFF2-40B4-BE49-F238E27FC236}">
-                <a16:creationId xmlns:a16="http://schemas.microsoft.com/office/drawing/2014/main" id="{D2B7AB64-9D37-A409-E408-6D731768838D}"/>
-              </a:ext>
-            </a:extLst>
-          </p:cNvPr>
-          <p:cNvSpPr>
-            <a:spLocks noGrp="1"/>
-          </p:cNvSpPr>
-          <p:nvPr>
-            <p:ph idx="1"/>
-          </p:nvPr>
-        </p:nvSpPr>
-        <p:spPr>
-          <a:xfrm>
-            <a:off x="3907869" y="1065887"/>
-            <a:ext cx="4777343" cy="3758180"/>
-          </a:xfrm>
-        </p:spPr>
-        <p:txBody>
-          <a:bodyPr>
-            <a:normAutofit/>
-          </a:bodyPr>
-          <a:lstStyle>
-            <a:lvl1pPr>
-              <a:defRPr sz="1800"/>
-            </a:lvl1pPr>
-            <a:lvl2pPr>
-              <a:defRPr sz="1600"/>
-            </a:lvl2pPr>
-            <a:lvl3pPr>
-              <a:defRPr sz="1400"/>
-            </a:lvl3pPr>
-            <a:lvl4pPr>
-              <a:defRPr sz="1200"/>
-            </a:lvl4pPr>
-            <a:lvl5pPr>
-              <a:defRPr sz="1200"/>
-            </a:lvl5pPr>
-            <a:lvl6pPr>
-              <a:defRPr sz="2000"/>
-            </a:lvl6pPr>
-            <a:lvl7pPr>
-              <a:defRPr sz="2000"/>
-            </a:lvl7pPr>
-            <a:lvl8pPr>
-              <a:defRPr sz="2000"/>
-            </a:lvl8pPr>
-            <a:lvl9pPr>
-              <a:defRPr sz="2000"/>
-            </a:lvl9pPr>
-          </a:lstStyle>
-          <a:p>
-            <a:pPr lvl="0"/>
-            <a:r>
-              <a:rPr lang="en-US" dirty="0"/>
-              <a:t>Click to edit Master text styles</a:t>
-            </a:r>
-          </a:p>
-          <a:p>
-            <a:pPr lvl="1"/>
-            <a:r>
-              <a:rPr lang="en-US" dirty="0"/>
-              <a:t>Second level</a:t>
-            </a:r>
-          </a:p>
-          <a:p>
-            <a:pPr lvl="2"/>
-            <a:r>
-              <a:rPr lang="en-US" dirty="0"/>
-              <a:t>Third level</a:t>
-            </a:r>
-          </a:p>
-          <a:p>
-            <a:pPr lvl="3"/>
-            <a:r>
-              <a:rPr lang="en-US" dirty="0"/>
-              <a:t>Fourth level</a:t>
-            </a:r>
-          </a:p>
-          <a:p>
-            <a:pPr lvl="4"/>
-            <a:r>
-              <a:rPr lang="en-US" dirty="0"/>
-              <a:t>Fifth level</a:t>
-            </a:r>
-            <a:endParaRPr lang="en-GB" dirty="0"/>
-          </a:p>
-        </p:txBody>
-      </p:sp>
-      <p:sp>
-        <p:nvSpPr>
-          <p:cNvPr id="4" name="Text Placeholder 3">
-            <a:extLst>
-              <a:ext uri="{FF2B5EF4-FFF2-40B4-BE49-F238E27FC236}">
-                <a16:creationId xmlns:a16="http://schemas.microsoft.com/office/drawing/2014/main" id="{824213AC-B520-1C10-5083-9B4C825E476E}"/>
-              </a:ext>
-            </a:extLst>
-          </p:cNvPr>
-          <p:cNvSpPr>
-            <a:spLocks noGrp="1"/>
-          </p:cNvSpPr>
-          <p:nvPr>
-            <p:ph type="body" sz="half" idx="2"/>
-          </p:nvPr>
-        </p:nvSpPr>
-        <p:spPr>
-          <a:xfrm>
-            <a:off x="457200" y="1072235"/>
-            <a:ext cx="3364860" cy="3758181"/>
-          </a:xfrm>
-          <a:solidFill>
-            <a:srgbClr val="FFF4D1"/>
-          </a:solidFill>
-          <a:effectLst>
-            <a:outerShdw blurRad="38100" dist="25400" dir="5400000" algn="ctr" rotWithShape="0">
-              <a:schemeClr val="tx1">
-                <a:alpha val="35000"/>
-              </a:schemeClr>
-            </a:outerShdw>
-          </a:effectLst>
-        </p:spPr>
-        <p:txBody>
-          <a:bodyPr>
-            <a:normAutofit/>
-          </a:bodyPr>
-          <a:lstStyle>
-            <a:lvl1pPr marL="0" indent="0">
-              <a:buNone/>
-              <a:defRPr sz="1100">
-                <a:latin typeface="Courier New" panose="02070309020205020404" pitchFamily="49" charset="0"/>
-                <a:cs typeface="Courier New" panose="02070309020205020404" pitchFamily="49" charset="0"/>
-              </a:defRPr>
-            </a:lvl1pPr>
-            <a:lvl2pPr marL="457200" indent="0">
-              <a:buNone/>
-              <a:defRPr sz="1400"/>
-            </a:lvl2pPr>
-            <a:lvl3pPr marL="914400" indent="0">
-              <a:buNone/>
-              <a:defRPr sz="1200"/>
-            </a:lvl3pPr>
-            <a:lvl4pPr marL="1371600" indent="0">
-              <a:buNone/>
-              <a:defRPr sz="1000"/>
-            </a:lvl4pPr>
-            <a:lvl5pPr marL="1828800" indent="0">
-              <a:buNone/>
-              <a:defRPr sz="1000"/>
-            </a:lvl5pPr>
-            <a:lvl6pPr marL="2286000" indent="0">
-              <a:buNone/>
-              <a:defRPr sz="1000"/>
-            </a:lvl6pPr>
-            <a:lvl7pPr marL="2743200" indent="0">
-              <a:buNone/>
-              <a:defRPr sz="1000"/>
-            </a:lvl7pPr>
-            <a:lvl8pPr marL="3200400" indent="0">
-              <a:buNone/>
-              <a:defRPr sz="1000"/>
-            </a:lvl8pPr>
-            <a:lvl9pPr marL="3657600" indent="0">
-              <a:buNone/>
-              <a:defRPr sz="1000"/>
-            </a:lvl9pPr>
-          </a:lstStyle>
-          <a:p>
-            <a:pPr lvl="0"/>
-            <a:r>
-              <a:rPr lang="en-US" dirty="0"/>
-              <a:t>Click to edit Master text styles</a:t>
-            </a:r>
-          </a:p>
-        </p:txBody>
-      </p:sp>
-      <p:sp>
-        <p:nvSpPr>
-          <p:cNvPr id="6" name="Footer Placeholder 5">
-            <a:extLst>
-              <a:ext uri="{FF2B5EF4-FFF2-40B4-BE49-F238E27FC236}">
-                <a16:creationId xmlns:a16="http://schemas.microsoft.com/office/drawing/2014/main" id="{B44277B0-3AC5-0D62-7994-A671EFD6E93E}"/>
-              </a:ext>
-            </a:extLst>
-          </p:cNvPr>
-          <p:cNvSpPr>
-            <a:spLocks noGrp="1"/>
-          </p:cNvSpPr>
-          <p:nvPr>
-            <p:ph type="ftr" sz="quarter" idx="11"/>
-          </p:nvPr>
-        </p:nvSpPr>
-        <p:spPr/>
-        <p:txBody>
-          <a:bodyPr/>
-          <a:lstStyle/>
-          <a:p>
-            <a:endParaRPr lang="en-GB"/>
-          </a:p>
-        </p:txBody>
-      </p:sp>
-      <p:sp>
-        <p:nvSpPr>
-          <p:cNvPr id="10" name="Slide Number Placeholder 8">
-            <a:extLst>
-              <a:ext uri="{FF2B5EF4-FFF2-40B4-BE49-F238E27FC236}">
-                <a16:creationId xmlns:a16="http://schemas.microsoft.com/office/drawing/2014/main" id="{37C29B76-AC65-6DA6-D50E-66E7F8E5F3A2}"/>
-              </a:ext>
-            </a:extLst>
-          </p:cNvPr>
-          <p:cNvSpPr>
-            <a:spLocks noGrp="1"/>
-          </p:cNvSpPr>
-          <p:nvPr>
-            <p:ph type="sldNum" sz="quarter" idx="12"/>
-          </p:nvPr>
-        </p:nvSpPr>
-        <p:spPr>
-          <a:xfrm>
-            <a:off x="7912100" y="4937521"/>
-            <a:ext cx="774700" cy="180215"/>
-          </a:xfrm>
-        </p:spPr>
-        <p:txBody>
-          <a:bodyPr/>
-          <a:lstStyle/>
-          <a:p>
-            <a:r>
-              <a:rPr lang="en-US" dirty="0"/>
-              <a:t>Slide </a:t>
-            </a:r>
-            <a:fld id="{C5EF2332-01BF-834F-8236-50238282D533}" type="slidenum">
-              <a:rPr lang="en-US" smtClean="0"/>
-              <a:pPr/>
-              <a:t>‹#›</a:t>
-            </a:fld>
-            <a:endParaRPr lang="en-US" dirty="0"/>
-          </a:p>
-        </p:txBody>
-      </p:sp>
-      <p:sp>
-        <p:nvSpPr>
-          <p:cNvPr id="11" name="Title 1">
-            <a:extLst>
-              <a:ext uri="{FF2B5EF4-FFF2-40B4-BE49-F238E27FC236}">
-                <a16:creationId xmlns:a16="http://schemas.microsoft.com/office/drawing/2014/main" id="{8BB165B8-4FE2-7939-6C54-F0DE3229FE87}"/>
-              </a:ext>
-            </a:extLst>
-          </p:cNvPr>
-          <p:cNvSpPr>
-            <a:spLocks noGrp="1"/>
-          </p:cNvSpPr>
-          <p:nvPr>
-            <p:ph type="title"/>
-          </p:nvPr>
-        </p:nvSpPr>
-        <p:spPr>
-          <a:xfrm>
-            <a:off x="457200" y="205979"/>
-            <a:ext cx="6864350" cy="524271"/>
-          </a:xfrm>
-        </p:spPr>
-        <p:txBody>
-          <a:bodyPr/>
-          <a:lstStyle>
-            <a:lvl1pPr>
-              <a:defRPr/>
-            </a:lvl1pPr>
-          </a:lstStyle>
-          <a:p>
-            <a:r>
-              <a:rPr lang="en-US" dirty="0"/>
-              <a:t>Click to edit Master title style</a:t>
-            </a:r>
-          </a:p>
-        </p:txBody>
-      </p:sp>
-      <p:sp>
-        <p:nvSpPr>
-          <p:cNvPr id="12" name="Rectangle 11">
-            <a:extLst>
-              <a:ext uri="{FF2B5EF4-FFF2-40B4-BE49-F238E27FC236}">
-                <a16:creationId xmlns:a16="http://schemas.microsoft.com/office/drawing/2014/main" id="{B33439DB-6588-794C-92DD-76181D42F47F}"/>
-              </a:ext>
-            </a:extLst>
-          </p:cNvPr>
-          <p:cNvSpPr/>
-          <p:nvPr userDrawn="1"/>
-        </p:nvSpPr>
-        <p:spPr>
-          <a:xfrm>
-            <a:off x="457200" y="795153"/>
-            <a:ext cx="3364860" cy="212180"/>
-          </a:xfrm>
-          <a:prstGeom prst="rect">
-            <a:avLst/>
-          </a:prstGeom>
-          <a:solidFill>
-            <a:srgbClr val="FFF4D1"/>
-          </a:solidFill>
-          <a:ln>
-            <a:noFill/>
-          </a:ln>
-        </p:spPr>
-        <p:style>
-          <a:lnRef idx="1">
-            <a:schemeClr val="accent1"/>
-          </a:lnRef>
-          <a:fillRef idx="3">
-            <a:schemeClr val="accent1"/>
-          </a:fillRef>
-          <a:effectRef idx="2">
-            <a:schemeClr val="accent1"/>
-          </a:effectRef>
-          <a:fontRef idx="minor">
-            <a:schemeClr val="lt1"/>
-          </a:fontRef>
-        </p:style>
-        <p:txBody>
-          <a:bodyPr rtlCol="0" anchor="ctr"/>
-          <a:lstStyle/>
-          <a:p>
-            <a:pPr algn="ctr"/>
-            <a:r>
-              <a:rPr lang="en-GB" sz="1000" b="1" dirty="0">
-                <a:solidFill>
-                  <a:schemeClr val="tx1"/>
-                </a:solidFill>
-                <a:latin typeface="Courier New" panose="02070309020205020404" pitchFamily="49" charset="0"/>
-                <a:cs typeface="Courier New" panose="02070309020205020404" pitchFamily="49" charset="0"/>
-              </a:rPr>
-              <a:t>{R code}</a:t>
-            </a:r>
-          </a:p>
-        </p:txBody>
-      </p:sp>
-      <p:sp>
-        <p:nvSpPr>
-          <p:cNvPr id="13" name="Rectangle 12">
-            <a:extLst>
-              <a:ext uri="{FF2B5EF4-FFF2-40B4-BE49-F238E27FC236}">
-                <a16:creationId xmlns:a16="http://schemas.microsoft.com/office/drawing/2014/main" id="{4A9D3742-67F6-2461-E61A-66FEFDBD2653}"/>
-              </a:ext>
-            </a:extLst>
-          </p:cNvPr>
-          <p:cNvSpPr/>
-          <p:nvPr userDrawn="1"/>
-        </p:nvSpPr>
-        <p:spPr>
-          <a:xfrm>
-            <a:off x="3907870" y="795153"/>
-            <a:ext cx="4777344" cy="212180"/>
-          </a:xfrm>
-          <a:prstGeom prst="rect">
-            <a:avLst/>
-          </a:prstGeom>
-          <a:solidFill>
-            <a:srgbClr val="FAE3D6"/>
-          </a:solidFill>
-          <a:ln>
-            <a:noFill/>
-          </a:ln>
-        </p:spPr>
-        <p:style>
-          <a:lnRef idx="1">
-            <a:schemeClr val="accent1"/>
-          </a:lnRef>
-          <a:fillRef idx="3">
-            <a:schemeClr val="accent1"/>
-          </a:fillRef>
-          <a:effectRef idx="2">
-            <a:schemeClr val="accent1"/>
-          </a:effectRef>
-          <a:fontRef idx="minor">
-            <a:schemeClr val="lt1"/>
-          </a:fontRef>
-        </p:style>
-        <p:txBody>
-          <a:bodyPr rtlCol="0" anchor="ctr"/>
-          <a:lstStyle/>
-          <a:p>
-            <a:pPr algn="ctr"/>
-            <a:r>
-              <a:rPr lang="en-GB" sz="1000" b="1" dirty="0">
-                <a:solidFill>
-                  <a:schemeClr val="tx1"/>
-                </a:solidFill>
-                <a:latin typeface="Courier New" panose="02070309020205020404" pitchFamily="49" charset="0"/>
-                <a:cs typeface="Courier New" panose="02070309020205020404" pitchFamily="49" charset="0"/>
-              </a:rPr>
-              <a:t>Output</a:t>
-            </a:r>
-          </a:p>
-        </p:txBody>
-      </p:sp>
-    </p:spTree>
-    <p:extLst>
-      <p:ext uri="{BB962C8B-B14F-4D97-AF65-F5344CB8AC3E}">
-        <p14:creationId xmlns:p14="http://schemas.microsoft.com/office/powerpoint/2010/main" val="949909855"/>
-      </p:ext>
-    </p:extLst>
-  </p:cSld>
-  <p:clrMapOvr>
-    <a:masterClrMapping/>
-  </p:clrMapOvr>
-  <p:hf hdr="0" dt="0"/>
-</p:sldLayout>
-</file>
-
-<file path=ppt/slideLayouts/slideLayout13.xml><?xml version="1.0" encoding="utf-8"?>
-<p:sldLayout xmlns:a="http://schemas.openxmlformats.org/drawingml/2006/main" xmlns:r="http://schemas.openxmlformats.org/officeDocument/2006/relationships" xmlns:p="http://schemas.openxmlformats.org/presentationml/2006/main" preserve="1" userDrawn="1">
-  <p:cSld name="Picture with Caption">
-    <p:spTree>
-      <p:nvGrpSpPr>
-        <p:cNvPr id="1" name=""/>
-        <p:cNvGrpSpPr/>
-        <p:nvPr/>
-      </p:nvGrpSpPr>
-      <p:grpSpPr>
-        <a:xfrm>
-          <a:off x="0" y="0"/>
-          <a:ext cx="0" cy="0"/>
-          <a:chOff x="0" y="0"/>
-          <a:chExt cx="0" cy="0"/>
-        </a:xfrm>
-      </p:grpSpPr>
-      <p:sp>
-        <p:nvSpPr>
-          <p:cNvPr id="3" name="Picture Placeholder 2">
-            <a:extLst>
-              <a:ext uri="{FF2B5EF4-FFF2-40B4-BE49-F238E27FC236}">
-                <a16:creationId xmlns:a16="http://schemas.microsoft.com/office/drawing/2014/main" id="{C4627040-E06D-C3A6-8137-A9B21EF03F28}"/>
-              </a:ext>
-            </a:extLst>
-          </p:cNvPr>
-          <p:cNvSpPr>
-            <a:spLocks noGrp="1"/>
-          </p:cNvSpPr>
-          <p:nvPr>
-            <p:ph type="pic" idx="1"/>
-          </p:nvPr>
-        </p:nvSpPr>
-        <p:spPr>
-          <a:xfrm>
-            <a:off x="3907869" y="1072235"/>
-            <a:ext cx="4758849" cy="3740035"/>
-          </a:xfrm>
-        </p:spPr>
-        <p:txBody>
-          <a:bodyPr>
-            <a:normAutofit/>
-          </a:bodyPr>
-          <a:lstStyle>
-            <a:lvl1pPr marL="0" indent="0">
-              <a:buNone/>
-              <a:defRPr sz="1800"/>
-            </a:lvl1pPr>
-            <a:lvl2pPr marL="457200" indent="0">
-              <a:buNone/>
-              <a:defRPr sz="2800"/>
-            </a:lvl2pPr>
-            <a:lvl3pPr marL="914400" indent="0">
-              <a:buNone/>
-              <a:defRPr sz="2400"/>
-            </a:lvl3pPr>
-            <a:lvl4pPr marL="1371600" indent="0">
-              <a:buNone/>
-              <a:defRPr sz="2000"/>
-            </a:lvl4pPr>
-            <a:lvl5pPr marL="1828800" indent="0">
-              <a:buNone/>
-              <a:defRPr sz="2000"/>
-            </a:lvl5pPr>
-            <a:lvl6pPr marL="2286000" indent="0">
-              <a:buNone/>
-              <a:defRPr sz="2000"/>
-            </a:lvl6pPr>
-            <a:lvl7pPr marL="2743200" indent="0">
-              <a:buNone/>
-              <a:defRPr sz="2000"/>
-            </a:lvl7pPr>
-            <a:lvl8pPr marL="3200400" indent="0">
-              <a:buNone/>
-              <a:defRPr sz="2000"/>
-            </a:lvl8pPr>
-            <a:lvl9pPr marL="3657600" indent="0">
-              <a:buNone/>
-              <a:defRPr sz="2000"/>
-            </a:lvl9pPr>
-          </a:lstStyle>
-          <a:p>
-            <a:endParaRPr lang="en-GB" dirty="0"/>
-          </a:p>
-        </p:txBody>
-      </p:sp>
-      <p:sp>
-        <p:nvSpPr>
-          <p:cNvPr id="8" name="Text Placeholder 3">
-            <a:extLst>
-              <a:ext uri="{FF2B5EF4-FFF2-40B4-BE49-F238E27FC236}">
-                <a16:creationId xmlns:a16="http://schemas.microsoft.com/office/drawing/2014/main" id="{DCEB071E-7163-40A3-CC48-4086C17E3081}"/>
-              </a:ext>
-            </a:extLst>
-          </p:cNvPr>
-          <p:cNvSpPr>
-            <a:spLocks noGrp="1"/>
-          </p:cNvSpPr>
-          <p:nvPr>
-            <p:ph type="body" sz="half" idx="2"/>
-          </p:nvPr>
-        </p:nvSpPr>
-        <p:spPr>
-          <a:xfrm>
-            <a:off x="457200" y="1072235"/>
-            <a:ext cx="3364860" cy="3758181"/>
-          </a:xfrm>
-          <a:solidFill>
-            <a:srgbClr val="FFF4D1"/>
-          </a:solidFill>
-          <a:effectLst>
-            <a:outerShdw blurRad="38100" dist="25400" dir="5400000" algn="ctr" rotWithShape="0">
-              <a:schemeClr val="tx1">
-                <a:alpha val="35000"/>
-              </a:schemeClr>
-            </a:outerShdw>
-          </a:effectLst>
-        </p:spPr>
-        <p:txBody>
-          <a:bodyPr>
-            <a:normAutofit/>
-          </a:bodyPr>
-          <a:lstStyle>
-            <a:lvl1pPr marL="0" indent="0">
-              <a:buNone/>
-              <a:defRPr sz="1100">
-                <a:latin typeface="Courier New" panose="02070309020205020404" pitchFamily="49" charset="0"/>
-                <a:cs typeface="Courier New" panose="02070309020205020404" pitchFamily="49" charset="0"/>
-              </a:defRPr>
-            </a:lvl1pPr>
-            <a:lvl2pPr marL="457200" indent="0">
-              <a:buNone/>
-              <a:defRPr sz="1400"/>
-            </a:lvl2pPr>
-            <a:lvl3pPr marL="914400" indent="0">
-              <a:buNone/>
-              <a:defRPr sz="1200"/>
-            </a:lvl3pPr>
-            <a:lvl4pPr marL="1371600" indent="0">
-              <a:buNone/>
-              <a:defRPr sz="1000"/>
-            </a:lvl4pPr>
-            <a:lvl5pPr marL="1828800" indent="0">
-              <a:buNone/>
-              <a:defRPr sz="1000"/>
-            </a:lvl5pPr>
-            <a:lvl6pPr marL="2286000" indent="0">
-              <a:buNone/>
-              <a:defRPr sz="1000"/>
-            </a:lvl6pPr>
-            <a:lvl7pPr marL="2743200" indent="0">
-              <a:buNone/>
-              <a:defRPr sz="1000"/>
-            </a:lvl7pPr>
-            <a:lvl8pPr marL="3200400" indent="0">
-              <a:buNone/>
-              <a:defRPr sz="1000"/>
-            </a:lvl8pPr>
-            <a:lvl9pPr marL="3657600" indent="0">
-              <a:buNone/>
-              <a:defRPr sz="1000"/>
-            </a:lvl9pPr>
-          </a:lstStyle>
-          <a:p>
-            <a:pPr lvl="0"/>
-            <a:r>
-              <a:rPr lang="en-US" dirty="0"/>
-              <a:t>Click to edit Master text styles</a:t>
-            </a:r>
-          </a:p>
-        </p:txBody>
-      </p:sp>
-      <p:sp>
-        <p:nvSpPr>
-          <p:cNvPr id="9" name="Footer Placeholder 5">
-            <a:extLst>
-              <a:ext uri="{FF2B5EF4-FFF2-40B4-BE49-F238E27FC236}">
-                <a16:creationId xmlns:a16="http://schemas.microsoft.com/office/drawing/2014/main" id="{FC5E956B-49AC-DEC1-96BD-ABF1F4A25797}"/>
-              </a:ext>
-            </a:extLst>
-          </p:cNvPr>
-          <p:cNvSpPr>
-            <a:spLocks noGrp="1"/>
-          </p:cNvSpPr>
-          <p:nvPr>
-            <p:ph type="ftr" sz="quarter" idx="11"/>
-          </p:nvPr>
-        </p:nvSpPr>
-        <p:spPr>
-          <a:xfrm>
-            <a:off x="457200" y="4937521"/>
-            <a:ext cx="7042150" cy="180215"/>
-          </a:xfrm>
-        </p:spPr>
-        <p:txBody>
-          <a:bodyPr/>
-          <a:lstStyle/>
-          <a:p>
-            <a:endParaRPr lang="en-GB"/>
-          </a:p>
-        </p:txBody>
-      </p:sp>
-      <p:sp>
-        <p:nvSpPr>
-          <p:cNvPr id="10" name="Slide Number Placeholder 8">
-            <a:extLst>
-              <a:ext uri="{FF2B5EF4-FFF2-40B4-BE49-F238E27FC236}">
-                <a16:creationId xmlns:a16="http://schemas.microsoft.com/office/drawing/2014/main" id="{532ED365-E9BD-DA66-DC91-249221FFA3A3}"/>
-              </a:ext>
-            </a:extLst>
-          </p:cNvPr>
-          <p:cNvSpPr>
-            <a:spLocks noGrp="1"/>
-          </p:cNvSpPr>
-          <p:nvPr>
-            <p:ph type="sldNum" sz="quarter" idx="12"/>
-          </p:nvPr>
-        </p:nvSpPr>
-        <p:spPr>
-          <a:xfrm>
-            <a:off x="7912100" y="4937521"/>
-            <a:ext cx="774700" cy="180215"/>
-          </a:xfrm>
-        </p:spPr>
-        <p:txBody>
-          <a:bodyPr/>
-          <a:lstStyle/>
-          <a:p>
-            <a:r>
-              <a:rPr lang="en-US" dirty="0"/>
-              <a:t>Slide </a:t>
-            </a:r>
-            <a:fld id="{C5EF2332-01BF-834F-8236-50238282D533}" type="slidenum">
-              <a:rPr lang="en-US" smtClean="0"/>
-              <a:pPr/>
-              <a:t>‹#›</a:t>
-            </a:fld>
-            <a:endParaRPr lang="en-US" dirty="0"/>
-          </a:p>
-        </p:txBody>
-      </p:sp>
-      <p:sp>
-        <p:nvSpPr>
-          <p:cNvPr id="11" name="Title 1">
-            <a:extLst>
-              <a:ext uri="{FF2B5EF4-FFF2-40B4-BE49-F238E27FC236}">
-                <a16:creationId xmlns:a16="http://schemas.microsoft.com/office/drawing/2014/main" id="{98ABA060-3E36-A125-F714-65292B6FB70F}"/>
-              </a:ext>
-            </a:extLst>
-          </p:cNvPr>
-          <p:cNvSpPr>
-            <a:spLocks noGrp="1"/>
-          </p:cNvSpPr>
-          <p:nvPr>
-            <p:ph type="title"/>
-          </p:nvPr>
-        </p:nvSpPr>
-        <p:spPr>
-          <a:xfrm>
-            <a:off x="457200" y="205979"/>
-            <a:ext cx="6864350" cy="524271"/>
-          </a:xfrm>
-        </p:spPr>
-        <p:txBody>
-          <a:bodyPr/>
-          <a:lstStyle>
-            <a:lvl1pPr>
-              <a:defRPr/>
-            </a:lvl1pPr>
-          </a:lstStyle>
-          <a:p>
-            <a:r>
-              <a:rPr lang="en-US" dirty="0"/>
-              <a:t>Click to edit Master title style</a:t>
-            </a:r>
-          </a:p>
-        </p:txBody>
-      </p:sp>
-      <p:sp>
-        <p:nvSpPr>
-          <p:cNvPr id="12" name="Rectangle 11">
-            <a:extLst>
-              <a:ext uri="{FF2B5EF4-FFF2-40B4-BE49-F238E27FC236}">
-                <a16:creationId xmlns:a16="http://schemas.microsoft.com/office/drawing/2014/main" id="{EC5617AA-E513-FE01-8670-CB5A407960FC}"/>
-              </a:ext>
-            </a:extLst>
-          </p:cNvPr>
-          <p:cNvSpPr/>
-          <p:nvPr userDrawn="1"/>
-        </p:nvSpPr>
-        <p:spPr>
-          <a:xfrm>
-            <a:off x="457200" y="795153"/>
-            <a:ext cx="3364860" cy="212180"/>
-          </a:xfrm>
-          <a:prstGeom prst="rect">
-            <a:avLst/>
-          </a:prstGeom>
-          <a:solidFill>
-            <a:srgbClr val="FFF4D1"/>
-          </a:solidFill>
-          <a:ln>
-            <a:noFill/>
-          </a:ln>
-        </p:spPr>
-        <p:style>
-          <a:lnRef idx="1">
-            <a:schemeClr val="accent1"/>
-          </a:lnRef>
-          <a:fillRef idx="3">
-            <a:schemeClr val="accent1"/>
-          </a:fillRef>
-          <a:effectRef idx="2">
-            <a:schemeClr val="accent1"/>
-          </a:effectRef>
-          <a:fontRef idx="minor">
-            <a:schemeClr val="lt1"/>
-          </a:fontRef>
-        </p:style>
-        <p:txBody>
-          <a:bodyPr rtlCol="0" anchor="ctr"/>
-          <a:lstStyle/>
-          <a:p>
-            <a:pPr algn="ctr"/>
-            <a:r>
-              <a:rPr lang="en-GB" sz="1000" b="1" dirty="0">
-                <a:solidFill>
-                  <a:schemeClr val="tx1"/>
-                </a:solidFill>
-                <a:latin typeface="Courier New" panose="02070309020205020404" pitchFamily="49" charset="0"/>
-                <a:cs typeface="Courier New" panose="02070309020205020404" pitchFamily="49" charset="0"/>
-              </a:rPr>
-              <a:t>{R code}</a:t>
-            </a:r>
-          </a:p>
-        </p:txBody>
-      </p:sp>
-      <p:sp>
-        <p:nvSpPr>
-          <p:cNvPr id="13" name="Rectangle 12">
-            <a:extLst>
-              <a:ext uri="{FF2B5EF4-FFF2-40B4-BE49-F238E27FC236}">
-                <a16:creationId xmlns:a16="http://schemas.microsoft.com/office/drawing/2014/main" id="{7AEA95B9-74CB-78E2-FB0D-A70177B90BF0}"/>
-              </a:ext>
-            </a:extLst>
-          </p:cNvPr>
-          <p:cNvSpPr/>
-          <p:nvPr userDrawn="1"/>
-        </p:nvSpPr>
-        <p:spPr>
-          <a:xfrm>
-            <a:off x="3907870" y="795153"/>
-            <a:ext cx="4777344" cy="212180"/>
-          </a:xfrm>
-          <a:prstGeom prst="rect">
-            <a:avLst/>
-          </a:prstGeom>
-          <a:solidFill>
-            <a:srgbClr val="FAE3D6"/>
-          </a:solidFill>
-          <a:ln>
-            <a:noFill/>
-          </a:ln>
-        </p:spPr>
-        <p:style>
-          <a:lnRef idx="1">
-            <a:schemeClr val="accent1"/>
-          </a:lnRef>
-          <a:fillRef idx="3">
-            <a:schemeClr val="accent1"/>
-          </a:fillRef>
-          <a:effectRef idx="2">
-            <a:schemeClr val="accent1"/>
-          </a:effectRef>
-          <a:fontRef idx="minor">
-            <a:schemeClr val="lt1"/>
-          </a:fontRef>
-        </p:style>
-        <p:txBody>
-          <a:bodyPr rtlCol="0" anchor="ctr"/>
-          <a:lstStyle/>
-          <a:p>
-            <a:pPr algn="ctr"/>
-            <a:r>
-              <a:rPr lang="en-GB" sz="1000" b="1" dirty="0">
-                <a:solidFill>
-                  <a:schemeClr val="tx1"/>
-                </a:solidFill>
-                <a:latin typeface="Courier New" panose="02070309020205020404" pitchFamily="49" charset="0"/>
-                <a:cs typeface="Courier New" panose="02070309020205020404" pitchFamily="49" charset="0"/>
-              </a:rPr>
-              <a:t>Output</a:t>
-            </a:r>
-          </a:p>
-        </p:txBody>
-      </p:sp>
-    </p:spTree>
-    <p:extLst>
-      <p:ext uri="{BB962C8B-B14F-4D97-AF65-F5344CB8AC3E}">
-        <p14:creationId xmlns:p14="http://schemas.microsoft.com/office/powerpoint/2010/main" val="2642978503"/>
-      </p:ext>
-    </p:extLst>
-  </p:cSld>
-  <p:clrMapOvr>
-    <a:masterClrMapping/>
-  </p:clrMapOvr>
-</p:sldLayout>
-</file>
-
-<file path=ppt/slideLayouts/slideLayout14.xml><?xml version="1.0" encoding="utf-8"?>
 <p:sldLayout xmlns:a="http://schemas.openxmlformats.org/drawingml/2006/main" xmlns:r="http://schemas.openxmlformats.org/officeDocument/2006/relationships" xmlns:p="http://schemas.openxmlformats.org/presentationml/2006/main" type="vertTx" preserve="1">
   <p:cSld name="Title and Vertical Text">
     <p:spTree>
@@ -2994,7 +2224,15 @@
             <p:ph type="title"/>
           </p:nvPr>
         </p:nvSpPr>
-        <p:spPr/>
+        <p:spPr>
+          <a:xfrm>
+            <a:off x="457200" y="205979"/>
+            <a:ext cx="7532376" cy="371011"/>
+          </a:xfrm>
+          <a:prstGeom prst="rect">
+            <a:avLst/>
+          </a:prstGeom>
+        </p:spPr>
         <p:txBody>
           <a:bodyPr/>
           <a:lstStyle/>
@@ -3023,7 +2261,15 @@
             <p:ph type="body" orient="vert" idx="1"/>
           </p:nvPr>
         </p:nvSpPr>
-        <p:spPr/>
+        <p:spPr>
+          <a:xfrm>
+            <a:off x="457200" y="637953"/>
+            <a:ext cx="8229600" cy="4222937"/>
+          </a:xfrm>
+          <a:prstGeom prst="rect">
+            <a:avLst/>
+          </a:prstGeom>
+        </p:spPr>
         <p:txBody>
           <a:bodyPr vert="eaVert"/>
           <a:lstStyle/>
@@ -3142,7 +2388,7 @@
 </p:sldLayout>
 </file>
 
-<file path=ppt/slideLayouts/slideLayout15.xml><?xml version="1.0" encoding="utf-8"?>
+<file path=ppt/slideLayouts/slideLayout13.xml><?xml version="1.0" encoding="utf-8"?>
 <p:sldLayout xmlns:a="http://schemas.openxmlformats.org/drawingml/2006/main" xmlns:r="http://schemas.openxmlformats.org/officeDocument/2006/relationships" xmlns:p="http://schemas.openxmlformats.org/presentationml/2006/main" type="vertTitleAndTx" preserve="1">
   <p:cSld name="Vertical Title and Text">
     <p:spTree>
@@ -3180,6 +2426,9 @@
             <a:off x="7499350" y="914400"/>
             <a:ext cx="1187450" cy="3886935"/>
           </a:xfrm>
+          <a:prstGeom prst="rect">
+            <a:avLst/>
+          </a:prstGeom>
         </p:spPr>
         <p:txBody>
           <a:bodyPr vert="eaVert">
@@ -3220,6 +2469,9 @@
             <a:off x="457200" y="274638"/>
             <a:ext cx="6818243" cy="4555779"/>
           </a:xfrm>
+          <a:prstGeom prst="rect">
+            <a:avLst/>
+          </a:prstGeom>
         </p:spPr>
         <p:txBody>
           <a:bodyPr vert="eaVert"/>
@@ -3339,7 +2591,7 @@
 </p:sldLayout>
 </file>
 
-<file path=ppt/slideLayouts/slideLayout16.xml><?xml version="1.0" encoding="utf-8"?>
+<file path=ppt/slideLayouts/slideLayout14.xml><?xml version="1.0" encoding="utf-8"?>
 <p:sldLayout xmlns:a="http://schemas.openxmlformats.org/drawingml/2006/main" xmlns:r="http://schemas.openxmlformats.org/officeDocument/2006/relationships" xmlns:p="http://schemas.openxmlformats.org/presentationml/2006/main" preserve="1" userDrawn="1">
   <p:cSld name="Bibliography">
     <p:spTree>
@@ -3419,6 +2671,9 @@
             <a:off x="582613" y="814388"/>
             <a:ext cx="8101012" cy="4067175"/>
           </a:xfrm>
+          <a:prstGeom prst="rect">
+            <a:avLst/>
+          </a:prstGeom>
         </p:spPr>
         <p:txBody>
           <a:bodyPr>
@@ -3521,7 +2776,15 @@
             <p:ph type="title" hasCustomPrompt="1"/>
           </p:nvPr>
         </p:nvSpPr>
-        <p:spPr/>
+        <p:spPr>
+          <a:xfrm>
+            <a:off x="457200" y="205979"/>
+            <a:ext cx="7532376" cy="371011"/>
+          </a:xfrm>
+          <a:prstGeom prst="rect">
+            <a:avLst/>
+          </a:prstGeom>
+        </p:spPr>
         <p:txBody>
           <a:bodyPr/>
           <a:lstStyle>
@@ -3547,9 +2810,17 @@
             <p:ph idx="1" hasCustomPrompt="1"/>
           </p:nvPr>
         </p:nvSpPr>
-        <p:spPr/>
-        <p:txBody>
-          <a:bodyPr/>
+        <p:spPr>
+          <a:xfrm>
+            <a:off x="457200" y="637953"/>
+            <a:ext cx="8229600" cy="4222937"/>
+          </a:xfrm>
+          <a:prstGeom prst="rect">
+            <a:avLst/>
+          </a:prstGeom>
+        </p:spPr>
+        <p:txBody>
+          <a:bodyPr anchor="t"/>
           <a:lstStyle>
             <a:lvl1pPr>
               <a:defRPr/>
@@ -3557,6 +2828,9 @@
             <a:lvl2pPr>
               <a:defRPr sz="1800"/>
             </a:lvl2pPr>
+            <a:lvl4pPr>
+              <a:defRPr/>
+            </a:lvl4pPr>
           </a:lstStyle>
           <a:p>
             <a:pPr lvl="0"/>
@@ -3586,6 +2860,10 @@
               <a:t>Fourth level</a:t>
             </a:r>
           </a:p>
+          <a:p>
+            <a:pPr lvl="4"/>
+            <a:endParaRPr lang="en-US" dirty="0"/>
+          </a:p>
         </p:txBody>
       </p:sp>
       <p:sp>
@@ -3603,7 +2881,7 @@
           <a:bodyPr/>
           <a:lstStyle/>
           <a:p>
-            <a:endParaRPr lang="en-US"/>
+            <a:endParaRPr lang="en-US" dirty="0"/>
           </a:p>
         </p:txBody>
       </p:sp>
@@ -3667,7 +2945,7 @@
       </p:grpSpPr>
       <p:pic>
         <p:nvPicPr>
-          <p:cNvPr id="8" name="Picture 7" descr="A graph showing a number of dots&#10;&#10;Description automatically generated">
+          <p:cNvPr id="8" name="Picture 7">
             <a:extLst>
               <a:ext uri="{FF2B5EF4-FFF2-40B4-BE49-F238E27FC236}">
                 <a16:creationId xmlns:a16="http://schemas.microsoft.com/office/drawing/2014/main" id="{67A8F960-150E-CFFE-3EB5-036D92AC413A}"/>
@@ -3681,9 +2959,8 @@
         </p:nvPicPr>
         <p:blipFill>
           <a:blip r:embed="rId2"/>
-          <a:stretch>
-            <a:fillRect/>
-          </a:stretch>
+          <a:srcRect/>
+          <a:stretch/>
         </p:blipFill>
         <p:spPr>
           <a:xfrm>
@@ -3697,35 +2974,47 @@
       </p:pic>
       <p:sp>
         <p:nvSpPr>
-          <p:cNvPr id="2" name="Title 1">
-            <a:extLst>
-              <a:ext uri="{FF2B5EF4-FFF2-40B4-BE49-F238E27FC236}">
-                <a16:creationId xmlns:a16="http://schemas.microsoft.com/office/drawing/2014/main" id="{81FCF0BD-8ABE-8F19-AD5F-D3EC51AD62C3}"/>
-              </a:ext>
-            </a:extLst>
-          </p:cNvPr>
-          <p:cNvSpPr>
-            <a:spLocks noGrp="1"/>
-          </p:cNvSpPr>
-          <p:nvPr>
-            <p:ph type="title"/>
-          </p:nvPr>
-        </p:nvSpPr>
-        <p:spPr>
-          <a:xfrm>
-            <a:off x="623888" y="1591977"/>
-            <a:ext cx="6566322" cy="1355154"/>
-          </a:xfrm>
-        </p:spPr>
-        <p:txBody>
-          <a:bodyPr anchor="b">
-            <a:normAutofit/>
+          <p:cNvPr id="3" name="Title 1">
+            <a:extLst>
+              <a:ext uri="{FF2B5EF4-FFF2-40B4-BE49-F238E27FC236}">
+                <a16:creationId xmlns:a16="http://schemas.microsoft.com/office/drawing/2014/main" id="{CF921059-ACFF-7915-A3D0-F9C1B133264B}"/>
+              </a:ext>
+            </a:extLst>
+          </p:cNvPr>
+          <p:cNvSpPr>
+            <a:spLocks noGrp="1"/>
+          </p:cNvSpPr>
+          <p:nvPr>
+            <p:ph type="ctrTitle" hasCustomPrompt="1"/>
+          </p:nvPr>
+        </p:nvSpPr>
+        <p:spPr>
+          <a:xfrm>
+            <a:off x="3947050" y="2335338"/>
+            <a:ext cx="4624011" cy="786585"/>
+          </a:xfrm>
+          <a:prstGeom prst="rect">
+            <a:avLst/>
+          </a:prstGeom>
+          <a:effectLst>
+            <a:outerShdw blurRad="50800" dist="38100" algn="l" rotWithShape="0">
+              <a:prstClr val="black">
+                <a:alpha val="40000"/>
+              </a:prstClr>
+            </a:outerShdw>
+          </a:effectLst>
+        </p:spPr>
+        <p:txBody>
+          <a:bodyPr>
+            <a:noAutofit/>
           </a:bodyPr>
           <a:lstStyle>
-            <a:lvl1pPr>
-              <a:defRPr sz="4800">
+            <a:lvl1pPr marL="742950" indent="-742950" algn="l">
+              <a:buFont typeface="+mj-lt"/>
+              <a:buAutoNum type="arabicPeriod"/>
+              <a:defRPr sz="4400">
                 <a:solidFill>
-                  <a:srgbClr val="5E8F3D"/>
+                  <a:srgbClr val="496F2F"/>
                 </a:solidFill>
               </a:defRPr>
             </a:lvl1pPr>
@@ -3733,136 +3022,72 @@
           <a:p>
             <a:r>
               <a:rPr lang="en-US" dirty="0"/>
-              <a:t>Click to edit Master title style</a:t>
-            </a:r>
-            <a:endParaRPr lang="en-GB" dirty="0"/>
-          </a:p>
-        </p:txBody>
-      </p:sp>
-      <p:sp>
-        <p:nvSpPr>
-          <p:cNvPr id="4" name="Text Placeholder 2">
-            <a:extLst>
-              <a:ext uri="{FF2B5EF4-FFF2-40B4-BE49-F238E27FC236}">
-                <a16:creationId xmlns:a16="http://schemas.microsoft.com/office/drawing/2014/main" id="{A27FD88E-2818-48CE-8394-BA1C836C7874}"/>
-              </a:ext>
-            </a:extLst>
-          </p:cNvPr>
-          <p:cNvSpPr>
-            <a:spLocks noGrp="1"/>
-          </p:cNvSpPr>
-          <p:nvPr>
-            <p:ph type="body" idx="1"/>
-          </p:nvPr>
-        </p:nvSpPr>
-        <p:spPr>
-          <a:xfrm>
-            <a:off x="623888" y="578901"/>
-            <a:ext cx="6566322" cy="942530"/>
-          </a:xfrm>
-        </p:spPr>
-        <p:txBody>
-          <a:bodyPr>
-            <a:noAutofit/>
-          </a:bodyPr>
+              <a:t>Section number</a:t>
+            </a:r>
+          </a:p>
+        </p:txBody>
+      </p:sp>
+      <p:sp>
+        <p:nvSpPr>
+          <p:cNvPr id="4" name="Text Placeholder 3">
+            <a:extLst>
+              <a:ext uri="{FF2B5EF4-FFF2-40B4-BE49-F238E27FC236}">
+                <a16:creationId xmlns:a16="http://schemas.microsoft.com/office/drawing/2014/main" id="{0F4BE298-0C12-3E53-D830-52A766E96A65}"/>
+              </a:ext>
+            </a:extLst>
+          </p:cNvPr>
+          <p:cNvSpPr>
+            <a:spLocks noGrp="1"/>
+          </p:cNvSpPr>
+          <p:nvPr>
+            <p:ph type="body" sz="quarter" idx="10"/>
+          </p:nvPr>
+        </p:nvSpPr>
+        <p:spPr>
+          <a:xfrm>
+            <a:off x="3341836" y="3232394"/>
+            <a:ext cx="5229225" cy="1295400"/>
+          </a:xfrm>
+        </p:spPr>
+        <p:txBody>
+          <a:bodyPr/>
           <a:lstStyle>
-            <a:lvl1pPr marL="0" indent="0">
-              <a:buNone/>
-              <a:defRPr sz="6000" b="1">
-                <a:solidFill>
-                  <a:schemeClr val="accent1">
-                    <a:lumMod val="50000"/>
-                  </a:schemeClr>
-                </a:solidFill>
-              </a:defRPr>
+            <a:lvl1pPr marL="361950" indent="-184150">
+              <a:buFont typeface="Arial" panose="020B0604020202020204" pitchFamily="34" charset="0"/>
+              <a:buChar char="•"/>
+              <a:defRPr sz="1400"/>
             </a:lvl1pPr>
-            <a:lvl2pPr marL="457200" indent="0">
-              <a:buNone/>
-              <a:defRPr sz="2000">
-                <a:solidFill>
-                  <a:schemeClr val="tx1">
-                    <a:tint val="75000"/>
-                  </a:schemeClr>
-                </a:solidFill>
-              </a:defRPr>
+            <a:lvl2pPr marL="342900" indent="0">
+              <a:buNone/>
+              <a:defRPr sz="1200"/>
             </a:lvl2pPr>
-            <a:lvl3pPr marL="914400" indent="0">
-              <a:buNone/>
-              <a:defRPr sz="1800">
-                <a:solidFill>
-                  <a:schemeClr val="tx1">
-                    <a:tint val="75000"/>
-                  </a:schemeClr>
-                </a:solidFill>
-              </a:defRPr>
+            <a:lvl3pPr marL="447675" indent="0">
+              <a:buNone/>
+              <a:defRPr sz="1100"/>
             </a:lvl3pPr>
-            <a:lvl4pPr marL="1371600" indent="0">
-              <a:buNone/>
-              <a:defRPr sz="1600">
-                <a:solidFill>
-                  <a:schemeClr val="tx1">
-                    <a:tint val="75000"/>
-                  </a:schemeClr>
-                </a:solidFill>
-              </a:defRPr>
+            <a:lvl4pPr marL="631825" indent="0">
+              <a:buNone/>
+              <a:defRPr sz="1050"/>
             </a:lvl4pPr>
-            <a:lvl5pPr marL="1828800" indent="0">
-              <a:buNone/>
-              <a:defRPr sz="1600">
-                <a:solidFill>
-                  <a:schemeClr val="tx1">
-                    <a:tint val="75000"/>
-                  </a:schemeClr>
-                </a:solidFill>
-              </a:defRPr>
+            <a:lvl5pPr marL="803275" indent="0">
+              <a:buNone/>
+              <a:defRPr sz="1000"/>
             </a:lvl5pPr>
-            <a:lvl6pPr marL="2286000" indent="0">
-              <a:buNone/>
-              <a:defRPr sz="1600">
-                <a:solidFill>
-                  <a:schemeClr val="tx1">
-                    <a:tint val="75000"/>
-                  </a:schemeClr>
-                </a:solidFill>
-              </a:defRPr>
-            </a:lvl6pPr>
-            <a:lvl7pPr marL="2743200" indent="0">
-              <a:buNone/>
-              <a:defRPr sz="1600">
-                <a:solidFill>
-                  <a:schemeClr val="tx1">
-                    <a:tint val="75000"/>
-                  </a:schemeClr>
-                </a:solidFill>
-              </a:defRPr>
-            </a:lvl7pPr>
-            <a:lvl8pPr marL="3200400" indent="0">
-              <a:buNone/>
-              <a:defRPr sz="1600">
-                <a:solidFill>
-                  <a:schemeClr val="tx1">
-                    <a:tint val="75000"/>
-                  </a:schemeClr>
-                </a:solidFill>
-              </a:defRPr>
-            </a:lvl8pPr>
-            <a:lvl9pPr marL="3657600" indent="0">
-              <a:buNone/>
-              <a:defRPr sz="1600">
-                <a:solidFill>
-                  <a:schemeClr val="tx1">
-                    <a:tint val="75000"/>
-                  </a:schemeClr>
-                </a:solidFill>
-              </a:defRPr>
-            </a:lvl9pPr>
           </a:lstStyle>
           <a:p>
             <a:pPr lvl="0"/>
             <a:r>
-              <a:rPr lang="en-US"/>
+              <a:rPr lang="en-US" dirty="0"/>
               <a:t>Click to edit Master text styles</a:t>
             </a:r>
+          </a:p>
+          <a:p>
+            <a:pPr lvl="0"/>
+            <a:endParaRPr lang="en-US" dirty="0"/>
+          </a:p>
+          <a:p>
+            <a:pPr lvl="0"/>
+            <a:endParaRPr lang="en-US" dirty="0"/>
           </a:p>
         </p:txBody>
       </p:sp>
@@ -3906,7 +3131,15 @@
             <p:ph type="title"/>
           </p:nvPr>
         </p:nvSpPr>
-        <p:spPr/>
+        <p:spPr>
+          <a:xfrm>
+            <a:off x="457200" y="205979"/>
+            <a:ext cx="7532376" cy="371011"/>
+          </a:xfrm>
+          <a:prstGeom prst="rect">
+            <a:avLst/>
+          </a:prstGeom>
+        </p:spPr>
         <p:txBody>
           <a:bodyPr/>
           <a:lstStyle/>
@@ -3930,27 +3163,32 @@
         </p:nvSpPr>
         <p:spPr>
           <a:xfrm>
-            <a:off x="457200" y="861772"/>
-            <a:ext cx="4038600" cy="3841795"/>
-          </a:xfrm>
-        </p:spPr>
-        <p:txBody>
-          <a:bodyPr/>
+            <a:off x="457200" y="652130"/>
+            <a:ext cx="4038600" cy="4215899"/>
+          </a:xfrm>
+          <a:prstGeom prst="rect">
+            <a:avLst/>
+          </a:prstGeom>
+        </p:spPr>
+        <p:txBody>
+          <a:bodyPr>
+            <a:normAutofit/>
+          </a:bodyPr>
           <a:lstStyle>
             <a:lvl1pPr>
-              <a:defRPr sz="2100"/>
+              <a:defRPr sz="1800"/>
             </a:lvl1pPr>
             <a:lvl2pPr>
-              <a:defRPr sz="1800"/>
+              <a:defRPr sz="1600"/>
             </a:lvl2pPr>
             <a:lvl3pPr>
-              <a:defRPr sz="1500"/>
+              <a:defRPr sz="1400"/>
             </a:lvl3pPr>
             <a:lvl4pPr>
-              <a:defRPr sz="1350"/>
+              <a:defRPr sz="1200"/>
             </a:lvl4pPr>
             <a:lvl5pPr>
-              <a:defRPr sz="1350"/>
+              <a:defRPr sz="1100"/>
             </a:lvl5pPr>
             <a:lvl6pPr>
               <a:defRPr sz="1350"/>
@@ -3968,35 +3206,35 @@
           <a:p>
             <a:pPr lvl="0"/>
             <a:r>
-              <a:rPr lang="en-US"/>
+              <a:rPr lang="en-US" dirty="0"/>
               <a:t>Click to edit Master text styles</a:t>
             </a:r>
           </a:p>
           <a:p>
             <a:pPr lvl="1"/>
             <a:r>
-              <a:rPr lang="en-US"/>
+              <a:rPr lang="en-US" dirty="0"/>
               <a:t>Second level</a:t>
             </a:r>
           </a:p>
           <a:p>
             <a:pPr lvl="2"/>
             <a:r>
-              <a:rPr lang="en-US"/>
+              <a:rPr lang="en-US" dirty="0"/>
               <a:t>Third level</a:t>
             </a:r>
           </a:p>
           <a:p>
             <a:pPr lvl="3"/>
             <a:r>
-              <a:rPr lang="en-US"/>
+              <a:rPr lang="en-US" dirty="0"/>
               <a:t>Fourth level</a:t>
             </a:r>
           </a:p>
           <a:p>
             <a:pPr lvl="4"/>
             <a:r>
-              <a:rPr lang="en-US"/>
+              <a:rPr lang="en-US" dirty="0"/>
               <a:t>Fifth level</a:t>
             </a:r>
           </a:p>
@@ -4014,27 +3252,32 @@
         </p:nvSpPr>
         <p:spPr>
           <a:xfrm>
-            <a:off x="4648200" y="861772"/>
-            <a:ext cx="4038600" cy="3841795"/>
-          </a:xfrm>
-        </p:spPr>
-        <p:txBody>
-          <a:bodyPr/>
+            <a:off x="4648200" y="652130"/>
+            <a:ext cx="4038600" cy="4215899"/>
+          </a:xfrm>
+          <a:prstGeom prst="rect">
+            <a:avLst/>
+          </a:prstGeom>
+        </p:spPr>
+        <p:txBody>
+          <a:bodyPr>
+            <a:normAutofit/>
+          </a:bodyPr>
           <a:lstStyle>
             <a:lvl1pPr>
-              <a:defRPr sz="2100"/>
+              <a:defRPr sz="1800"/>
             </a:lvl1pPr>
             <a:lvl2pPr>
-              <a:defRPr sz="1800"/>
+              <a:defRPr sz="1600"/>
             </a:lvl2pPr>
             <a:lvl3pPr>
-              <a:defRPr sz="1500"/>
+              <a:defRPr sz="1400"/>
             </a:lvl3pPr>
             <a:lvl4pPr>
-              <a:defRPr sz="1350"/>
+              <a:defRPr sz="1200"/>
             </a:lvl4pPr>
             <a:lvl5pPr>
-              <a:defRPr sz="1350"/>
+              <a:defRPr sz="1100"/>
             </a:lvl5pPr>
             <a:lvl6pPr>
               <a:defRPr sz="1350"/>
@@ -4052,35 +3295,35 @@
           <a:p>
             <a:pPr lvl="0"/>
             <a:r>
-              <a:rPr lang="en-US"/>
+              <a:rPr lang="en-US" dirty="0"/>
               <a:t>Click to edit Master text styles</a:t>
             </a:r>
           </a:p>
           <a:p>
             <a:pPr lvl="1"/>
             <a:r>
-              <a:rPr lang="en-US"/>
+              <a:rPr lang="en-US" dirty="0"/>
               <a:t>Second level</a:t>
             </a:r>
           </a:p>
           <a:p>
             <a:pPr lvl="2"/>
             <a:r>
-              <a:rPr lang="en-US"/>
+              <a:rPr lang="en-US" dirty="0"/>
               <a:t>Third level</a:t>
             </a:r>
           </a:p>
           <a:p>
             <a:pPr lvl="3"/>
             <a:r>
-              <a:rPr lang="en-US"/>
+              <a:rPr lang="en-US" dirty="0"/>
               <a:t>Fourth level</a:t>
             </a:r>
           </a:p>
           <a:p>
             <a:pPr lvl="4"/>
             <a:r>
-              <a:rPr lang="en-US"/>
+              <a:rPr lang="en-US" dirty="0"/>
               <a:t>Fifth level</a:t>
             </a:r>
           </a:p>
@@ -4147,7 +3390,414 @@
 </file>
 
 <file path=ppt/slideLayouts/slideLayout5.xml><?xml version="1.0" encoding="utf-8"?>
-<p:sldLayout xmlns:a="http://schemas.openxmlformats.org/drawingml/2006/main" xmlns:r="http://schemas.openxmlformats.org/officeDocument/2006/relationships" xmlns:p="http://schemas.openxmlformats.org/presentationml/2006/main" type="twoTxTwoObj" preserve="1">
+<p:sldLayout xmlns:a="http://schemas.openxmlformats.org/drawingml/2006/main" xmlns:r="http://schemas.openxmlformats.org/officeDocument/2006/relationships" xmlns:p="http://schemas.openxmlformats.org/presentationml/2006/main" preserve="1" userDrawn="1">
+  <p:cSld name="Content with Caption">
+    <p:spTree>
+      <p:nvGrpSpPr>
+        <p:cNvPr id="1" name=""/>
+        <p:cNvGrpSpPr/>
+        <p:nvPr/>
+      </p:nvGrpSpPr>
+      <p:grpSpPr>
+        <a:xfrm>
+          <a:off x="0" y="0"/>
+          <a:ext cx="0" cy="0"/>
+          <a:chOff x="0" y="0"/>
+          <a:chExt cx="0" cy="0"/>
+        </a:xfrm>
+      </p:grpSpPr>
+      <p:sp>
+        <p:nvSpPr>
+          <p:cNvPr id="3" name="Content Placeholder 2">
+            <a:extLst>
+              <a:ext uri="{FF2B5EF4-FFF2-40B4-BE49-F238E27FC236}">
+                <a16:creationId xmlns:a16="http://schemas.microsoft.com/office/drawing/2014/main" id="{D2B7AB64-9D37-A409-E408-6D731768838D}"/>
+              </a:ext>
+            </a:extLst>
+          </p:cNvPr>
+          <p:cNvSpPr>
+            <a:spLocks noGrp="1"/>
+          </p:cNvSpPr>
+          <p:nvPr>
+            <p:ph idx="1"/>
+          </p:nvPr>
+        </p:nvSpPr>
+        <p:spPr>
+          <a:xfrm>
+            <a:off x="3907869" y="833523"/>
+            <a:ext cx="4777343" cy="4015000"/>
+          </a:xfrm>
+          <a:prstGeom prst="rect">
+            <a:avLst/>
+          </a:prstGeom>
+        </p:spPr>
+        <p:txBody>
+          <a:bodyPr>
+            <a:normAutofit/>
+          </a:bodyPr>
+          <a:lstStyle>
+            <a:lvl1pPr marL="0" indent="0">
+              <a:buNone/>
+              <a:defRPr sz="1200"/>
+            </a:lvl1pPr>
+            <a:lvl2pPr marL="342900" indent="0">
+              <a:buNone/>
+              <a:defRPr sz="1600"/>
+            </a:lvl2pPr>
+            <a:lvl3pPr marL="685800" indent="0">
+              <a:buNone/>
+              <a:defRPr sz="1400"/>
+            </a:lvl3pPr>
+            <a:lvl4pPr marL="1028700" indent="0">
+              <a:buNone/>
+              <a:defRPr sz="1200"/>
+            </a:lvl4pPr>
+            <a:lvl5pPr marL="1371600" indent="0">
+              <a:buNone/>
+              <a:defRPr sz="1200"/>
+            </a:lvl5pPr>
+            <a:lvl6pPr>
+              <a:defRPr sz="2000"/>
+            </a:lvl6pPr>
+            <a:lvl7pPr>
+              <a:defRPr sz="2000"/>
+            </a:lvl7pPr>
+            <a:lvl8pPr>
+              <a:defRPr sz="2000"/>
+            </a:lvl8pPr>
+            <a:lvl9pPr>
+              <a:defRPr sz="2000"/>
+            </a:lvl9pPr>
+          </a:lstStyle>
+          <a:p>
+            <a:pPr lvl="0"/>
+            <a:endParaRPr lang="en-GB" dirty="0"/>
+          </a:p>
+        </p:txBody>
+      </p:sp>
+      <p:sp>
+        <p:nvSpPr>
+          <p:cNvPr id="4" name="Text Placeholder 3">
+            <a:extLst>
+              <a:ext uri="{FF2B5EF4-FFF2-40B4-BE49-F238E27FC236}">
+                <a16:creationId xmlns:a16="http://schemas.microsoft.com/office/drawing/2014/main" id="{824213AC-B520-1C10-5083-9B4C825E476E}"/>
+              </a:ext>
+            </a:extLst>
+          </p:cNvPr>
+          <p:cNvSpPr>
+            <a:spLocks noGrp="1"/>
+          </p:cNvSpPr>
+          <p:nvPr>
+            <p:ph type="body" sz="half" idx="2"/>
+          </p:nvPr>
+        </p:nvSpPr>
+        <p:spPr>
+          <a:xfrm>
+            <a:off x="457200" y="839871"/>
+            <a:ext cx="3364860" cy="4015001"/>
+          </a:xfrm>
+          <a:prstGeom prst="rect">
+            <a:avLst/>
+          </a:prstGeom>
+          <a:solidFill>
+            <a:srgbClr val="FFF4D1"/>
+          </a:solidFill>
+          <a:effectLst>
+            <a:outerShdw blurRad="38100" dist="25400" dir="5400000" algn="ctr" rotWithShape="0">
+              <a:schemeClr val="tx1">
+                <a:alpha val="35000"/>
+              </a:schemeClr>
+            </a:outerShdw>
+          </a:effectLst>
+        </p:spPr>
+        <p:txBody>
+          <a:bodyPr>
+            <a:normAutofit/>
+          </a:bodyPr>
+          <a:lstStyle>
+            <a:lvl1pPr marL="0" indent="0">
+              <a:buNone/>
+              <a:defRPr sz="1100">
+                <a:latin typeface="Courier New" panose="02070309020205020404" pitchFamily="49" charset="0"/>
+                <a:cs typeface="Courier New" panose="02070309020205020404" pitchFamily="49" charset="0"/>
+              </a:defRPr>
+            </a:lvl1pPr>
+            <a:lvl2pPr marL="457200" indent="0">
+              <a:buNone/>
+              <a:defRPr sz="1400"/>
+            </a:lvl2pPr>
+            <a:lvl3pPr marL="914400" indent="0">
+              <a:buNone/>
+              <a:defRPr sz="1200"/>
+            </a:lvl3pPr>
+            <a:lvl4pPr marL="1371600" indent="0">
+              <a:buNone/>
+              <a:defRPr sz="1000"/>
+            </a:lvl4pPr>
+            <a:lvl5pPr marL="1828800" indent="0">
+              <a:buNone/>
+              <a:defRPr sz="1000"/>
+            </a:lvl5pPr>
+            <a:lvl6pPr marL="2286000" indent="0">
+              <a:buNone/>
+              <a:defRPr sz="1000"/>
+            </a:lvl6pPr>
+            <a:lvl7pPr marL="2743200" indent="0">
+              <a:buNone/>
+              <a:defRPr sz="1000"/>
+            </a:lvl7pPr>
+            <a:lvl8pPr marL="3200400" indent="0">
+              <a:buNone/>
+              <a:defRPr sz="1000"/>
+            </a:lvl8pPr>
+            <a:lvl9pPr marL="3657600" indent="0">
+              <a:buNone/>
+              <a:defRPr sz="1000"/>
+            </a:lvl9pPr>
+          </a:lstStyle>
+          <a:p>
+            <a:pPr lvl="0"/>
+            <a:r>
+              <a:rPr lang="en-US" dirty="0"/>
+              <a:t>Click to edit Master text styles</a:t>
+            </a:r>
+          </a:p>
+        </p:txBody>
+      </p:sp>
+      <p:sp>
+        <p:nvSpPr>
+          <p:cNvPr id="6" name="Footer Placeholder 5">
+            <a:extLst>
+              <a:ext uri="{FF2B5EF4-FFF2-40B4-BE49-F238E27FC236}">
+                <a16:creationId xmlns:a16="http://schemas.microsoft.com/office/drawing/2014/main" id="{B44277B0-3AC5-0D62-7994-A671EFD6E93E}"/>
+              </a:ext>
+            </a:extLst>
+          </p:cNvPr>
+          <p:cNvSpPr>
+            <a:spLocks noGrp="1"/>
+          </p:cNvSpPr>
+          <p:nvPr>
+            <p:ph type="ftr" sz="quarter" idx="11"/>
+          </p:nvPr>
+        </p:nvSpPr>
+        <p:spPr/>
+        <p:txBody>
+          <a:bodyPr/>
+          <a:lstStyle/>
+          <a:p>
+            <a:endParaRPr lang="en-GB"/>
+          </a:p>
+        </p:txBody>
+      </p:sp>
+      <p:sp>
+        <p:nvSpPr>
+          <p:cNvPr id="12" name="Rectangle 11">
+            <a:extLst>
+              <a:ext uri="{FF2B5EF4-FFF2-40B4-BE49-F238E27FC236}">
+                <a16:creationId xmlns:a16="http://schemas.microsoft.com/office/drawing/2014/main" id="{B33439DB-6588-794C-92DD-76181D42F47F}"/>
+              </a:ext>
+            </a:extLst>
+          </p:cNvPr>
+          <p:cNvSpPr/>
+          <p:nvPr userDrawn="1"/>
+        </p:nvSpPr>
+        <p:spPr>
+          <a:xfrm>
+            <a:off x="457200" y="614938"/>
+            <a:ext cx="3364860" cy="169977"/>
+          </a:xfrm>
+          <a:prstGeom prst="rect">
+            <a:avLst/>
+          </a:prstGeom>
+          <a:solidFill>
+            <a:srgbClr val="FFF4D1"/>
+          </a:solidFill>
+          <a:ln>
+            <a:noFill/>
+          </a:ln>
+        </p:spPr>
+        <p:style>
+          <a:lnRef idx="1">
+            <a:schemeClr val="accent1"/>
+          </a:lnRef>
+          <a:fillRef idx="3">
+            <a:schemeClr val="accent1"/>
+          </a:fillRef>
+          <a:effectRef idx="2">
+            <a:schemeClr val="accent1"/>
+          </a:effectRef>
+          <a:fontRef idx="minor">
+            <a:schemeClr val="lt1"/>
+          </a:fontRef>
+        </p:style>
+        <p:txBody>
+          <a:bodyPr rtlCol="0" anchor="ctr"/>
+          <a:lstStyle/>
+          <a:p>
+            <a:pPr algn="ctr"/>
+            <a:r>
+              <a:rPr lang="en-GB" sz="900" b="1" dirty="0">
+                <a:solidFill>
+                  <a:schemeClr val="tx1"/>
+                </a:solidFill>
+                <a:latin typeface="Courier New" panose="02070309020205020404" pitchFamily="49" charset="0"/>
+                <a:cs typeface="Courier New" panose="02070309020205020404" pitchFamily="49" charset="0"/>
+              </a:rPr>
+              <a:t>&lt;/&gt;</a:t>
+            </a:r>
+          </a:p>
+        </p:txBody>
+      </p:sp>
+      <p:sp>
+        <p:nvSpPr>
+          <p:cNvPr id="13" name="Rectangle 12">
+            <a:extLst>
+              <a:ext uri="{FF2B5EF4-FFF2-40B4-BE49-F238E27FC236}">
+                <a16:creationId xmlns:a16="http://schemas.microsoft.com/office/drawing/2014/main" id="{4A9D3742-67F6-2461-E61A-66FEFDBD2653}"/>
+              </a:ext>
+            </a:extLst>
+          </p:cNvPr>
+          <p:cNvSpPr/>
+          <p:nvPr userDrawn="1"/>
+        </p:nvSpPr>
+        <p:spPr>
+          <a:xfrm>
+            <a:off x="3907870" y="614938"/>
+            <a:ext cx="4777344" cy="169977"/>
+          </a:xfrm>
+          <a:prstGeom prst="rect">
+            <a:avLst/>
+          </a:prstGeom>
+          <a:solidFill>
+            <a:srgbClr val="FAE3D6"/>
+          </a:solidFill>
+          <a:ln>
+            <a:noFill/>
+          </a:ln>
+        </p:spPr>
+        <p:style>
+          <a:lnRef idx="1">
+            <a:schemeClr val="accent1"/>
+          </a:lnRef>
+          <a:fillRef idx="3">
+            <a:schemeClr val="accent1"/>
+          </a:fillRef>
+          <a:effectRef idx="2">
+            <a:schemeClr val="accent1"/>
+          </a:effectRef>
+          <a:fontRef idx="minor">
+            <a:schemeClr val="lt1"/>
+          </a:fontRef>
+        </p:style>
+        <p:txBody>
+          <a:bodyPr rtlCol="0" anchor="ctr"/>
+          <a:lstStyle/>
+          <a:p>
+            <a:pPr algn="ctr"/>
+            <a:r>
+              <a:rPr lang="en-GB" sz="900" b="1" dirty="0">
+                <a:solidFill>
+                  <a:schemeClr val="tx1"/>
+                </a:solidFill>
+                <a:latin typeface="Courier New" panose="02070309020205020404" pitchFamily="49" charset="0"/>
+                <a:cs typeface="Courier New" panose="02070309020205020404" pitchFamily="49" charset="0"/>
+              </a:rPr>
+              <a:t>Output</a:t>
+            </a:r>
+          </a:p>
+        </p:txBody>
+      </p:sp>
+      <p:sp>
+        <p:nvSpPr>
+          <p:cNvPr id="2" name="Title 1">
+            <a:extLst>
+              <a:ext uri="{FF2B5EF4-FFF2-40B4-BE49-F238E27FC236}">
+                <a16:creationId xmlns:a16="http://schemas.microsoft.com/office/drawing/2014/main" id="{8C216D18-5879-951E-312D-F35B3AEFF7CC}"/>
+              </a:ext>
+            </a:extLst>
+          </p:cNvPr>
+          <p:cNvSpPr>
+            <a:spLocks noGrp="1"/>
+          </p:cNvSpPr>
+          <p:nvPr>
+            <p:ph type="title"/>
+          </p:nvPr>
+        </p:nvSpPr>
+        <p:spPr>
+          <a:xfrm>
+            <a:off x="457199" y="205979"/>
+            <a:ext cx="8229599" cy="371011"/>
+          </a:xfrm>
+          <a:prstGeom prst="rect">
+            <a:avLst/>
+          </a:prstGeom>
+        </p:spPr>
+        <p:txBody>
+          <a:bodyPr/>
+          <a:lstStyle/>
+          <a:p>
+            <a:r>
+              <a:rPr lang="en-US"/>
+              <a:t>Click to edit Master title style</a:t>
+            </a:r>
+          </a:p>
+        </p:txBody>
+      </p:sp>
+      <p:sp>
+        <p:nvSpPr>
+          <p:cNvPr id="5" name="Slide Number Placeholder 8">
+            <a:extLst>
+              <a:ext uri="{FF2B5EF4-FFF2-40B4-BE49-F238E27FC236}">
+                <a16:creationId xmlns:a16="http://schemas.microsoft.com/office/drawing/2014/main" id="{CC8FF6EA-8682-2BC8-E9B8-C6157593BBD6}"/>
+              </a:ext>
+            </a:extLst>
+          </p:cNvPr>
+          <p:cNvSpPr>
+            <a:spLocks noGrp="1"/>
+          </p:cNvSpPr>
+          <p:nvPr>
+            <p:ph type="sldNum" sz="quarter" idx="12"/>
+          </p:nvPr>
+        </p:nvSpPr>
+        <p:spPr>
+          <a:xfrm>
+            <a:off x="8017391" y="4930467"/>
+            <a:ext cx="669407" cy="180215"/>
+          </a:xfrm>
+        </p:spPr>
+        <p:txBody>
+          <a:bodyPr/>
+          <a:lstStyle/>
+          <a:p>
+            <a:r>
+              <a:rPr lang="en-US" dirty="0"/>
+              <a:t>Slide </a:t>
+            </a:r>
+            <a:fld id="{C5EF2332-01BF-834F-8236-50238282D533}" type="slidenum">
+              <a:rPr lang="en-US" smtClean="0"/>
+              <a:pPr/>
+              <a:t>‹#›</a:t>
+            </a:fld>
+            <a:endParaRPr lang="en-US" dirty="0"/>
+          </a:p>
+        </p:txBody>
+      </p:sp>
+    </p:spTree>
+    <p:extLst>
+      <p:ext uri="{BB962C8B-B14F-4D97-AF65-F5344CB8AC3E}">
+        <p14:creationId xmlns:p14="http://schemas.microsoft.com/office/powerpoint/2010/main" val="949909855"/>
+      </p:ext>
+    </p:extLst>
+  </p:cSld>
+  <p:clrMapOvr>
+    <a:masterClrMapping/>
+  </p:clrMapOvr>
+  <p:hf hdr="0" dt="0"/>
+</p:sldLayout>
+</file>
+
+<file path=ppt/slideLayouts/slideLayout6.xml><?xml version="1.0" encoding="utf-8"?>
+<p:sldLayout xmlns:a="http://schemas.openxmlformats.org/drawingml/2006/main" xmlns:r="http://schemas.openxmlformats.org/officeDocument/2006/relationships" xmlns:p="http://schemas.openxmlformats.org/presentationml/2006/main" preserve="1" userDrawn="1">
   <p:cSld name="Comparison">
     <p:spTree>
       <p:nvGrpSpPr>
@@ -4173,7 +3823,15 @@
             <p:ph type="title"/>
           </p:nvPr>
         </p:nvSpPr>
-        <p:spPr/>
+        <p:spPr>
+          <a:xfrm>
+            <a:off x="457200" y="205979"/>
+            <a:ext cx="7532376" cy="371011"/>
+          </a:xfrm>
+          <a:prstGeom prst="rect">
+            <a:avLst/>
+          </a:prstGeom>
+        </p:spPr>
         <p:txBody>
           <a:bodyPr/>
           <a:lstStyle>
@@ -4183,7 +3841,7 @@
           </a:lstStyle>
           <a:p>
             <a:r>
-              <a:rPr lang="en-US"/>
+              <a:rPr lang="en-US" dirty="0"/>
               <a:t>Click to edit Master title style</a:t>
             </a:r>
           </a:p>
@@ -4191,96 +3849,43 @@
       </p:sp>
       <p:sp>
         <p:nvSpPr>
-          <p:cNvPr id="3" name="Text Placeholder 2"/>
-          <p:cNvSpPr>
-            <a:spLocks noGrp="1"/>
-          </p:cNvSpPr>
-          <p:nvPr>
-            <p:ph type="body" idx="1"/>
-          </p:nvPr>
-        </p:nvSpPr>
-        <p:spPr>
-          <a:xfrm>
-            <a:off x="457199" y="818637"/>
-            <a:ext cx="4040188" cy="479822"/>
-          </a:xfrm>
-        </p:spPr>
-        <p:txBody>
-          <a:bodyPr anchor="b"/>
+          <p:cNvPr id="7" name="Content Placeholder 2">
+            <a:extLst>
+              <a:ext uri="{FF2B5EF4-FFF2-40B4-BE49-F238E27FC236}">
+                <a16:creationId xmlns:a16="http://schemas.microsoft.com/office/drawing/2014/main" id="{4C7CB2D7-98C1-DBFA-C787-D7EEE1BDFDD0}"/>
+              </a:ext>
+            </a:extLst>
+          </p:cNvPr>
+          <p:cNvSpPr>
+            <a:spLocks noGrp="1"/>
+          </p:cNvSpPr>
+          <p:nvPr>
+            <p:ph idx="1"/>
+          </p:nvPr>
+        </p:nvSpPr>
+        <p:spPr>
+          <a:xfrm>
+            <a:off x="4648743" y="643989"/>
+            <a:ext cx="4114803" cy="2074164"/>
+          </a:xfrm>
+          <a:prstGeom prst="rect">
+            <a:avLst/>
+          </a:prstGeom>
+        </p:spPr>
+        <p:txBody>
+          <a:bodyPr anchor="ctr">
+            <a:normAutofit/>
+          </a:bodyPr>
           <a:lstStyle>
-            <a:lvl1pPr marL="0" indent="0">
-              <a:buNone/>
-              <a:defRPr sz="1800" b="1"/>
-            </a:lvl1pPr>
-            <a:lvl2pPr marL="342900" indent="0">
-              <a:buNone/>
-              <a:defRPr sz="1500" b="1"/>
-            </a:lvl2pPr>
-            <a:lvl3pPr marL="685800" indent="0">
-              <a:buNone/>
-              <a:defRPr sz="1350" b="1"/>
-            </a:lvl3pPr>
-            <a:lvl4pPr marL="1028700" indent="0">
-              <a:buNone/>
-              <a:defRPr sz="1200" b="1"/>
-            </a:lvl4pPr>
-            <a:lvl5pPr marL="1371600" indent="0">
-              <a:buNone/>
-              <a:defRPr sz="1200" b="1"/>
-            </a:lvl5pPr>
-            <a:lvl6pPr marL="1714500" indent="0">
-              <a:buNone/>
-              <a:defRPr sz="1200" b="1"/>
-            </a:lvl6pPr>
-            <a:lvl7pPr marL="2057400" indent="0">
-              <a:buNone/>
-              <a:defRPr sz="1200" b="1"/>
-            </a:lvl7pPr>
-            <a:lvl8pPr marL="2400300" indent="0">
-              <a:buNone/>
-              <a:defRPr sz="1200" b="1"/>
-            </a:lvl8pPr>
-            <a:lvl9pPr marL="2743200" indent="0">
-              <a:buNone/>
-              <a:defRPr sz="1200" b="1"/>
-            </a:lvl9pPr>
-          </a:lstStyle>
-          <a:p>
-            <a:pPr lvl="0"/>
-            <a:r>
-              <a:rPr lang="en-US"/>
-              <a:t>Click to edit Master text styles</a:t>
-            </a:r>
-          </a:p>
-        </p:txBody>
-      </p:sp>
-      <p:sp>
-        <p:nvSpPr>
-          <p:cNvPr id="4" name="Content Placeholder 3"/>
-          <p:cNvSpPr>
-            <a:spLocks noGrp="1"/>
-          </p:cNvSpPr>
-          <p:nvPr>
-            <p:ph sz="half" idx="2"/>
-          </p:nvPr>
-        </p:nvSpPr>
-        <p:spPr>
-          <a:xfrm>
-            <a:off x="457200" y="1386846"/>
-            <a:ext cx="4040188" cy="3277252"/>
-          </a:xfrm>
-        </p:spPr>
-        <p:txBody>
-          <a:bodyPr/>
-          <a:lstStyle>
-            <a:lvl1pPr>
-              <a:defRPr sz="1800"/>
+            <a:lvl1pPr marL="0" indent="0" algn="ctr">
+              <a:buNone/>
+              <a:defRPr sz="1000"/>
             </a:lvl1pPr>
             <a:lvl2pPr>
-              <a:defRPr sz="1500"/>
+              <a:defRPr sz="1600"/>
             </a:lvl2pPr>
             <a:lvl3pPr>
-              <a:defRPr sz="1350"/>
+              <a:defRPr sz="1400"/>
             </a:lvl3pPr>
             <a:lvl4pPr>
               <a:defRPr sz="1200"/>
@@ -4289,115 +3894,108 @@
               <a:defRPr sz="1200"/>
             </a:lvl5pPr>
             <a:lvl6pPr>
-              <a:defRPr sz="1200"/>
+              <a:defRPr sz="2000"/>
             </a:lvl6pPr>
             <a:lvl7pPr>
-              <a:defRPr sz="1200"/>
+              <a:defRPr sz="2000"/>
             </a:lvl7pPr>
             <a:lvl8pPr>
-              <a:defRPr sz="1200"/>
+              <a:defRPr sz="2000"/>
             </a:lvl8pPr>
             <a:lvl9pPr>
-              <a:defRPr sz="1200"/>
+              <a:defRPr sz="2000"/>
             </a:lvl9pPr>
           </a:lstStyle>
           <a:p>
             <a:pPr lvl="0"/>
-            <a:r>
-              <a:rPr lang="en-US"/>
-              <a:t>Click to edit Master text styles</a:t>
-            </a:r>
-          </a:p>
-          <a:p>
-            <a:pPr lvl="1"/>
-            <a:r>
-              <a:rPr lang="en-US"/>
-              <a:t>Second level</a:t>
-            </a:r>
-          </a:p>
-          <a:p>
-            <a:pPr lvl="2"/>
-            <a:r>
-              <a:rPr lang="en-US"/>
-              <a:t>Third level</a:t>
-            </a:r>
-          </a:p>
-          <a:p>
-            <a:pPr lvl="3"/>
-            <a:r>
-              <a:rPr lang="en-US"/>
-              <a:t>Fourth level</a:t>
-            </a:r>
-          </a:p>
-          <a:p>
-            <a:pPr lvl="4"/>
-            <a:r>
-              <a:rPr lang="en-US"/>
-              <a:t>Fifth level</a:t>
-            </a:r>
-          </a:p>
-        </p:txBody>
-      </p:sp>
-      <p:sp>
-        <p:nvSpPr>
-          <p:cNvPr id="5" name="Text Placeholder 4"/>
-          <p:cNvSpPr>
-            <a:spLocks noGrp="1"/>
-          </p:cNvSpPr>
-          <p:nvPr>
-            <p:ph type="body" sz="quarter" idx="3"/>
-          </p:nvPr>
-        </p:nvSpPr>
-        <p:spPr>
-          <a:xfrm>
-            <a:off x="4645025" y="818637"/>
-            <a:ext cx="4041775" cy="479822"/>
-          </a:xfrm>
-        </p:spPr>
-        <p:txBody>
-          <a:bodyPr anchor="b"/>
+            <a:endParaRPr lang="en-GB" dirty="0"/>
+          </a:p>
+        </p:txBody>
+      </p:sp>
+      <p:sp>
+        <p:nvSpPr>
+          <p:cNvPr id="10" name="Text Placeholder 3">
+            <a:extLst>
+              <a:ext uri="{FF2B5EF4-FFF2-40B4-BE49-F238E27FC236}">
+                <a16:creationId xmlns:a16="http://schemas.microsoft.com/office/drawing/2014/main" id="{9B9988F2-9518-E8AA-3D61-8260643BBD21}"/>
+              </a:ext>
+            </a:extLst>
+          </p:cNvPr>
+          <p:cNvSpPr>
+            <a:spLocks noGrp="1"/>
+          </p:cNvSpPr>
+          <p:nvPr>
+            <p:ph type="body" sz="half" idx="2"/>
+          </p:nvPr>
+        </p:nvSpPr>
+        <p:spPr>
+          <a:xfrm>
+            <a:off x="457197" y="843673"/>
+            <a:ext cx="4114803" cy="1874480"/>
+          </a:xfrm>
+          <a:prstGeom prst="rect">
+            <a:avLst/>
+          </a:prstGeom>
+          <a:solidFill>
+            <a:srgbClr val="FFF4D1"/>
+          </a:solidFill>
+          <a:effectLst>
+            <a:outerShdw blurRad="38100" dist="25400" dir="5400000" algn="ctr" rotWithShape="0">
+              <a:schemeClr val="tx1">
+                <a:alpha val="35000"/>
+              </a:schemeClr>
+            </a:outerShdw>
+          </a:effectLst>
+        </p:spPr>
+        <p:txBody>
+          <a:bodyPr>
+            <a:normAutofit/>
+          </a:bodyPr>
           <a:lstStyle>
             <a:lvl1pPr marL="0" indent="0">
               <a:buNone/>
-              <a:defRPr sz="1800" b="1"/>
+              <a:defRPr sz="900">
+                <a:latin typeface="Courier New" panose="02070309020205020404" pitchFamily="49" charset="0"/>
+                <a:cs typeface="Courier New" panose="02070309020205020404" pitchFamily="49" charset="0"/>
+              </a:defRPr>
             </a:lvl1pPr>
-            <a:lvl2pPr marL="342900" indent="0">
-              <a:buNone/>
-              <a:defRPr sz="1500" b="1"/>
+            <a:lvl2pPr marL="457200" indent="0">
+              <a:buNone/>
+              <a:defRPr sz="1400"/>
             </a:lvl2pPr>
-            <a:lvl3pPr marL="685800" indent="0">
-              <a:buNone/>
-              <a:defRPr sz="1350" b="1"/>
+            <a:lvl3pPr marL="914400" indent="0">
+              <a:buNone/>
+              <a:defRPr sz="1200"/>
             </a:lvl3pPr>
-            <a:lvl4pPr marL="1028700" indent="0">
-              <a:buNone/>
-              <a:defRPr sz="1200" b="1"/>
+            <a:lvl4pPr marL="1371600" indent="0">
+              <a:buNone/>
+              <a:defRPr sz="1000"/>
             </a:lvl4pPr>
-            <a:lvl5pPr marL="1371600" indent="0">
-              <a:buNone/>
-              <a:defRPr sz="1200" b="1"/>
+            <a:lvl5pPr marL="1828800" indent="0">
+              <a:buNone/>
+              <a:defRPr sz="1000"/>
             </a:lvl5pPr>
-            <a:lvl6pPr marL="1714500" indent="0">
-              <a:buNone/>
-              <a:defRPr sz="1200" b="1"/>
+            <a:lvl6pPr marL="2286000" indent="0">
+              <a:buNone/>
+              <a:defRPr sz="1000"/>
             </a:lvl6pPr>
-            <a:lvl7pPr marL="2057400" indent="0">
-              <a:buNone/>
-              <a:defRPr sz="1200" b="1"/>
+            <a:lvl7pPr marL="2743200" indent="0">
+              <a:buNone/>
+              <a:defRPr sz="1000"/>
             </a:lvl7pPr>
-            <a:lvl8pPr marL="2400300" indent="0">
-              <a:buNone/>
-              <a:defRPr sz="1200" b="1"/>
+            <a:lvl8pPr marL="3200400" indent="0">
+              <a:buNone/>
+              <a:defRPr sz="1000"/>
             </a:lvl8pPr>
-            <a:lvl9pPr marL="2743200" indent="0">
-              <a:buNone/>
-              <a:defRPr sz="1200" b="1"/>
+            <a:lvl9pPr marL="3657600" indent="0">
+              <a:buNone/>
+              <a:defRPr sz="1000"/>
             </a:lvl9pPr>
           </a:lstStyle>
           <a:p>
             <a:pPr lvl="0"/>
             <a:r>
-              <a:rPr lang="en-US"/>
+              <a:rPr lang="en-US" dirty="0"/>
               <a:t>Click to edit Master text styles</a:t>
             </a:r>
           </a:p>
@@ -4405,31 +4003,132 @@
       </p:sp>
       <p:sp>
         <p:nvSpPr>
-          <p:cNvPr id="6" name="Content Placeholder 5"/>
-          <p:cNvSpPr>
-            <a:spLocks noGrp="1"/>
-          </p:cNvSpPr>
-          <p:nvPr>
-            <p:ph sz="quarter" idx="4"/>
-          </p:nvPr>
-        </p:nvSpPr>
-        <p:spPr>
-          <a:xfrm>
-            <a:off x="4645026" y="1386846"/>
-            <a:ext cx="4041775" cy="3277252"/>
-          </a:xfrm>
-        </p:spPr>
-        <p:txBody>
-          <a:bodyPr/>
+          <p:cNvPr id="14" name="Text Placeholder 3">
+            <a:extLst>
+              <a:ext uri="{FF2B5EF4-FFF2-40B4-BE49-F238E27FC236}">
+                <a16:creationId xmlns:a16="http://schemas.microsoft.com/office/drawing/2014/main" id="{C33D2356-F2FE-18D9-F847-A2B3BCED5ACC}"/>
+              </a:ext>
+            </a:extLst>
+          </p:cNvPr>
+          <p:cNvSpPr>
+            <a:spLocks noGrp="1"/>
+          </p:cNvSpPr>
+          <p:nvPr>
+            <p:ph type="body" sz="half" idx="13"/>
+          </p:nvPr>
+        </p:nvSpPr>
+        <p:spPr>
+          <a:xfrm>
+            <a:off x="457194" y="3020324"/>
+            <a:ext cx="4114804" cy="1874481"/>
+          </a:xfrm>
+          <a:prstGeom prst="rect">
+            <a:avLst/>
+          </a:prstGeom>
+          <a:solidFill>
+            <a:srgbClr val="FFF4D1"/>
+          </a:solidFill>
+          <a:effectLst>
+            <a:outerShdw blurRad="38100" dist="25400" dir="5400000" algn="ctr" rotWithShape="0">
+              <a:schemeClr val="tx1">
+                <a:alpha val="35000"/>
+              </a:schemeClr>
+            </a:outerShdw>
+          </a:effectLst>
+        </p:spPr>
+        <p:txBody>
+          <a:bodyPr>
+            <a:normAutofit/>
+          </a:bodyPr>
           <a:lstStyle>
-            <a:lvl1pPr>
-              <a:defRPr sz="1800"/>
+            <a:lvl1pPr marL="0" indent="0">
+              <a:buNone/>
+              <a:defRPr sz="900">
+                <a:latin typeface="Courier New" panose="02070309020205020404" pitchFamily="49" charset="0"/>
+                <a:cs typeface="Courier New" panose="02070309020205020404" pitchFamily="49" charset="0"/>
+              </a:defRPr>
+            </a:lvl1pPr>
+            <a:lvl2pPr marL="457200" indent="0">
+              <a:buNone/>
+              <a:defRPr sz="1400"/>
+            </a:lvl2pPr>
+            <a:lvl3pPr marL="914400" indent="0">
+              <a:buNone/>
+              <a:defRPr sz="1200"/>
+            </a:lvl3pPr>
+            <a:lvl4pPr marL="1371600" indent="0">
+              <a:buNone/>
+              <a:defRPr sz="1000"/>
+            </a:lvl4pPr>
+            <a:lvl5pPr marL="1828800" indent="0">
+              <a:buNone/>
+              <a:defRPr sz="1000"/>
+            </a:lvl5pPr>
+            <a:lvl6pPr marL="2286000" indent="0">
+              <a:buNone/>
+              <a:defRPr sz="1000"/>
+            </a:lvl6pPr>
+            <a:lvl7pPr marL="2743200" indent="0">
+              <a:buNone/>
+              <a:defRPr sz="1000"/>
+            </a:lvl7pPr>
+            <a:lvl8pPr marL="3200400" indent="0">
+              <a:buNone/>
+              <a:defRPr sz="1000"/>
+            </a:lvl8pPr>
+            <a:lvl9pPr marL="3657600" indent="0">
+              <a:buNone/>
+              <a:defRPr sz="1000"/>
+            </a:lvl9pPr>
+          </a:lstStyle>
+          <a:p>
+            <a:pPr lvl="0"/>
+            <a:r>
+              <a:rPr lang="en-US" dirty="0"/>
+              <a:t>Click to edit Master text styles</a:t>
+            </a:r>
+          </a:p>
+        </p:txBody>
+      </p:sp>
+      <p:sp>
+        <p:nvSpPr>
+          <p:cNvPr id="15" name="Content Placeholder 2">
+            <a:extLst>
+              <a:ext uri="{FF2B5EF4-FFF2-40B4-BE49-F238E27FC236}">
+                <a16:creationId xmlns:a16="http://schemas.microsoft.com/office/drawing/2014/main" id="{6186BFCD-F60B-E6D9-AEC5-D2CC3E6B82C1}"/>
+              </a:ext>
+            </a:extLst>
+          </p:cNvPr>
+          <p:cNvSpPr>
+            <a:spLocks noGrp="1"/>
+          </p:cNvSpPr>
+          <p:nvPr>
+            <p:ph idx="14"/>
+          </p:nvPr>
+        </p:nvSpPr>
+        <p:spPr>
+          <a:xfrm>
+            <a:off x="4648743" y="2814859"/>
+            <a:ext cx="4114807" cy="2079946"/>
+          </a:xfrm>
+          <a:prstGeom prst="rect">
+            <a:avLst/>
+          </a:prstGeom>
+        </p:spPr>
+        <p:txBody>
+          <a:bodyPr anchor="ctr">
+            <a:normAutofit/>
+          </a:bodyPr>
+          <a:lstStyle>
+            <a:lvl1pPr marL="0" indent="0" algn="ctr">
+              <a:buNone/>
+              <a:defRPr sz="1000"/>
             </a:lvl1pPr>
             <a:lvl2pPr>
-              <a:defRPr sz="1500"/>
+              <a:defRPr sz="1600"/>
             </a:lvl2pPr>
             <a:lvl3pPr>
-              <a:defRPr sz="1350"/>
+              <a:defRPr sz="1400"/>
             </a:lvl3pPr>
             <a:lvl4pPr>
               <a:defRPr sz="1200"/>
@@ -4438,58 +4137,33 @@
               <a:defRPr sz="1200"/>
             </a:lvl5pPr>
             <a:lvl6pPr>
-              <a:defRPr sz="1200"/>
+              <a:defRPr sz="2000"/>
             </a:lvl6pPr>
             <a:lvl7pPr>
-              <a:defRPr sz="1200"/>
+              <a:defRPr sz="2000"/>
             </a:lvl7pPr>
             <a:lvl8pPr>
-              <a:defRPr sz="1200"/>
+              <a:defRPr sz="2000"/>
             </a:lvl8pPr>
             <a:lvl9pPr>
-              <a:defRPr sz="1200"/>
+              <a:defRPr sz="2000"/>
             </a:lvl9pPr>
           </a:lstStyle>
           <a:p>
             <a:pPr lvl="0"/>
-            <a:r>
-              <a:rPr lang="en-US"/>
-              <a:t>Click to edit Master text styles</a:t>
-            </a:r>
-          </a:p>
-          <a:p>
-            <a:pPr lvl="1"/>
-            <a:r>
-              <a:rPr lang="en-US"/>
-              <a:t>Second level</a:t>
-            </a:r>
-          </a:p>
-          <a:p>
-            <a:pPr lvl="2"/>
-            <a:r>
-              <a:rPr lang="en-US"/>
-              <a:t>Third level</a:t>
-            </a:r>
-          </a:p>
-          <a:p>
-            <a:pPr lvl="3"/>
-            <a:r>
-              <a:rPr lang="en-US"/>
-              <a:t>Fourth level</a:t>
-            </a:r>
-          </a:p>
-          <a:p>
-            <a:pPr lvl="4"/>
-            <a:r>
-              <a:rPr lang="en-US"/>
-              <a:t>Fifth level</a:t>
-            </a:r>
-          </a:p>
-        </p:txBody>
-      </p:sp>
-      <p:sp>
-        <p:nvSpPr>
-          <p:cNvPr id="8" name="Footer Placeholder 7"/>
+            <a:endParaRPr lang="en-GB" dirty="0"/>
+          </a:p>
+        </p:txBody>
+      </p:sp>
+      <p:sp>
+        <p:nvSpPr>
+          <p:cNvPr id="4" name="Footer Placeholder 4">
+            <a:extLst>
+              <a:ext uri="{FF2B5EF4-FFF2-40B4-BE49-F238E27FC236}">
+                <a16:creationId xmlns:a16="http://schemas.microsoft.com/office/drawing/2014/main" id="{18FD2785-3129-AF44-315F-16B5BA72C03A}"/>
+              </a:ext>
+            </a:extLst>
+          </p:cNvPr>
           <p:cNvSpPr>
             <a:spLocks noGrp="1"/>
           </p:cNvSpPr>
@@ -4497,18 +4171,29 @@
             <p:ph type="ftr" sz="quarter" idx="11"/>
           </p:nvPr>
         </p:nvSpPr>
-        <p:spPr/>
+        <p:spPr>
+          <a:xfrm>
+            <a:off x="457200" y="4939093"/>
+            <a:ext cx="7430322" cy="162964"/>
+          </a:xfrm>
+        </p:spPr>
         <p:txBody>
           <a:bodyPr/>
           <a:lstStyle/>
           <a:p>
-            <a:endParaRPr lang="en-US"/>
-          </a:p>
-        </p:txBody>
-      </p:sp>
-      <p:sp>
-        <p:nvSpPr>
-          <p:cNvPr id="9" name="Slide Number Placeholder 8"/>
+            <a:endParaRPr lang="en-US" dirty="0"/>
+          </a:p>
+        </p:txBody>
+      </p:sp>
+      <p:sp>
+        <p:nvSpPr>
+          <p:cNvPr id="5" name="Slide Number Placeholder 5">
+            <a:extLst>
+              <a:ext uri="{FF2B5EF4-FFF2-40B4-BE49-F238E27FC236}">
+                <a16:creationId xmlns:a16="http://schemas.microsoft.com/office/drawing/2014/main" id="{AA492C48-FDB3-BCCC-F8E6-994DF0DB53C0}"/>
+              </a:ext>
+            </a:extLst>
+          </p:cNvPr>
           <p:cNvSpPr>
             <a:spLocks noGrp="1"/>
           </p:cNvSpPr>
@@ -4516,7 +4201,12 @@
             <p:ph type="sldNum" sz="quarter" idx="12"/>
           </p:nvPr>
         </p:nvSpPr>
-        <p:spPr/>
+        <p:spPr>
+          <a:xfrm>
+            <a:off x="8017393" y="4934651"/>
+            <a:ext cx="669407" cy="162964"/>
+          </a:xfrm>
+        </p:spPr>
         <p:txBody>
           <a:bodyPr/>
           <a:lstStyle/>
@@ -4531,6 +4221,190 @@
               <a:t>‹#›</a:t>
             </a:fld>
             <a:endParaRPr lang="en-US" dirty="0"/>
+          </a:p>
+        </p:txBody>
+      </p:sp>
+      <p:sp>
+        <p:nvSpPr>
+          <p:cNvPr id="3" name="Text Placeholder 3">
+            <a:extLst>
+              <a:ext uri="{FF2B5EF4-FFF2-40B4-BE49-F238E27FC236}">
+                <a16:creationId xmlns:a16="http://schemas.microsoft.com/office/drawing/2014/main" id="{99BBEB38-D632-A925-B25C-AB20119E9D2D}"/>
+              </a:ext>
+            </a:extLst>
+          </p:cNvPr>
+          <p:cNvSpPr>
+            <a:spLocks noGrp="1"/>
+          </p:cNvSpPr>
+          <p:nvPr>
+            <p:ph type="body" sz="half" idx="15"/>
+          </p:nvPr>
+        </p:nvSpPr>
+        <p:spPr>
+          <a:xfrm>
+            <a:off x="457193" y="643989"/>
+            <a:ext cx="4114803" cy="178107"/>
+          </a:xfrm>
+          <a:prstGeom prst="rect">
+            <a:avLst/>
+          </a:prstGeom>
+          <a:solidFill>
+            <a:srgbClr val="FFF4D1"/>
+          </a:solidFill>
+          <a:effectLst>
+            <a:outerShdw blurRad="38100" dist="25400" dir="5400000" algn="ctr" rotWithShape="0">
+              <a:schemeClr val="tx1">
+                <a:alpha val="35000"/>
+              </a:schemeClr>
+            </a:outerShdw>
+          </a:effectLst>
+        </p:spPr>
+        <p:txBody>
+          <a:bodyPr>
+            <a:noAutofit/>
+          </a:bodyPr>
+          <a:lstStyle>
+            <a:lvl1pPr marL="0" indent="0" algn="ctr">
+              <a:spcBef>
+                <a:spcPts val="0"/>
+              </a:spcBef>
+              <a:buNone/>
+              <a:defRPr sz="900" b="1">
+                <a:latin typeface="Courier New" panose="02070309020205020404" pitchFamily="49" charset="0"/>
+                <a:cs typeface="Courier New" panose="02070309020205020404" pitchFamily="49" charset="0"/>
+              </a:defRPr>
+            </a:lvl1pPr>
+            <a:lvl2pPr marL="457200" indent="0">
+              <a:buNone/>
+              <a:defRPr sz="1400"/>
+            </a:lvl2pPr>
+            <a:lvl3pPr marL="914400" indent="0">
+              <a:buNone/>
+              <a:defRPr sz="1200"/>
+            </a:lvl3pPr>
+            <a:lvl4pPr marL="1371600" indent="0">
+              <a:buNone/>
+              <a:defRPr sz="1000"/>
+            </a:lvl4pPr>
+            <a:lvl5pPr marL="1828800" indent="0">
+              <a:buNone/>
+              <a:defRPr sz="1000"/>
+            </a:lvl5pPr>
+            <a:lvl6pPr marL="2286000" indent="0">
+              <a:buNone/>
+              <a:defRPr sz="1000"/>
+            </a:lvl6pPr>
+            <a:lvl7pPr marL="2743200" indent="0">
+              <a:buNone/>
+              <a:defRPr sz="1000"/>
+            </a:lvl7pPr>
+            <a:lvl8pPr marL="3200400" indent="0">
+              <a:buNone/>
+              <a:defRPr sz="1000"/>
+            </a:lvl8pPr>
+            <a:lvl9pPr marL="3657600" indent="0">
+              <a:buNone/>
+              <a:defRPr sz="1000"/>
+            </a:lvl9pPr>
+          </a:lstStyle>
+          <a:p>
+            <a:pPr lvl="0"/>
+            <a:r>
+              <a:rPr lang="en-US" dirty="0"/>
+              <a:t>Click to edit Master text styles</a:t>
+            </a:r>
+          </a:p>
+        </p:txBody>
+      </p:sp>
+      <p:sp>
+        <p:nvSpPr>
+          <p:cNvPr id="6" name="Text Placeholder 3">
+            <a:extLst>
+              <a:ext uri="{FF2B5EF4-FFF2-40B4-BE49-F238E27FC236}">
+                <a16:creationId xmlns:a16="http://schemas.microsoft.com/office/drawing/2014/main" id="{48190733-FE05-D0B0-5566-C56C91282A34}"/>
+              </a:ext>
+            </a:extLst>
+          </p:cNvPr>
+          <p:cNvSpPr>
+            <a:spLocks noGrp="1"/>
+          </p:cNvSpPr>
+          <p:nvPr>
+            <p:ph type="body" sz="half" idx="16"/>
+          </p:nvPr>
+        </p:nvSpPr>
+        <p:spPr>
+          <a:xfrm>
+            <a:off x="457192" y="2820073"/>
+            <a:ext cx="4114803" cy="178107"/>
+          </a:xfrm>
+          <a:prstGeom prst="rect">
+            <a:avLst/>
+          </a:prstGeom>
+          <a:solidFill>
+            <a:srgbClr val="FFF4D1"/>
+          </a:solidFill>
+          <a:effectLst>
+            <a:outerShdw blurRad="38100" dist="25400" dir="5400000" algn="ctr" rotWithShape="0">
+              <a:schemeClr val="tx1">
+                <a:alpha val="35000"/>
+              </a:schemeClr>
+            </a:outerShdw>
+          </a:effectLst>
+        </p:spPr>
+        <p:txBody>
+          <a:bodyPr>
+            <a:noAutofit/>
+          </a:bodyPr>
+          <a:lstStyle>
+            <a:lvl1pPr marL="0" indent="0" algn="ctr">
+              <a:spcBef>
+                <a:spcPts val="0"/>
+              </a:spcBef>
+              <a:buNone/>
+              <a:defRPr sz="900" b="1">
+                <a:latin typeface="Courier New" panose="02070309020205020404" pitchFamily="49" charset="0"/>
+                <a:cs typeface="Courier New" panose="02070309020205020404" pitchFamily="49" charset="0"/>
+              </a:defRPr>
+            </a:lvl1pPr>
+            <a:lvl2pPr marL="457200" indent="0">
+              <a:buNone/>
+              <a:defRPr sz="1400"/>
+            </a:lvl2pPr>
+            <a:lvl3pPr marL="914400" indent="0">
+              <a:buNone/>
+              <a:defRPr sz="1200"/>
+            </a:lvl3pPr>
+            <a:lvl4pPr marL="1371600" indent="0">
+              <a:buNone/>
+              <a:defRPr sz="1000"/>
+            </a:lvl4pPr>
+            <a:lvl5pPr marL="1828800" indent="0">
+              <a:buNone/>
+              <a:defRPr sz="1000"/>
+            </a:lvl5pPr>
+            <a:lvl6pPr marL="2286000" indent="0">
+              <a:buNone/>
+              <a:defRPr sz="1000"/>
+            </a:lvl6pPr>
+            <a:lvl7pPr marL="2743200" indent="0">
+              <a:buNone/>
+              <a:defRPr sz="1000"/>
+            </a:lvl7pPr>
+            <a:lvl8pPr marL="3200400" indent="0">
+              <a:buNone/>
+              <a:defRPr sz="1000"/>
+            </a:lvl8pPr>
+            <a:lvl9pPr marL="3657600" indent="0">
+              <a:buNone/>
+              <a:defRPr sz="1000"/>
+            </a:lvl9pPr>
+          </a:lstStyle>
+          <a:p>
+            <a:pPr lvl="0"/>
+            <a:r>
+              <a:rPr lang="en-US" dirty="0"/>
+              <a:t>Click to edit Master text styles</a:t>
+            </a:r>
           </a:p>
         </p:txBody>
       </p:sp>
@@ -4547,7 +4421,7 @@
 </p:sldLayout>
 </file>
 
-<file path=ppt/slideLayouts/slideLayout6.xml><?xml version="1.0" encoding="utf-8"?>
+<file path=ppt/slideLayouts/slideLayout7.xml><?xml version="1.0" encoding="utf-8"?>
 <p:sldLayout xmlns:a="http://schemas.openxmlformats.org/drawingml/2006/main" xmlns:r="http://schemas.openxmlformats.org/officeDocument/2006/relationships" xmlns:p="http://schemas.openxmlformats.org/presentationml/2006/main" preserve="1" userDrawn="1">
   <p:cSld name="Blank with title">
     <p:spTree>
@@ -4580,7 +4454,15 @@
             <p:ph type="title"/>
           </p:nvPr>
         </p:nvSpPr>
-        <p:spPr/>
+        <p:spPr>
+          <a:xfrm>
+            <a:off x="457200" y="205979"/>
+            <a:ext cx="7532376" cy="371011"/>
+          </a:xfrm>
+          <a:prstGeom prst="rect">
+            <a:avLst/>
+          </a:prstGeom>
+        </p:spPr>
         <p:txBody>
           <a:bodyPr/>
           <a:lstStyle/>
@@ -4665,7 +4547,7 @@
 </p:sldLayout>
 </file>
 
-<file path=ppt/slideLayouts/slideLayout7.xml><?xml version="1.0" encoding="utf-8"?>
+<file path=ppt/slideLayouts/slideLayout8.xml><?xml version="1.0" encoding="utf-8"?>
 <p:sldLayout xmlns:a="http://schemas.openxmlformats.org/drawingml/2006/main" xmlns:r="http://schemas.openxmlformats.org/officeDocument/2006/relationships" xmlns:p="http://schemas.openxmlformats.org/presentationml/2006/main" type="blank" preserve="1">
   <p:cSld name="Blank">
     <p:spTree>
@@ -4684,10 +4566,40 @@
       </p:grpSpPr>
       <p:sp>
         <p:nvSpPr>
-          <p:cNvPr id="5" name="Slide Number Placeholder 4">
-            <a:extLst>
-              <a:ext uri="{FF2B5EF4-FFF2-40B4-BE49-F238E27FC236}">
-                <a16:creationId xmlns:a16="http://schemas.microsoft.com/office/drawing/2014/main" id="{99D21F24-9538-DBA9-621E-AFBF5DAA90BE}"/>
+          <p:cNvPr id="3" name="Footer Placeholder 4">
+            <a:extLst>
+              <a:ext uri="{FF2B5EF4-FFF2-40B4-BE49-F238E27FC236}">
+                <a16:creationId xmlns:a16="http://schemas.microsoft.com/office/drawing/2014/main" id="{222F7D1B-3878-D2B0-1304-530F3883BBA9}"/>
+              </a:ext>
+            </a:extLst>
+          </p:cNvPr>
+          <p:cNvSpPr>
+            <a:spLocks noGrp="1"/>
+          </p:cNvSpPr>
+          <p:nvPr>
+            <p:ph type="ftr" sz="quarter" idx="11"/>
+          </p:nvPr>
+        </p:nvSpPr>
+        <p:spPr>
+          <a:xfrm>
+            <a:off x="457200" y="4939093"/>
+            <a:ext cx="7430322" cy="162964"/>
+          </a:xfrm>
+        </p:spPr>
+        <p:txBody>
+          <a:bodyPr/>
+          <a:lstStyle/>
+          <a:p>
+            <a:endParaRPr lang="en-US" dirty="0"/>
+          </a:p>
+        </p:txBody>
+      </p:sp>
+      <p:sp>
+        <p:nvSpPr>
+          <p:cNvPr id="4" name="Slide Number Placeholder 5">
+            <a:extLst>
+              <a:ext uri="{FF2B5EF4-FFF2-40B4-BE49-F238E27FC236}">
+                <a16:creationId xmlns:a16="http://schemas.microsoft.com/office/drawing/2014/main" id="{20D26AD5-81C8-C0FB-9D88-960134158BA2}"/>
               </a:ext>
             </a:extLst>
           </p:cNvPr>
@@ -4700,8 +4612,8 @@
         </p:nvSpPr>
         <p:spPr>
           <a:xfrm>
-            <a:off x="7912100" y="4767263"/>
-            <a:ext cx="774700" cy="273844"/>
+            <a:off x="8017393" y="4934651"/>
+            <a:ext cx="669407" cy="162964"/>
           </a:xfrm>
         </p:spPr>
         <p:txBody>
@@ -4735,7 +4647,7 @@
 </p:sldLayout>
 </file>
 
-<file path=ppt/slideLayouts/slideLayout8.xml><?xml version="1.0" encoding="utf-8"?>
+<file path=ppt/slideLayouts/slideLayout9.xml><?xml version="1.0" encoding="utf-8"?>
 <p:sldLayout xmlns:a="http://schemas.openxmlformats.org/drawingml/2006/main" xmlns:r="http://schemas.openxmlformats.org/officeDocument/2006/relationships" xmlns:p="http://schemas.openxmlformats.org/presentationml/2006/main" preserve="1" userDrawn="1">
   <p:cSld name="Fully blank">
     <p:spTree>
@@ -4752,40 +4664,6 @@
           <a:chExt cx="0" cy="0"/>
         </a:xfrm>
       </p:grpSpPr>
-      <p:sp>
-        <p:nvSpPr>
-          <p:cNvPr id="4" name="Slide Number Placeholder 3">
-            <a:extLst>
-              <a:ext uri="{FF2B5EF4-FFF2-40B4-BE49-F238E27FC236}">
-                <a16:creationId xmlns:a16="http://schemas.microsoft.com/office/drawing/2014/main" id="{8F591223-0074-6AF7-39CF-7CF1CAB786C5}"/>
-              </a:ext>
-            </a:extLst>
-          </p:cNvPr>
-          <p:cNvSpPr>
-            <a:spLocks noGrp="1"/>
-          </p:cNvSpPr>
-          <p:nvPr>
-            <p:ph type="sldNum" sz="quarter" idx="11"/>
-          </p:nvPr>
-        </p:nvSpPr>
-        <p:spPr/>
-        <p:txBody>
-          <a:bodyPr/>
-          <a:lstStyle/>
-          <a:p>
-            <a:r>
-              <a:rPr lang="en-US"/>
-              <a:t>Slide </a:t>
-            </a:r>
-            <a:fld id="{C5EF2332-01BF-834F-8236-50238282D533}" type="slidenum">
-              <a:rPr lang="en-US" smtClean="0"/>
-              <a:pPr/>
-              <a:t>‹#›</a:t>
-            </a:fld>
-            <a:endParaRPr lang="en-US" dirty="0"/>
-          </a:p>
-        </p:txBody>
-      </p:sp>
       <p:sp useBgFill="1">
         <p:nvSpPr>
           <p:cNvPr id="5" name="Rectangle 4">
@@ -4834,65 +4712,15 @@
           </a:p>
         </p:txBody>
       </p:sp>
-    </p:spTree>
-    <p:extLst>
-      <p:ext uri="{BB962C8B-B14F-4D97-AF65-F5344CB8AC3E}">
-        <p14:creationId xmlns:p14="http://schemas.microsoft.com/office/powerpoint/2010/main" val="870784833"/>
-      </p:ext>
-    </p:extLst>
-  </p:cSld>
-  <p:clrMapOvr>
-    <a:masterClrMapping/>
-  </p:clrMapOvr>
-</p:sldLayout>
-</file>
-
-<file path=ppt/slideLayouts/slideLayout9.xml><?xml version="1.0" encoding="utf-8"?>
-<p:sldLayout xmlns:a="http://schemas.openxmlformats.org/drawingml/2006/main" xmlns:r="http://schemas.openxmlformats.org/officeDocument/2006/relationships" xmlns:p="http://schemas.openxmlformats.org/presentationml/2006/main" preserve="1" userDrawn="1">
-  <p:cSld name="1_Comparison">
-    <p:spTree>
-      <p:nvGrpSpPr>
-        <p:cNvPr id="1" name=""/>
-        <p:cNvGrpSpPr/>
-        <p:nvPr/>
-      </p:nvGrpSpPr>
-      <p:grpSpPr>
-        <a:xfrm>
-          <a:off x="0" y="0"/>
-          <a:ext cx="0" cy="0"/>
-          <a:chOff x="0" y="0"/>
-          <a:chExt cx="0" cy="0"/>
-        </a:xfrm>
-      </p:grpSpPr>
-      <p:sp>
-        <p:nvSpPr>
-          <p:cNvPr id="2" name="Title 1"/>
-          <p:cNvSpPr>
-            <a:spLocks noGrp="1"/>
-          </p:cNvSpPr>
-          <p:nvPr>
-            <p:ph type="title"/>
-          </p:nvPr>
-        </p:nvSpPr>
-        <p:spPr/>
-        <p:txBody>
-          <a:bodyPr/>
-          <a:lstStyle>
-            <a:lvl1pPr>
-              <a:defRPr/>
-            </a:lvl1pPr>
-          </a:lstStyle>
-          <a:p>
-            <a:r>
-              <a:rPr lang="en-US"/>
-              <a:t>Click to edit Master title style</a:t>
-            </a:r>
-          </a:p>
-        </p:txBody>
-      </p:sp>
-      <p:sp>
-        <p:nvSpPr>
-          <p:cNvPr id="8" name="Footer Placeholder 7"/>
+      <p:sp>
+        <p:nvSpPr>
+          <p:cNvPr id="2" name="Footer Placeholder 4">
+            <a:extLst>
+              <a:ext uri="{FF2B5EF4-FFF2-40B4-BE49-F238E27FC236}">
+                <a16:creationId xmlns:a16="http://schemas.microsoft.com/office/drawing/2014/main" id="{4ABAE87D-0C53-63F7-3A23-34C60AF745A7}"/>
+              </a:ext>
+            </a:extLst>
+          </p:cNvPr>
           <p:cNvSpPr>
             <a:spLocks noGrp="1"/>
           </p:cNvSpPr>
@@ -4900,18 +4728,29 @@
             <p:ph type="ftr" sz="quarter" idx="11"/>
           </p:nvPr>
         </p:nvSpPr>
-        <p:spPr/>
+        <p:spPr>
+          <a:xfrm>
+            <a:off x="457200" y="4939093"/>
+            <a:ext cx="7430322" cy="162964"/>
+          </a:xfrm>
+        </p:spPr>
         <p:txBody>
           <a:bodyPr/>
           <a:lstStyle/>
           <a:p>
-            <a:endParaRPr lang="en-US"/>
-          </a:p>
-        </p:txBody>
-      </p:sp>
-      <p:sp>
-        <p:nvSpPr>
-          <p:cNvPr id="9" name="Slide Number Placeholder 8"/>
+            <a:endParaRPr lang="en-US" dirty="0"/>
+          </a:p>
+        </p:txBody>
+      </p:sp>
+      <p:sp>
+        <p:nvSpPr>
+          <p:cNvPr id="3" name="Slide Number Placeholder 5">
+            <a:extLst>
+              <a:ext uri="{FF2B5EF4-FFF2-40B4-BE49-F238E27FC236}">
+                <a16:creationId xmlns:a16="http://schemas.microsoft.com/office/drawing/2014/main" id="{115F3906-0C04-2F24-4D6B-A39FF2CD8CD5}"/>
+              </a:ext>
+            </a:extLst>
+          </p:cNvPr>
           <p:cNvSpPr>
             <a:spLocks noGrp="1"/>
           </p:cNvSpPr>
@@ -4919,7 +4758,12 @@
             <p:ph type="sldNum" sz="quarter" idx="12"/>
           </p:nvPr>
         </p:nvSpPr>
-        <p:spPr/>
+        <p:spPr>
+          <a:xfrm>
+            <a:off x="8017393" y="4934651"/>
+            <a:ext cx="669407" cy="162964"/>
+          </a:xfrm>
+        </p:spPr>
         <p:txBody>
           <a:bodyPr/>
           <a:lstStyle/>
@@ -4937,214 +4781,10 @@
           </a:p>
         </p:txBody>
       </p:sp>
-      <p:sp>
-        <p:nvSpPr>
-          <p:cNvPr id="7" name="Rectangle 6">
-            <a:extLst>
-              <a:ext uri="{FF2B5EF4-FFF2-40B4-BE49-F238E27FC236}">
-                <a16:creationId xmlns:a16="http://schemas.microsoft.com/office/drawing/2014/main" id="{AD0EF9C7-D113-CFA2-908E-4C505674E25B}"/>
-              </a:ext>
-            </a:extLst>
-          </p:cNvPr>
-          <p:cNvSpPr/>
-          <p:nvPr userDrawn="1"/>
-        </p:nvSpPr>
-        <p:spPr>
-          <a:xfrm>
-            <a:off x="457200" y="795153"/>
-            <a:ext cx="3364860" cy="212180"/>
-          </a:xfrm>
-          <a:prstGeom prst="rect">
-            <a:avLst/>
-          </a:prstGeom>
-          <a:solidFill>
-            <a:srgbClr val="FFF4D1"/>
-          </a:solidFill>
-          <a:ln>
-            <a:noFill/>
-          </a:ln>
-        </p:spPr>
-        <p:style>
-          <a:lnRef idx="1">
-            <a:schemeClr val="accent1"/>
-          </a:lnRef>
-          <a:fillRef idx="3">
-            <a:schemeClr val="accent1"/>
-          </a:fillRef>
-          <a:effectRef idx="2">
-            <a:schemeClr val="accent1"/>
-          </a:effectRef>
-          <a:fontRef idx="minor">
-            <a:schemeClr val="lt1"/>
-          </a:fontRef>
-        </p:style>
-        <p:txBody>
-          <a:bodyPr rtlCol="0" anchor="ctr"/>
-          <a:lstStyle/>
-          <a:p>
-            <a:pPr algn="ctr"/>
-            <a:r>
-              <a:rPr lang="en-GB" sz="1000" b="1" dirty="0">
-                <a:solidFill>
-                  <a:schemeClr val="tx1"/>
-                </a:solidFill>
-                <a:latin typeface="Courier New" panose="02070309020205020404" pitchFamily="49" charset="0"/>
-                <a:cs typeface="Courier New" panose="02070309020205020404" pitchFamily="49" charset="0"/>
-              </a:rPr>
-              <a:t>{R code}</a:t>
-            </a:r>
-          </a:p>
-        </p:txBody>
-      </p:sp>
-      <p:sp>
-        <p:nvSpPr>
-          <p:cNvPr id="10" name="Rectangle 9">
-            <a:extLst>
-              <a:ext uri="{FF2B5EF4-FFF2-40B4-BE49-F238E27FC236}">
-                <a16:creationId xmlns:a16="http://schemas.microsoft.com/office/drawing/2014/main" id="{88857A4F-A669-C447-265F-46E52E5208D1}"/>
-              </a:ext>
-            </a:extLst>
-          </p:cNvPr>
-          <p:cNvSpPr/>
-          <p:nvPr userDrawn="1"/>
-        </p:nvSpPr>
-        <p:spPr>
-          <a:xfrm>
-            <a:off x="3907870" y="795153"/>
-            <a:ext cx="4777344" cy="212180"/>
-          </a:xfrm>
-          <a:prstGeom prst="rect">
-            <a:avLst/>
-          </a:prstGeom>
-          <a:solidFill>
-            <a:srgbClr val="FAE3D6"/>
-          </a:solidFill>
-          <a:ln>
-            <a:noFill/>
-          </a:ln>
-        </p:spPr>
-        <p:style>
-          <a:lnRef idx="1">
-            <a:schemeClr val="accent1"/>
-          </a:lnRef>
-          <a:fillRef idx="3">
-            <a:schemeClr val="accent1"/>
-          </a:fillRef>
-          <a:effectRef idx="2">
-            <a:schemeClr val="accent1"/>
-          </a:effectRef>
-          <a:fontRef idx="minor">
-            <a:schemeClr val="lt1"/>
-          </a:fontRef>
-        </p:style>
-        <p:txBody>
-          <a:bodyPr rtlCol="0" anchor="ctr"/>
-          <a:lstStyle/>
-          <a:p>
-            <a:pPr algn="ctr"/>
-            <a:r>
-              <a:rPr lang="en-GB" sz="1000" b="1" dirty="0">
-                <a:solidFill>
-                  <a:schemeClr val="tx1"/>
-                </a:solidFill>
-                <a:latin typeface="Courier New" panose="02070309020205020404" pitchFamily="49" charset="0"/>
-                <a:cs typeface="Courier New" panose="02070309020205020404" pitchFamily="49" charset="0"/>
-              </a:rPr>
-              <a:t>Output</a:t>
-            </a:r>
-          </a:p>
-        </p:txBody>
-      </p:sp>
-      <p:sp>
-        <p:nvSpPr>
-          <p:cNvPr id="3" name="Text Placeholder 3">
-            <a:extLst>
-              <a:ext uri="{FF2B5EF4-FFF2-40B4-BE49-F238E27FC236}">
-                <a16:creationId xmlns:a16="http://schemas.microsoft.com/office/drawing/2014/main" id="{9230A994-0349-2ECC-612E-CA66214407C1}"/>
-              </a:ext>
-            </a:extLst>
-          </p:cNvPr>
-          <p:cNvSpPr>
-            <a:spLocks noGrp="1"/>
-          </p:cNvSpPr>
-          <p:nvPr>
-            <p:ph type="body" sz="half" idx="2"/>
-          </p:nvPr>
-        </p:nvSpPr>
-        <p:spPr>
-          <a:xfrm>
-            <a:off x="457200" y="1072235"/>
-            <a:ext cx="3364860" cy="3758181"/>
-          </a:xfrm>
-          <a:solidFill>
-            <a:srgbClr val="FFF4D1"/>
-          </a:solidFill>
-          <a:effectLst>
-            <a:outerShdw blurRad="38100" dist="25400" dir="5400000" algn="ctr" rotWithShape="0">
-              <a:schemeClr val="tx1">
-                <a:alpha val="35000"/>
-              </a:schemeClr>
-            </a:outerShdw>
-          </a:effectLst>
-        </p:spPr>
-        <p:txBody>
-          <a:bodyPr>
-            <a:normAutofit/>
-          </a:bodyPr>
-          <a:lstStyle>
-            <a:lvl1pPr marL="0" indent="0">
-              <a:buNone/>
-              <a:defRPr sz="1100">
-                <a:latin typeface="Courier New" panose="02070309020205020404" pitchFamily="49" charset="0"/>
-                <a:cs typeface="Courier New" panose="02070309020205020404" pitchFamily="49" charset="0"/>
-              </a:defRPr>
-            </a:lvl1pPr>
-            <a:lvl2pPr marL="457200" indent="0">
-              <a:buNone/>
-              <a:defRPr sz="1400"/>
-            </a:lvl2pPr>
-            <a:lvl3pPr marL="914400" indent="0">
-              <a:buNone/>
-              <a:defRPr sz="1200"/>
-            </a:lvl3pPr>
-            <a:lvl4pPr marL="1371600" indent="0">
-              <a:buNone/>
-              <a:defRPr sz="1000"/>
-            </a:lvl4pPr>
-            <a:lvl5pPr marL="1828800" indent="0">
-              <a:buNone/>
-              <a:defRPr sz="1000"/>
-            </a:lvl5pPr>
-            <a:lvl6pPr marL="2286000" indent="0">
-              <a:buNone/>
-              <a:defRPr sz="1000"/>
-            </a:lvl6pPr>
-            <a:lvl7pPr marL="2743200" indent="0">
-              <a:buNone/>
-              <a:defRPr sz="1000"/>
-            </a:lvl7pPr>
-            <a:lvl8pPr marL="3200400" indent="0">
-              <a:buNone/>
-              <a:defRPr sz="1000"/>
-            </a:lvl8pPr>
-            <a:lvl9pPr marL="3657600" indent="0">
-              <a:buNone/>
-              <a:defRPr sz="1000"/>
-            </a:lvl9pPr>
-          </a:lstStyle>
-          <a:p>
-            <a:pPr lvl="0"/>
-            <a:r>
-              <a:rPr lang="en-US" dirty="0"/>
-              <a:t>Click to edit Master text styles</a:t>
-            </a:r>
-          </a:p>
-        </p:txBody>
-      </p:sp>
     </p:spTree>
     <p:extLst>
       <p:ext uri="{BB962C8B-B14F-4D97-AF65-F5344CB8AC3E}">
-        <p14:creationId xmlns:p14="http://schemas.microsoft.com/office/powerpoint/2010/main" val="1165916037"/>
+        <p14:creationId xmlns:p14="http://schemas.microsoft.com/office/powerpoint/2010/main" val="870784833"/>
       </p:ext>
     </p:extLst>
   </p:cSld>
@@ -5189,7 +4829,7 @@
         <p:spPr>
           <a:xfrm>
             <a:off x="457200" y="205979"/>
-            <a:ext cx="6864350" cy="524271"/>
+            <a:ext cx="7532376" cy="371011"/>
           </a:xfrm>
           <a:prstGeom prst="rect">
             <a:avLst/>
@@ -5220,8 +4860,8 @@
         </p:nvSpPr>
         <p:spPr>
           <a:xfrm>
-            <a:off x="457200" y="850900"/>
-            <a:ext cx="8229600" cy="4009990"/>
+            <a:off x="457200" y="644685"/>
+            <a:ext cx="8229600" cy="4216205"/>
           </a:xfrm>
           <a:prstGeom prst="rect">
             <a:avLst/>
@@ -5260,6 +4900,13 @@
               <a:t>Fourth level</a:t>
             </a:r>
           </a:p>
+          <a:p>
+            <a:pPr lvl="4"/>
+            <a:r>
+              <a:rPr lang="en-US" dirty="0"/>
+              <a:t>Fifth level</a:t>
+            </a:r>
+          </a:p>
         </p:txBody>
       </p:sp>
       <p:sp>
@@ -5274,8 +4921,8 @@
         </p:nvSpPr>
         <p:spPr>
           <a:xfrm>
-            <a:off x="457200" y="4937521"/>
-            <a:ext cx="7042150" cy="180215"/>
+            <a:off x="457200" y="4939093"/>
+            <a:ext cx="7430322" cy="162964"/>
           </a:xfrm>
           <a:prstGeom prst="rect">
             <a:avLst/>
@@ -5285,7 +4932,7 @@
           <a:bodyPr vert="horz" lIns="91440" tIns="45720" rIns="91440" bIns="45720" rtlCol="0" anchor="ctr"/>
           <a:lstStyle>
             <a:lvl1pPr algn="ctr">
-              <a:defRPr sz="900">
+              <a:defRPr sz="800">
                 <a:solidFill>
                   <a:schemeClr val="tx1">
                     <a:tint val="75000"/>
@@ -5311,8 +4958,8 @@
         </p:nvSpPr>
         <p:spPr>
           <a:xfrm>
-            <a:off x="7912100" y="4937521"/>
-            <a:ext cx="774700" cy="180215"/>
+            <a:off x="8017393" y="4934651"/>
+            <a:ext cx="669407" cy="162964"/>
           </a:xfrm>
           <a:prstGeom prst="rect">
             <a:avLst/>
@@ -5322,18 +4969,16 @@
           <a:bodyPr vert="horz" lIns="91440" tIns="45720" rIns="91440" bIns="45720" rtlCol="0" anchor="ctr"/>
           <a:lstStyle>
             <a:lvl1pPr algn="r">
-              <a:defRPr sz="900">
+              <a:defRPr sz="800">
                 <a:solidFill>
-                  <a:schemeClr val="tx1">
-                    <a:tint val="75000"/>
-                  </a:schemeClr>
+                  <a:srgbClr val="A27B00"/>
                 </a:solidFill>
               </a:defRPr>
             </a:lvl1pPr>
           </a:lstStyle>
           <a:p>
             <a:r>
-              <a:rPr lang="en-US" dirty="0"/>
+              <a:rPr lang="en-US"/>
               <a:t>Slide </a:t>
             </a:r>
             <a:fld id="{C5EF2332-01BF-834F-8236-50238282D533}" type="slidenum">
@@ -5360,14 +5005,14 @@
           <p:nvPr userDrawn="1"/>
         </p:nvPicPr>
         <p:blipFill>
-          <a:blip r:embed="rId18"/>
+          <a:blip r:embed="rId16"/>
           <a:srcRect/>
           <a:stretch/>
         </p:blipFill>
         <p:spPr>
           <a:xfrm>
-            <a:off x="7416800" y="282608"/>
-            <a:ext cx="1270000" cy="371011"/>
+            <a:off x="8063442" y="201449"/>
+            <a:ext cx="914401" cy="243564"/>
           </a:xfrm>
           <a:prstGeom prst="rect">
             <a:avLst/>
@@ -5387,18 +5032,16 @@
     <p:sldLayoutId id="2147483650" r:id="rId2"/>
     <p:sldLayoutId id="2147483691" r:id="rId3"/>
     <p:sldLayoutId id="2147483652" r:id="rId4"/>
-    <p:sldLayoutId id="2147483653" r:id="rId5"/>
-    <p:sldLayoutId id="2147483664" r:id="rId6"/>
-    <p:sldLayoutId id="2147483655" r:id="rId7"/>
-    <p:sldLayoutId id="2147483658" r:id="rId8"/>
-    <p:sldLayoutId id="2147483662" r:id="rId9"/>
+    <p:sldLayoutId id="2147483675" r:id="rId5"/>
+    <p:sldLayoutId id="2147483653" r:id="rId6"/>
+    <p:sldLayoutId id="2147483664" r:id="rId7"/>
+    <p:sldLayoutId id="2147483655" r:id="rId8"/>
+    <p:sldLayoutId id="2147483658" r:id="rId9"/>
     <p:sldLayoutId id="2147483692" r:id="rId10"/>
     <p:sldLayoutId id="2147483693" r:id="rId11"/>
-    <p:sldLayoutId id="2147483675" r:id="rId12"/>
-    <p:sldLayoutId id="2147483676" r:id="rId13"/>
-    <p:sldLayoutId id="2147483677" r:id="rId14"/>
-    <p:sldLayoutId id="2147483678" r:id="rId15"/>
-    <p:sldLayoutId id="2147483661" r:id="rId16"/>
+    <p:sldLayoutId id="2147483677" r:id="rId12"/>
+    <p:sldLayoutId id="2147483678" r:id="rId13"/>
+    <p:sldLayoutId id="2147483661" r:id="rId14"/>
   </p:sldLayoutIdLst>
   <p:hf hdr="0" dt="0"/>
   <p:txStyles>
@@ -5408,7 +5051,7 @@
           <a:spcPct val="0"/>
         </a:spcBef>
         <a:buNone/>
-        <a:defRPr sz="3200" b="1" kern="1200">
+        <a:defRPr sz="2400" b="1" kern="1200">
           <a:solidFill>
             <a:schemeClr val="accent1">
               <a:lumMod val="50000"/>
@@ -5421,7 +5064,7 @@
       </a:lvl1pPr>
     </p:titleStyle>
     <p:bodyStyle>
-      <a:lvl1pPr marL="342900" indent="-342900" algn="l" defTabSz="342900" rtl="0" eaLnBrk="1" latinLnBrk="0" hangingPunct="1">
+      <a:lvl1pPr marL="269875" indent="-269875" algn="l" defTabSz="342900" rtl="0" eaLnBrk="1" latinLnBrk="0" hangingPunct="1">
         <a:spcBef>
           <a:spcPct val="20000"/>
         </a:spcBef>
@@ -5430,9 +5073,9 @@
             <a:lumMod val="50000"/>
           </a:schemeClr>
         </a:buClr>
-        <a:buSzPct val="110000"/>
+        <a:buSzPct val="130000"/>
         <a:buFont typeface="Arial Narrow" panose="020B0606020202030204" pitchFamily="34" charset="0"/>
-        <a:buChar char="►"/>
+        <a:buChar char="●"/>
         <a:defRPr sz="2000" kern="1200">
           <a:solidFill>
             <a:schemeClr val="tx1"/>
@@ -5442,16 +5085,18 @@
           <a:cs typeface="+mn-cs"/>
         </a:defRPr>
       </a:lvl1pPr>
-      <a:lvl2pPr marL="685800" indent="-342900" algn="l" defTabSz="342900" rtl="0" eaLnBrk="1" latinLnBrk="0" hangingPunct="1">
+      <a:lvl2pPr marL="539750" indent="-196850" algn="l" defTabSz="342900" rtl="0" eaLnBrk="1" latinLnBrk="0" hangingPunct="1">
         <a:spcBef>
           <a:spcPct val="20000"/>
         </a:spcBef>
         <a:buClr>
-          <a:srgbClr val="568030"/>
+          <a:schemeClr val="accent1">
+            <a:lumMod val="50000"/>
+          </a:schemeClr>
         </a:buClr>
         <a:buFont typeface="Arial Narrow" panose="020B0606020202030204" pitchFamily="34" charset="0"/>
-        <a:buChar char="▼"/>
-        <a:defRPr sz="2000" kern="1200">
+        <a:buChar char="►"/>
+        <a:defRPr sz="1800" kern="1200">
           <a:solidFill>
             <a:schemeClr val="tx1">
               <a:lumMod val="85000"/>
@@ -5463,15 +5108,15 @@
           <a:cs typeface="+mn-cs"/>
         </a:defRPr>
       </a:lvl2pPr>
-      <a:lvl3pPr marL="1028700" indent="-342900" algn="l" defTabSz="342900" rtl="0" eaLnBrk="1" latinLnBrk="0" hangingPunct="1">
+      <a:lvl3pPr marL="717550" indent="-269875" algn="l" defTabSz="342900" rtl="0" eaLnBrk="1" latinLnBrk="0" hangingPunct="1">
         <a:spcBef>
           <a:spcPct val="20000"/>
         </a:spcBef>
         <a:buClr>
-          <a:srgbClr val="B88C00"/>
+          <a:srgbClr val="5E8F3D"/>
         </a:buClr>
         <a:buFont typeface="Arial Narrow" panose="020B0606020202030204" pitchFamily="34" charset="0"/>
-        <a:buChar char="►"/>
+        <a:buChar char="◄"/>
         <a:defRPr sz="1600" kern="1200">
           <a:solidFill>
             <a:schemeClr val="tx1">
@@ -5484,7 +5129,7 @@
           <a:cs typeface="+mn-cs"/>
         </a:defRPr>
       </a:lvl3pPr>
-      <a:lvl4pPr marL="1371600" indent="-342900" algn="l" defTabSz="342900" rtl="0" eaLnBrk="1" latinLnBrk="0" hangingPunct="1">
+      <a:lvl4pPr marL="809625" indent="-177800" algn="l" defTabSz="342900" rtl="0" eaLnBrk="1" latinLnBrk="0" hangingPunct="1">
         <a:spcBef>
           <a:spcPct val="20000"/>
         </a:spcBef>
@@ -5494,7 +5139,7 @@
           </a:schemeClr>
         </a:buClr>
         <a:buFont typeface="Arial Narrow" panose="020B0606020202030204" pitchFamily="34" charset="0"/>
-        <a:buChar char="▲"/>
+        <a:buChar char="▼"/>
         <a:defRPr sz="1400" kern="1200">
           <a:solidFill>
             <a:schemeClr val="tx1">
@@ -5507,15 +5152,20 @@
           <a:cs typeface="+mn-cs"/>
         </a:defRPr>
       </a:lvl4pPr>
-      <a:lvl5pPr marL="1714500" indent="-342900" algn="l" defTabSz="342900" rtl="0" eaLnBrk="1" latinLnBrk="0" hangingPunct="1">
+      <a:lvl5pPr marL="895350" indent="-92075" algn="l" defTabSz="342900" rtl="0" eaLnBrk="1" latinLnBrk="0" hangingPunct="1">
         <a:spcBef>
           <a:spcPct val="20000"/>
         </a:spcBef>
-        <a:buFont typeface="Arial"/>
-        <a:buChar char="»"/>
-        <a:defRPr sz="1500" kern="1200">
+        <a:buClr>
+          <a:srgbClr val="A88000"/>
+        </a:buClr>
+        <a:buFont typeface="Arial Narrow" panose="020B0606020202030204" pitchFamily="34" charset="0"/>
+        <a:buChar char="▲"/>
+        <a:defRPr sz="1200" kern="1200">
           <a:solidFill>
-            <a:schemeClr val="tx1"/>
+            <a:schemeClr val="bg1">
+              <a:lumMod val="65000"/>
+            </a:schemeClr>
           </a:solidFill>
           <a:latin typeface="+mn-lt"/>
           <a:ea typeface="+mn-ea"/>
@@ -5733,7 +5383,9 @@
         </p:nvSpPr>
         <p:spPr/>
         <p:txBody>
-          <a:bodyPr/>
+          <a:bodyPr>
+            <a:normAutofit lnSpcReduction="10000"/>
+          </a:bodyPr>
           <a:lstStyle/>
           <a:p>
             <a:r>
@@ -5775,45 +5427,18 @@
       </p:grpSpPr>
       <p:sp>
         <p:nvSpPr>
-          <p:cNvPr id="2" name="Title 1">
-            <a:extLst>
-              <a:ext uri="{FF2B5EF4-FFF2-40B4-BE49-F238E27FC236}">
-                <a16:creationId xmlns:a16="http://schemas.microsoft.com/office/drawing/2014/main" id="{FA7F5C79-BA48-5980-35D1-8B1C8D7E85E8}"/>
-              </a:ext>
-            </a:extLst>
-          </p:cNvPr>
-          <p:cNvSpPr>
-            <a:spLocks noGrp="1"/>
-          </p:cNvSpPr>
-          <p:nvPr>
-            <p:ph type="title"/>
-          </p:nvPr>
-        </p:nvSpPr>
-        <p:spPr/>
-        <p:txBody>
-          <a:bodyPr>
-            <a:normAutofit fontScale="90000"/>
-          </a:bodyPr>
-          <a:lstStyle/>
-          <a:p>
-            <a:endParaRPr lang="en-GB"/>
-          </a:p>
-        </p:txBody>
-      </p:sp>
-      <p:sp>
-        <p:nvSpPr>
-          <p:cNvPr id="3" name="Content Placeholder 2">
-            <a:extLst>
-              <a:ext uri="{FF2B5EF4-FFF2-40B4-BE49-F238E27FC236}">
-                <a16:creationId xmlns:a16="http://schemas.microsoft.com/office/drawing/2014/main" id="{72BCEA6E-0151-A860-4BA1-A5B7FC27CC30}"/>
-              </a:ext>
-            </a:extLst>
-          </p:cNvPr>
-          <p:cNvSpPr>
-            <a:spLocks noGrp="1"/>
-          </p:cNvSpPr>
-          <p:nvPr>
-            <p:ph idx="1"/>
+          <p:cNvPr id="6" name="Title 5">
+            <a:extLst>
+              <a:ext uri="{FF2B5EF4-FFF2-40B4-BE49-F238E27FC236}">
+                <a16:creationId xmlns:a16="http://schemas.microsoft.com/office/drawing/2014/main" id="{FC9BAB6F-031E-7D8F-79A6-B01EC6B0FF88}"/>
+              </a:ext>
+            </a:extLst>
+          </p:cNvPr>
+          <p:cNvSpPr>
+            <a:spLocks noGrp="1"/>
+          </p:cNvSpPr>
+          <p:nvPr>
+            <p:ph type="ctrTitle"/>
           </p:nvPr>
         </p:nvSpPr>
         <p:spPr/>
@@ -5821,32 +5446,37 @@
           <a:bodyPr/>
           <a:lstStyle/>
           <a:p>
-            <a:endParaRPr lang="en-GB"/>
-          </a:p>
-        </p:txBody>
-      </p:sp>
-      <p:sp>
-        <p:nvSpPr>
-          <p:cNvPr id="4" name="Footer Placeholder 3">
-            <a:extLst>
-              <a:ext uri="{FF2B5EF4-FFF2-40B4-BE49-F238E27FC236}">
-                <a16:creationId xmlns:a16="http://schemas.microsoft.com/office/drawing/2014/main" id="{3449B233-7A3B-9761-DE8F-54EEEC6B5D56}"/>
-              </a:ext>
-            </a:extLst>
-          </p:cNvPr>
-          <p:cNvSpPr>
-            <a:spLocks noGrp="1"/>
-          </p:cNvSpPr>
-          <p:nvPr>
-            <p:ph type="ftr" sz="quarter" idx="11"/>
-          </p:nvPr>
-        </p:nvSpPr>
-        <p:spPr/>
+            <a:endParaRPr lang="en-GB" dirty="0"/>
+          </a:p>
+        </p:txBody>
+      </p:sp>
+      <p:sp>
+        <p:nvSpPr>
+          <p:cNvPr id="7" name="Subtitle 6">
+            <a:extLst>
+              <a:ext uri="{FF2B5EF4-FFF2-40B4-BE49-F238E27FC236}">
+                <a16:creationId xmlns:a16="http://schemas.microsoft.com/office/drawing/2014/main" id="{AF8A7AC2-6C72-5299-926C-808D801B4547}"/>
+              </a:ext>
+            </a:extLst>
+          </p:cNvPr>
+          <p:cNvSpPr>
+            <a:spLocks noGrp="1"/>
+          </p:cNvSpPr>
+          <p:nvPr>
+            <p:ph type="subTitle" idx="4294967295"/>
+          </p:nvPr>
+        </p:nvSpPr>
+        <p:spPr>
+          <a:xfrm>
+            <a:off x="679424" y="2217078"/>
+            <a:ext cx="6167438" cy="578338"/>
+          </a:xfrm>
+        </p:spPr>
         <p:txBody>
           <a:bodyPr/>
           <a:lstStyle/>
           <a:p>
-            <a:endParaRPr lang="en-US"/>
+            <a:endParaRPr lang="en-GB" dirty="0"/>
           </a:p>
         </p:txBody>
       </p:sp>
@@ -5855,18 +5485,23 @@
           <p:cNvPr id="5" name="Slide Number Placeholder 4">
             <a:extLst>
               <a:ext uri="{FF2B5EF4-FFF2-40B4-BE49-F238E27FC236}">
-                <a16:creationId xmlns:a16="http://schemas.microsoft.com/office/drawing/2014/main" id="{F453DD10-7C60-7C3B-B6DC-9C40EB6F9AE5}"/>
-              </a:ext>
-            </a:extLst>
-          </p:cNvPr>
-          <p:cNvSpPr>
-            <a:spLocks noGrp="1"/>
-          </p:cNvSpPr>
-          <p:nvPr>
-            <p:ph type="sldNum" sz="quarter" idx="12"/>
-          </p:nvPr>
-        </p:nvSpPr>
-        <p:spPr/>
+                <a16:creationId xmlns:a16="http://schemas.microsoft.com/office/drawing/2014/main" id="{EA4CF3E1-D97C-2853-D008-D08BC086282E}"/>
+              </a:ext>
+            </a:extLst>
+          </p:cNvPr>
+          <p:cNvSpPr>
+            <a:spLocks noGrp="1"/>
+          </p:cNvSpPr>
+          <p:nvPr>
+            <p:ph type="sldNum" sz="quarter" idx="4294967295"/>
+          </p:nvPr>
+        </p:nvSpPr>
+        <p:spPr>
+          <a:xfrm>
+            <a:off x="8474075" y="4933950"/>
+            <a:ext cx="669925" cy="163513"/>
+          </a:xfrm>
+        </p:spPr>
         <p:txBody>
           <a:bodyPr/>
           <a:lstStyle/>
@@ -5887,7 +5522,7 @@
     </p:spTree>
     <p:extLst>
       <p:ext uri="{BB962C8B-B14F-4D97-AF65-F5344CB8AC3E}">
-        <p14:creationId xmlns:p14="http://schemas.microsoft.com/office/powerpoint/2010/main" val="4021563697"/>
+        <p14:creationId xmlns:p14="http://schemas.microsoft.com/office/powerpoint/2010/main" val="2871872063"/>
       </p:ext>
     </p:extLst>
   </p:cSld>
@@ -5916,10 +5551,37 @@
       </p:grpSpPr>
       <p:sp>
         <p:nvSpPr>
-          <p:cNvPr id="13" name="Content Placeholder 12">
-            <a:extLst>
-              <a:ext uri="{FF2B5EF4-FFF2-40B4-BE49-F238E27FC236}">
-                <a16:creationId xmlns:a16="http://schemas.microsoft.com/office/drawing/2014/main" id="{D6395270-2D64-1917-CDE2-EB9F1FCBB8C0}"/>
+          <p:cNvPr id="6" name="Title 5">
+            <a:extLst>
+              <a:ext uri="{FF2B5EF4-FFF2-40B4-BE49-F238E27FC236}">
+                <a16:creationId xmlns:a16="http://schemas.microsoft.com/office/drawing/2014/main" id="{1C4982E0-E32E-DDAA-6F79-72E50699D002}"/>
+              </a:ext>
+            </a:extLst>
+          </p:cNvPr>
+          <p:cNvSpPr>
+            <a:spLocks noGrp="1"/>
+          </p:cNvSpPr>
+          <p:nvPr>
+            <p:ph type="title"/>
+          </p:nvPr>
+        </p:nvSpPr>
+        <p:spPr/>
+        <p:txBody>
+          <a:bodyPr>
+            <a:normAutofit fontScale="90000"/>
+          </a:bodyPr>
+          <a:lstStyle/>
+          <a:p>
+            <a:endParaRPr lang="en-GB"/>
+          </a:p>
+        </p:txBody>
+      </p:sp>
+      <p:sp>
+        <p:nvSpPr>
+          <p:cNvPr id="7" name="Content Placeholder 6">
+            <a:extLst>
+              <a:ext uri="{FF2B5EF4-FFF2-40B4-BE49-F238E27FC236}">
+                <a16:creationId xmlns:a16="http://schemas.microsoft.com/office/drawing/2014/main" id="{A46D2ABD-CAB6-9EDB-C67C-F9EC07538771}"/>
               </a:ext>
             </a:extLst>
           </p:cNvPr>
@@ -5941,18 +5603,18 @@
       </p:sp>
       <p:sp>
         <p:nvSpPr>
-          <p:cNvPr id="14" name="Text Placeholder 13">
-            <a:extLst>
-              <a:ext uri="{FF2B5EF4-FFF2-40B4-BE49-F238E27FC236}">
-                <a16:creationId xmlns:a16="http://schemas.microsoft.com/office/drawing/2014/main" id="{82B6F22E-1E30-3B9C-08FD-08F129C5380D}"/>
-              </a:ext>
-            </a:extLst>
-          </p:cNvPr>
-          <p:cNvSpPr>
-            <a:spLocks noGrp="1"/>
-          </p:cNvSpPr>
-          <p:nvPr>
-            <p:ph type="body" sz="half" idx="2"/>
+          <p:cNvPr id="4" name="Footer Placeholder 3">
+            <a:extLst>
+              <a:ext uri="{FF2B5EF4-FFF2-40B4-BE49-F238E27FC236}">
+                <a16:creationId xmlns:a16="http://schemas.microsoft.com/office/drawing/2014/main" id="{3449B233-7A3B-9761-DE8F-54EEEC6B5D56}"/>
+              </a:ext>
+            </a:extLst>
+          </p:cNvPr>
+          <p:cNvSpPr>
+            <a:spLocks noGrp="1"/>
+          </p:cNvSpPr>
+          <p:nvPr>
+            <p:ph type="ftr" sz="quarter" idx="11"/>
           </p:nvPr>
         </p:nvSpPr>
         <p:spPr/>
@@ -5960,41 +5622,16 @@
           <a:bodyPr/>
           <a:lstStyle/>
           <a:p>
-            <a:endParaRPr lang="en-GB"/>
-          </a:p>
-        </p:txBody>
-      </p:sp>
-      <p:sp>
-        <p:nvSpPr>
-          <p:cNvPr id="5" name="Footer Placeholder 4">
-            <a:extLst>
-              <a:ext uri="{FF2B5EF4-FFF2-40B4-BE49-F238E27FC236}">
-                <a16:creationId xmlns:a16="http://schemas.microsoft.com/office/drawing/2014/main" id="{176A37D5-BAC5-A73B-FF7C-8CFFC7C32C30}"/>
-              </a:ext>
-            </a:extLst>
-          </p:cNvPr>
-          <p:cNvSpPr>
-            <a:spLocks noGrp="1"/>
-          </p:cNvSpPr>
-          <p:nvPr>
-            <p:ph type="ftr" sz="quarter" idx="11"/>
-          </p:nvPr>
-        </p:nvSpPr>
-        <p:spPr/>
-        <p:txBody>
-          <a:bodyPr/>
-          <a:lstStyle/>
-          <a:p>
             <a:endParaRPr lang="en-US"/>
           </a:p>
         </p:txBody>
       </p:sp>
       <p:sp>
         <p:nvSpPr>
-          <p:cNvPr id="6" name="Slide Number Placeholder 5">
-            <a:extLst>
-              <a:ext uri="{FF2B5EF4-FFF2-40B4-BE49-F238E27FC236}">
-                <a16:creationId xmlns:a16="http://schemas.microsoft.com/office/drawing/2014/main" id="{7F09A2E5-F286-4039-BAA1-4A91D7F84611}"/>
+          <p:cNvPr id="5" name="Slide Number Placeholder 4">
+            <a:extLst>
+              <a:ext uri="{FF2B5EF4-FFF2-40B4-BE49-F238E27FC236}">
+                <a16:creationId xmlns:a16="http://schemas.microsoft.com/office/drawing/2014/main" id="{F453DD10-7C60-7C3B-B6DC-9C40EB6F9AE5}"/>
               </a:ext>
             </a:extLst>
           </p:cNvPr>
@@ -6023,37 +5660,10 @@
           </a:p>
         </p:txBody>
       </p:sp>
-      <p:sp>
-        <p:nvSpPr>
-          <p:cNvPr id="12" name="Title 11">
-            <a:extLst>
-              <a:ext uri="{FF2B5EF4-FFF2-40B4-BE49-F238E27FC236}">
-                <a16:creationId xmlns:a16="http://schemas.microsoft.com/office/drawing/2014/main" id="{17DD9871-855E-BF4F-A40A-22AC843E375E}"/>
-              </a:ext>
-            </a:extLst>
-          </p:cNvPr>
-          <p:cNvSpPr>
-            <a:spLocks noGrp="1"/>
-          </p:cNvSpPr>
-          <p:nvPr>
-            <p:ph type="title"/>
-          </p:nvPr>
-        </p:nvSpPr>
-        <p:spPr/>
-        <p:txBody>
-          <a:bodyPr>
-            <a:normAutofit fontScale="90000"/>
-          </a:bodyPr>
-          <a:lstStyle/>
-          <a:p>
-            <a:endParaRPr lang="en-GB"/>
-          </a:p>
-        </p:txBody>
-      </p:sp>
     </p:spTree>
     <p:extLst>
       <p:ext uri="{BB962C8B-B14F-4D97-AF65-F5344CB8AC3E}">
-        <p14:creationId xmlns:p14="http://schemas.microsoft.com/office/powerpoint/2010/main" val="1592017663"/>
+        <p14:creationId xmlns:p14="http://schemas.microsoft.com/office/powerpoint/2010/main" val="4021563697"/>
       </p:ext>
     </p:extLst>
   </p:cSld>
@@ -6082,18 +5692,45 @@
       </p:grpSpPr>
       <p:sp>
         <p:nvSpPr>
+          <p:cNvPr id="6" name="Title 5">
+            <a:extLst>
+              <a:ext uri="{FF2B5EF4-FFF2-40B4-BE49-F238E27FC236}">
+                <a16:creationId xmlns:a16="http://schemas.microsoft.com/office/drawing/2014/main" id="{D1BA531B-2508-708B-A84E-54C035C97C33}"/>
+              </a:ext>
+            </a:extLst>
+          </p:cNvPr>
+          <p:cNvSpPr>
+            <a:spLocks noGrp="1"/>
+          </p:cNvSpPr>
+          <p:nvPr>
+            <p:ph type="title"/>
+          </p:nvPr>
+        </p:nvSpPr>
+        <p:spPr/>
+        <p:txBody>
+          <a:bodyPr>
+            <a:normAutofit fontScale="90000"/>
+          </a:bodyPr>
+          <a:lstStyle/>
+          <a:p>
+            <a:endParaRPr lang="en-GB"/>
+          </a:p>
+        </p:txBody>
+      </p:sp>
+      <p:sp>
+        <p:nvSpPr>
           <p:cNvPr id="7" name="Content Placeholder 6">
             <a:extLst>
               <a:ext uri="{FF2B5EF4-FFF2-40B4-BE49-F238E27FC236}">
-                <a16:creationId xmlns:a16="http://schemas.microsoft.com/office/drawing/2014/main" id="{1A89E40E-F330-C668-98E9-3A374569E615}"/>
-              </a:ext>
-            </a:extLst>
-          </p:cNvPr>
-          <p:cNvSpPr>
-            <a:spLocks noGrp="1"/>
-          </p:cNvSpPr>
-          <p:nvPr>
-            <p:ph sz="quarter" idx="10"/>
+                <a16:creationId xmlns:a16="http://schemas.microsoft.com/office/drawing/2014/main" id="{9BC567F2-4207-5FA7-2B55-FB368FF4BD01}"/>
+              </a:ext>
+            </a:extLst>
+          </p:cNvPr>
+          <p:cNvSpPr>
+            <a:spLocks noGrp="1"/>
+          </p:cNvSpPr>
+          <p:nvPr>
+            <p:ph idx="1"/>
           </p:nvPr>
         </p:nvSpPr>
         <p:spPr/>
@@ -6107,26 +5744,121 @@
       </p:sp>
       <p:sp>
         <p:nvSpPr>
-          <p:cNvPr id="6" name="Slide Number Placeholder 5">
-            <a:extLst>
-              <a:ext uri="{FF2B5EF4-FFF2-40B4-BE49-F238E27FC236}">
-                <a16:creationId xmlns:a16="http://schemas.microsoft.com/office/drawing/2014/main" id="{E3EC6D8A-55B5-CB56-17CD-C64CAE7D1314}"/>
-              </a:ext>
-            </a:extLst>
-          </p:cNvPr>
-          <p:cNvSpPr>
-            <a:spLocks noGrp="1"/>
-          </p:cNvSpPr>
-          <p:nvPr>
-            <p:ph type="sldNum" sz="quarter" idx="4294967295"/>
-          </p:nvPr>
-        </p:nvSpPr>
-        <p:spPr>
-          <a:xfrm>
-            <a:off x="8369300" y="4937125"/>
-            <a:ext cx="774700" cy="180975"/>
-          </a:xfrm>
-        </p:spPr>
+          <p:cNvPr id="8" name="Text Placeholder 7">
+            <a:extLst>
+              <a:ext uri="{FF2B5EF4-FFF2-40B4-BE49-F238E27FC236}">
+                <a16:creationId xmlns:a16="http://schemas.microsoft.com/office/drawing/2014/main" id="{7315A16E-4A37-3ABB-F708-362D7E4555E8}"/>
+              </a:ext>
+            </a:extLst>
+          </p:cNvPr>
+          <p:cNvSpPr>
+            <a:spLocks noGrp="1"/>
+          </p:cNvSpPr>
+          <p:nvPr>
+            <p:ph type="body" sz="half" idx="2"/>
+          </p:nvPr>
+        </p:nvSpPr>
+        <p:spPr/>
+        <p:txBody>
+          <a:bodyPr/>
+          <a:lstStyle/>
+          <a:p>
+            <a:endParaRPr lang="en-GB"/>
+          </a:p>
+        </p:txBody>
+      </p:sp>
+      <p:sp>
+        <p:nvSpPr>
+          <p:cNvPr id="9" name="Text Placeholder 8">
+            <a:extLst>
+              <a:ext uri="{FF2B5EF4-FFF2-40B4-BE49-F238E27FC236}">
+                <a16:creationId xmlns:a16="http://schemas.microsoft.com/office/drawing/2014/main" id="{98F667EF-FB64-8EA0-B2CA-99CC30528478}"/>
+              </a:ext>
+            </a:extLst>
+          </p:cNvPr>
+          <p:cNvSpPr>
+            <a:spLocks noGrp="1"/>
+          </p:cNvSpPr>
+          <p:nvPr>
+            <p:ph type="body" sz="half" idx="13"/>
+          </p:nvPr>
+        </p:nvSpPr>
+        <p:spPr/>
+        <p:txBody>
+          <a:bodyPr/>
+          <a:lstStyle/>
+          <a:p>
+            <a:endParaRPr lang="en-GB"/>
+          </a:p>
+        </p:txBody>
+      </p:sp>
+      <p:sp>
+        <p:nvSpPr>
+          <p:cNvPr id="10" name="Content Placeholder 9">
+            <a:extLst>
+              <a:ext uri="{FF2B5EF4-FFF2-40B4-BE49-F238E27FC236}">
+                <a16:creationId xmlns:a16="http://schemas.microsoft.com/office/drawing/2014/main" id="{7345FCEF-4422-F959-B460-44BA81603586}"/>
+              </a:ext>
+            </a:extLst>
+          </p:cNvPr>
+          <p:cNvSpPr>
+            <a:spLocks noGrp="1"/>
+          </p:cNvSpPr>
+          <p:nvPr>
+            <p:ph idx="14"/>
+          </p:nvPr>
+        </p:nvSpPr>
+        <p:spPr/>
+        <p:txBody>
+          <a:bodyPr/>
+          <a:lstStyle/>
+          <a:p>
+            <a:endParaRPr lang="en-GB"/>
+          </a:p>
+        </p:txBody>
+      </p:sp>
+      <p:sp>
+        <p:nvSpPr>
+          <p:cNvPr id="4" name="Footer Placeholder 3">
+            <a:extLst>
+              <a:ext uri="{FF2B5EF4-FFF2-40B4-BE49-F238E27FC236}">
+                <a16:creationId xmlns:a16="http://schemas.microsoft.com/office/drawing/2014/main" id="{547AABBB-5512-DA3C-E32A-DBD097CB096A}"/>
+              </a:ext>
+            </a:extLst>
+          </p:cNvPr>
+          <p:cNvSpPr>
+            <a:spLocks noGrp="1"/>
+          </p:cNvSpPr>
+          <p:nvPr>
+            <p:ph type="ftr" sz="quarter" idx="11"/>
+          </p:nvPr>
+        </p:nvSpPr>
+        <p:spPr/>
+        <p:txBody>
+          <a:bodyPr/>
+          <a:lstStyle/>
+          <a:p>
+            <a:endParaRPr lang="en-US" dirty="0"/>
+          </a:p>
+        </p:txBody>
+      </p:sp>
+      <p:sp>
+        <p:nvSpPr>
+          <p:cNvPr id="5" name="Slide Number Placeholder 4">
+            <a:extLst>
+              <a:ext uri="{FF2B5EF4-FFF2-40B4-BE49-F238E27FC236}">
+                <a16:creationId xmlns:a16="http://schemas.microsoft.com/office/drawing/2014/main" id="{BF9727D2-A756-F6C1-D6E1-CFC28641B35A}"/>
+              </a:ext>
+            </a:extLst>
+          </p:cNvPr>
+          <p:cNvSpPr>
+            <a:spLocks noGrp="1"/>
+          </p:cNvSpPr>
+          <p:nvPr>
+            <p:ph type="sldNum" sz="quarter" idx="12"/>
+          </p:nvPr>
+        </p:nvSpPr>
+        <p:spPr/>
         <p:txBody>
           <a:bodyPr/>
           <a:lstStyle/>
@@ -6139,6 +5871,276 @@
               <a:rPr lang="en-US" smtClean="0"/>
               <a:pPr/>
               <a:t>4</a:t>
+            </a:fld>
+            <a:endParaRPr lang="en-US" dirty="0"/>
+          </a:p>
+        </p:txBody>
+      </p:sp>
+    </p:spTree>
+    <p:extLst>
+      <p:ext uri="{BB962C8B-B14F-4D97-AF65-F5344CB8AC3E}">
+        <p14:creationId xmlns:p14="http://schemas.microsoft.com/office/powerpoint/2010/main" val="2538292452"/>
+      </p:ext>
+    </p:extLst>
+  </p:cSld>
+  <p:clrMapOvr>
+    <a:masterClrMapping/>
+  </p:clrMapOvr>
+</p:sld>
+</file>
+
+<file path=ppt/slides/slide5.xml><?xml version="1.0" encoding="utf-8"?>
+<p:sld xmlns:a="http://schemas.openxmlformats.org/drawingml/2006/main" xmlns:r="http://schemas.openxmlformats.org/officeDocument/2006/relationships" xmlns:p="http://schemas.openxmlformats.org/presentationml/2006/main">
+  <p:cSld>
+    <p:spTree>
+      <p:nvGrpSpPr>
+        <p:cNvPr id="1" name=""/>
+        <p:cNvGrpSpPr/>
+        <p:nvPr/>
+      </p:nvGrpSpPr>
+      <p:grpSpPr>
+        <a:xfrm>
+          <a:off x="0" y="0"/>
+          <a:ext cx="0" cy="0"/>
+          <a:chOff x="0" y="0"/>
+          <a:chExt cx="0" cy="0"/>
+        </a:xfrm>
+      </p:grpSpPr>
+      <p:sp>
+        <p:nvSpPr>
+          <p:cNvPr id="13" name="Content Placeholder 12">
+            <a:extLst>
+              <a:ext uri="{FF2B5EF4-FFF2-40B4-BE49-F238E27FC236}">
+                <a16:creationId xmlns:a16="http://schemas.microsoft.com/office/drawing/2014/main" id="{D6395270-2D64-1917-CDE2-EB9F1FCBB8C0}"/>
+              </a:ext>
+            </a:extLst>
+          </p:cNvPr>
+          <p:cNvSpPr>
+            <a:spLocks noGrp="1"/>
+          </p:cNvSpPr>
+          <p:nvPr>
+            <p:ph idx="1"/>
+          </p:nvPr>
+        </p:nvSpPr>
+        <p:spPr/>
+        <p:txBody>
+          <a:bodyPr/>
+          <a:lstStyle/>
+          <a:p>
+            <a:endParaRPr lang="en-GB"/>
+          </a:p>
+        </p:txBody>
+      </p:sp>
+      <p:sp>
+        <p:nvSpPr>
+          <p:cNvPr id="14" name="Text Placeholder 13">
+            <a:extLst>
+              <a:ext uri="{FF2B5EF4-FFF2-40B4-BE49-F238E27FC236}">
+                <a16:creationId xmlns:a16="http://schemas.microsoft.com/office/drawing/2014/main" id="{82B6F22E-1E30-3B9C-08FD-08F129C5380D}"/>
+              </a:ext>
+            </a:extLst>
+          </p:cNvPr>
+          <p:cNvSpPr>
+            <a:spLocks noGrp="1"/>
+          </p:cNvSpPr>
+          <p:nvPr>
+            <p:ph type="body" sz="half" idx="2"/>
+          </p:nvPr>
+        </p:nvSpPr>
+        <p:spPr/>
+        <p:txBody>
+          <a:bodyPr/>
+          <a:lstStyle/>
+          <a:p>
+            <a:endParaRPr lang="en-GB"/>
+          </a:p>
+        </p:txBody>
+      </p:sp>
+      <p:sp>
+        <p:nvSpPr>
+          <p:cNvPr id="5" name="Footer Placeholder 4">
+            <a:extLst>
+              <a:ext uri="{FF2B5EF4-FFF2-40B4-BE49-F238E27FC236}">
+                <a16:creationId xmlns:a16="http://schemas.microsoft.com/office/drawing/2014/main" id="{176A37D5-BAC5-A73B-FF7C-8CFFC7C32C30}"/>
+              </a:ext>
+            </a:extLst>
+          </p:cNvPr>
+          <p:cNvSpPr>
+            <a:spLocks noGrp="1"/>
+          </p:cNvSpPr>
+          <p:nvPr>
+            <p:ph type="ftr" sz="quarter" idx="11"/>
+          </p:nvPr>
+        </p:nvSpPr>
+        <p:spPr/>
+        <p:txBody>
+          <a:bodyPr/>
+          <a:lstStyle/>
+          <a:p>
+            <a:endParaRPr lang="en-US"/>
+          </a:p>
+        </p:txBody>
+      </p:sp>
+      <p:sp>
+        <p:nvSpPr>
+          <p:cNvPr id="6" name="Slide Number Placeholder 5">
+            <a:extLst>
+              <a:ext uri="{FF2B5EF4-FFF2-40B4-BE49-F238E27FC236}">
+                <a16:creationId xmlns:a16="http://schemas.microsoft.com/office/drawing/2014/main" id="{7F09A2E5-F286-4039-BAA1-4A91D7F84611}"/>
+              </a:ext>
+            </a:extLst>
+          </p:cNvPr>
+          <p:cNvSpPr>
+            <a:spLocks noGrp="1"/>
+          </p:cNvSpPr>
+          <p:nvPr>
+            <p:ph type="sldNum" sz="quarter" idx="12"/>
+          </p:nvPr>
+        </p:nvSpPr>
+        <p:spPr>
+          <a:xfrm>
+            <a:off x="7912100" y="4937521"/>
+            <a:ext cx="774700" cy="180215"/>
+          </a:xfrm>
+        </p:spPr>
+        <p:txBody>
+          <a:bodyPr/>
+          <a:lstStyle/>
+          <a:p>
+            <a:r>
+              <a:rPr lang="en-US"/>
+              <a:t>Slide </a:t>
+            </a:r>
+            <a:fld id="{C5EF2332-01BF-834F-8236-50238282D533}" type="slidenum">
+              <a:rPr lang="en-US" smtClean="0"/>
+              <a:pPr/>
+              <a:t>5</a:t>
+            </a:fld>
+            <a:endParaRPr lang="en-US" dirty="0"/>
+          </a:p>
+        </p:txBody>
+      </p:sp>
+      <p:sp>
+        <p:nvSpPr>
+          <p:cNvPr id="12" name="Title 11">
+            <a:extLst>
+              <a:ext uri="{FF2B5EF4-FFF2-40B4-BE49-F238E27FC236}">
+                <a16:creationId xmlns:a16="http://schemas.microsoft.com/office/drawing/2014/main" id="{17DD9871-855E-BF4F-A40A-22AC843E375E}"/>
+              </a:ext>
+            </a:extLst>
+          </p:cNvPr>
+          <p:cNvSpPr>
+            <a:spLocks noGrp="1"/>
+          </p:cNvSpPr>
+          <p:nvPr>
+            <p:ph type="title"/>
+          </p:nvPr>
+        </p:nvSpPr>
+        <p:spPr>
+          <a:xfrm>
+            <a:off x="457200" y="205980"/>
+            <a:ext cx="6864350" cy="354002"/>
+          </a:xfrm>
+        </p:spPr>
+        <p:txBody>
+          <a:bodyPr>
+            <a:normAutofit fontScale="90000"/>
+          </a:bodyPr>
+          <a:lstStyle/>
+          <a:p>
+            <a:endParaRPr lang="en-GB"/>
+          </a:p>
+        </p:txBody>
+      </p:sp>
+    </p:spTree>
+    <p:extLst>
+      <p:ext uri="{BB962C8B-B14F-4D97-AF65-F5344CB8AC3E}">
+        <p14:creationId xmlns:p14="http://schemas.microsoft.com/office/powerpoint/2010/main" val="1592017663"/>
+      </p:ext>
+    </p:extLst>
+  </p:cSld>
+  <p:clrMapOvr>
+    <a:masterClrMapping/>
+  </p:clrMapOvr>
+</p:sld>
+</file>
+
+<file path=ppt/slides/slide6.xml><?xml version="1.0" encoding="utf-8"?>
+<p:sld xmlns:a="http://schemas.openxmlformats.org/drawingml/2006/main" xmlns:r="http://schemas.openxmlformats.org/officeDocument/2006/relationships" xmlns:p="http://schemas.openxmlformats.org/presentationml/2006/main">
+  <p:cSld>
+    <p:spTree>
+      <p:nvGrpSpPr>
+        <p:cNvPr id="1" name=""/>
+        <p:cNvGrpSpPr/>
+        <p:nvPr/>
+      </p:nvGrpSpPr>
+      <p:grpSpPr>
+        <a:xfrm>
+          <a:off x="0" y="0"/>
+          <a:ext cx="0" cy="0"/>
+          <a:chOff x="0" y="0"/>
+          <a:chExt cx="0" cy="0"/>
+        </a:xfrm>
+      </p:grpSpPr>
+      <p:sp>
+        <p:nvSpPr>
+          <p:cNvPr id="7" name="Content Placeholder 6">
+            <a:extLst>
+              <a:ext uri="{FF2B5EF4-FFF2-40B4-BE49-F238E27FC236}">
+                <a16:creationId xmlns:a16="http://schemas.microsoft.com/office/drawing/2014/main" id="{1A89E40E-F330-C668-98E9-3A374569E615}"/>
+              </a:ext>
+            </a:extLst>
+          </p:cNvPr>
+          <p:cNvSpPr>
+            <a:spLocks noGrp="1"/>
+          </p:cNvSpPr>
+          <p:nvPr>
+            <p:ph sz="quarter" idx="10"/>
+          </p:nvPr>
+        </p:nvSpPr>
+        <p:spPr/>
+        <p:txBody>
+          <a:bodyPr/>
+          <a:lstStyle/>
+          <a:p>
+            <a:endParaRPr lang="en-GB"/>
+          </a:p>
+        </p:txBody>
+      </p:sp>
+      <p:sp>
+        <p:nvSpPr>
+          <p:cNvPr id="6" name="Slide Number Placeholder 5">
+            <a:extLst>
+              <a:ext uri="{FF2B5EF4-FFF2-40B4-BE49-F238E27FC236}">
+                <a16:creationId xmlns:a16="http://schemas.microsoft.com/office/drawing/2014/main" id="{E3EC6D8A-55B5-CB56-17CD-C64CAE7D1314}"/>
+              </a:ext>
+            </a:extLst>
+          </p:cNvPr>
+          <p:cNvSpPr>
+            <a:spLocks noGrp="1"/>
+          </p:cNvSpPr>
+          <p:nvPr>
+            <p:ph type="sldNum" sz="quarter" idx="4294967295"/>
+          </p:nvPr>
+        </p:nvSpPr>
+        <p:spPr>
+          <a:xfrm>
+            <a:off x="8369300" y="4937125"/>
+            <a:ext cx="774700" cy="180975"/>
+          </a:xfrm>
+        </p:spPr>
+        <p:txBody>
+          <a:bodyPr/>
+          <a:lstStyle/>
+          <a:p>
+            <a:r>
+              <a:rPr lang="en-US"/>
+              <a:t>Slide </a:t>
+            </a:r>
+            <a:fld id="{C5EF2332-01BF-834F-8236-50238282D533}" type="slidenum">
+              <a:rPr lang="en-US" smtClean="0"/>
+              <a:pPr/>
+              <a:t>6</a:t>
             </a:fld>
             <a:endParaRPr lang="en-US" dirty="0"/>
           </a:p>
